--- a/LearnR Lessons Functions FunctionComponents.pptx
+++ b/LearnR Lessons Functions FunctionComponents.pptx
@@ -5,7 +5,7 @@
     <p:sldMasterId id="2147483648" r:id="rId1"/>
   </p:sldMasterIdLst>
   <p:notesMasterIdLst>
-    <p:notesMasterId r:id="rId41"/>
+    <p:notesMasterId r:id="rId50"/>
   </p:notesMasterIdLst>
   <p:sldIdLst>
     <p:sldId id="257" r:id="rId2"/>
@@ -26,10 +26,10 @@
     <p:sldId id="273" r:id="rId17"/>
     <p:sldId id="274" r:id="rId18"/>
     <p:sldId id="276" r:id="rId19"/>
-    <p:sldId id="275" r:id="rId20"/>
+    <p:sldId id="300" r:id="rId20"/>
     <p:sldId id="277" r:id="rId21"/>
     <p:sldId id="278" r:id="rId22"/>
-    <p:sldId id="279" r:id="rId23"/>
+    <p:sldId id="296" r:id="rId23"/>
     <p:sldId id="280" r:id="rId24"/>
     <p:sldId id="281" r:id="rId25"/>
     <p:sldId id="282" r:id="rId26"/>
@@ -45,8 +45,17 @@
     <p:sldId id="293" r:id="rId36"/>
     <p:sldId id="294" r:id="rId37"/>
     <p:sldId id="295" r:id="rId38"/>
-    <p:sldId id="287" r:id="rId39"/>
-    <p:sldId id="256" r:id="rId40"/>
+    <p:sldId id="297" r:id="rId39"/>
+    <p:sldId id="298" r:id="rId40"/>
+    <p:sldId id="299" r:id="rId41"/>
+    <p:sldId id="301" r:id="rId42"/>
+    <p:sldId id="302" r:id="rId43"/>
+    <p:sldId id="303" r:id="rId44"/>
+    <p:sldId id="306" r:id="rId45"/>
+    <p:sldId id="304" r:id="rId46"/>
+    <p:sldId id="287" r:id="rId47"/>
+    <p:sldId id="305" r:id="rId48"/>
+    <p:sldId id="256" r:id="rId49"/>
   </p:sldIdLst>
   <p:sldSz cx="9144000" cy="6858000" type="screen4x3"/>
   <p:notesSz cx="6858000" cy="9144000"/>
@@ -230,7 +239,8 @@
           <a:p>
             <a:fld id="{30B7B827-4A4E-4003-84C0-D94C7CA81007}" type="datetimeFigureOut">
               <a:rPr lang="en-US" smtClean="0"/>
-              <a:t>12/21/2015</a:t>
+              <a:pPr/>
+              <a:t>12/29/2015</a:t>
             </a:fld>
             <a:endParaRPr lang="en-US"/>
           </a:p>
@@ -391,6 +401,7 @@
           <a:p>
             <a:fld id="{6D7ADF32-3D6E-44A4-8CBD-DB575DFB475F}" type="slidenum">
               <a:rPr lang="en-US" smtClean="0"/>
+              <a:pPr/>
               <a:t>‹#›</a:t>
             </a:fld>
             <a:endParaRPr lang="en-US"/>
@@ -562,6 +573,7 @@
           <a:p>
             <a:fld id="{6D7ADF32-3D6E-44A4-8CBD-DB575DFB475F}" type="slidenum">
               <a:rPr lang="en-US" smtClean="0"/>
+              <a:pPr/>
               <a:t>4</a:t>
             </a:fld>
             <a:endParaRPr lang="en-US"/>
@@ -651,6 +663,7 @@
           <a:p>
             <a:fld id="{6D7ADF32-3D6E-44A4-8CBD-DB575DFB475F}" type="slidenum">
               <a:rPr lang="en-US" smtClean="0"/>
+              <a:pPr/>
               <a:t>17</a:t>
             </a:fld>
             <a:endParaRPr lang="en-US"/>
@@ -740,6 +753,7 @@
           <a:p>
             <a:fld id="{6D7ADF32-3D6E-44A4-8CBD-DB575DFB475F}" type="slidenum">
               <a:rPr lang="en-US" smtClean="0"/>
+              <a:pPr/>
               <a:t>18</a:t>
             </a:fld>
             <a:endParaRPr lang="en-US"/>
@@ -829,7 +843,8 @@
           <a:p>
             <a:fld id="{6D7ADF32-3D6E-44A4-8CBD-DB575DFB475F}" type="slidenum">
               <a:rPr lang="en-US" smtClean="0"/>
-              <a:t>19</a:t>
+              <a:pPr/>
+              <a:t>20</a:t>
             </a:fld>
             <a:endParaRPr lang="en-US"/>
           </a:p>
@@ -918,7 +933,8 @@
           <a:p>
             <a:fld id="{6D7ADF32-3D6E-44A4-8CBD-DB575DFB475F}" type="slidenum">
               <a:rPr lang="en-US" smtClean="0"/>
-              <a:t>20</a:t>
+              <a:pPr/>
+              <a:t>21</a:t>
             </a:fld>
             <a:endParaRPr lang="en-US"/>
           </a:p>
@@ -1007,7 +1023,8 @@
           <a:p>
             <a:fld id="{6D7ADF32-3D6E-44A4-8CBD-DB575DFB475F}" type="slidenum">
               <a:rPr lang="en-US" smtClean="0"/>
-              <a:t>21</a:t>
+              <a:pPr/>
+              <a:t>24</a:t>
             </a:fld>
             <a:endParaRPr lang="en-US"/>
           </a:p>
@@ -1096,7 +1113,8 @@
           <a:p>
             <a:fld id="{6D7ADF32-3D6E-44A4-8CBD-DB575DFB475F}" type="slidenum">
               <a:rPr lang="en-US" smtClean="0"/>
-              <a:t>22</a:t>
+              <a:pPr/>
+              <a:t>25</a:t>
             </a:fld>
             <a:endParaRPr lang="en-US"/>
           </a:p>
@@ -1185,7 +1203,8 @@
           <a:p>
             <a:fld id="{6D7ADF32-3D6E-44A4-8CBD-DB575DFB475F}" type="slidenum">
               <a:rPr lang="en-US" smtClean="0"/>
-              <a:t>24</a:t>
+              <a:pPr/>
+              <a:t>26</a:t>
             </a:fld>
             <a:endParaRPr lang="en-US"/>
           </a:p>
@@ -1274,7 +1293,8 @@
           <a:p>
             <a:fld id="{6D7ADF32-3D6E-44A4-8CBD-DB575DFB475F}" type="slidenum">
               <a:rPr lang="en-US" smtClean="0"/>
-              <a:t>25</a:t>
+              <a:pPr/>
+              <a:t>27</a:t>
             </a:fld>
             <a:endParaRPr lang="en-US"/>
           </a:p>
@@ -1363,7 +1383,8 @@
           <a:p>
             <a:fld id="{6D7ADF32-3D6E-44A4-8CBD-DB575DFB475F}" type="slidenum">
               <a:rPr lang="en-US" smtClean="0"/>
-              <a:t>26</a:t>
+              <a:pPr/>
+              <a:t>28</a:t>
             </a:fld>
             <a:endParaRPr lang="en-US"/>
           </a:p>
@@ -1452,7 +1473,8 @@
           <a:p>
             <a:fld id="{6D7ADF32-3D6E-44A4-8CBD-DB575DFB475F}" type="slidenum">
               <a:rPr lang="en-US" smtClean="0"/>
-              <a:t>27</a:t>
+              <a:pPr/>
+              <a:t>29</a:t>
             </a:fld>
             <a:endParaRPr lang="en-US"/>
           </a:p>
@@ -1533,6 +1555,7 @@
           <a:p>
             <a:fld id="{6D7ADF32-3D6E-44A4-8CBD-DB575DFB475F}" type="slidenum">
               <a:rPr lang="en-US" smtClean="0"/>
+              <a:pPr/>
               <a:t>6</a:t>
             </a:fld>
             <a:endParaRPr lang="en-US"/>
@@ -1622,7 +1645,8 @@
           <a:p>
             <a:fld id="{6D7ADF32-3D6E-44A4-8CBD-DB575DFB475F}" type="slidenum">
               <a:rPr lang="en-US" smtClean="0"/>
-              <a:t>28</a:t>
+              <a:pPr/>
+              <a:t>31</a:t>
             </a:fld>
             <a:endParaRPr lang="en-US"/>
           </a:p>
@@ -1711,7 +1735,8 @@
           <a:p>
             <a:fld id="{6D7ADF32-3D6E-44A4-8CBD-DB575DFB475F}" type="slidenum">
               <a:rPr lang="en-US" smtClean="0"/>
-              <a:t>29</a:t>
+              <a:pPr/>
+              <a:t>32</a:t>
             </a:fld>
             <a:endParaRPr lang="en-US"/>
           </a:p>
@@ -1800,7 +1825,8 @@
           <a:p>
             <a:fld id="{6D7ADF32-3D6E-44A4-8CBD-DB575DFB475F}" type="slidenum">
               <a:rPr lang="en-US" smtClean="0"/>
-              <a:t>31</a:t>
+              <a:pPr/>
+              <a:t>33</a:t>
             </a:fld>
             <a:endParaRPr lang="en-US"/>
           </a:p>
@@ -1889,7 +1915,8 @@
           <a:p>
             <a:fld id="{6D7ADF32-3D6E-44A4-8CBD-DB575DFB475F}" type="slidenum">
               <a:rPr lang="en-US" smtClean="0"/>
-              <a:t>32</a:t>
+              <a:pPr/>
+              <a:t>34</a:t>
             </a:fld>
             <a:endParaRPr lang="en-US"/>
           </a:p>
@@ -1978,7 +2005,8 @@
           <a:p>
             <a:fld id="{6D7ADF32-3D6E-44A4-8CBD-DB575DFB475F}" type="slidenum">
               <a:rPr lang="en-US" smtClean="0"/>
-              <a:t>33</a:t>
+              <a:pPr/>
+              <a:t>35</a:t>
             </a:fld>
             <a:endParaRPr lang="en-US"/>
           </a:p>
@@ -2067,7 +2095,8 @@
           <a:p>
             <a:fld id="{6D7ADF32-3D6E-44A4-8CBD-DB575DFB475F}" type="slidenum">
               <a:rPr lang="en-US" smtClean="0"/>
-              <a:t>34</a:t>
+              <a:pPr/>
+              <a:t>36</a:t>
             </a:fld>
             <a:endParaRPr lang="en-US"/>
           </a:p>
@@ -2156,7 +2185,8 @@
           <a:p>
             <a:fld id="{6D7ADF32-3D6E-44A4-8CBD-DB575DFB475F}" type="slidenum">
               <a:rPr lang="en-US" smtClean="0"/>
-              <a:t>35</a:t>
+              <a:pPr/>
+              <a:t>38</a:t>
             </a:fld>
             <a:endParaRPr lang="en-US"/>
           </a:p>
@@ -2245,7 +2275,180 @@
           <a:p>
             <a:fld id="{6D7ADF32-3D6E-44A4-8CBD-DB575DFB475F}" type="slidenum">
               <a:rPr lang="en-US" smtClean="0"/>
-              <a:t>36</a:t>
+              <a:pPr/>
+              <a:t>39</a:t>
+            </a:fld>
+            <a:endParaRPr lang="en-US"/>
+          </a:p>
+        </p:txBody>
+      </p:sp>
+    </p:spTree>
+  </p:cSld>
+  <p:clrMapOvr>
+    <a:masterClrMapping/>
+  </p:clrMapOvr>
+</p:notes>
+</file>
+
+<file path=ppt/notesSlides/notesSlide28.xml><?xml version="1.0" encoding="utf-8"?>
+<p:notes xmlns:a="http://schemas.openxmlformats.org/drawingml/2006/main" xmlns:r="http://schemas.openxmlformats.org/officeDocument/2006/relationships" xmlns:p="http://schemas.openxmlformats.org/presentationml/2006/main">
+  <p:cSld>
+    <p:spTree>
+      <p:nvGrpSpPr>
+        <p:cNvPr id="1" name=""/>
+        <p:cNvGrpSpPr/>
+        <p:nvPr/>
+      </p:nvGrpSpPr>
+      <p:grpSpPr>
+        <a:xfrm>
+          <a:off x="0" y="0"/>
+          <a:ext cx="0" cy="0"/>
+          <a:chOff x="0" y="0"/>
+          <a:chExt cx="0" cy="0"/>
+        </a:xfrm>
+      </p:grpSpPr>
+      <p:sp>
+        <p:nvSpPr>
+          <p:cNvPr id="2" name="Slide Image Placeholder 1"/>
+          <p:cNvSpPr>
+            <a:spLocks noGrp="1" noRot="1" noChangeAspect="1"/>
+          </p:cNvSpPr>
+          <p:nvPr>
+            <p:ph type="sldImg"/>
+          </p:nvPr>
+        </p:nvSpPr>
+        <p:spPr/>
+      </p:sp>
+      <p:sp>
+        <p:nvSpPr>
+          <p:cNvPr id="3" name="Notes Placeholder 2"/>
+          <p:cNvSpPr>
+            <a:spLocks noGrp="1"/>
+          </p:cNvSpPr>
+          <p:nvPr>
+            <p:ph type="body" idx="1"/>
+          </p:nvPr>
+        </p:nvSpPr>
+        <p:spPr/>
+        <p:txBody>
+          <a:bodyPr>
+            <a:normAutofit/>
+          </a:bodyPr>
+          <a:lstStyle/>
+          <a:p>
+            <a:r>
+              <a:rPr lang="en-US" dirty="0" smtClean="0"/>
+              <a:t>Note: Response changes with versions</a:t>
+            </a:r>
+            <a:r>
+              <a:rPr lang="en-US" baseline="0" dirty="0" smtClean="0"/>
+              <a:t> of R.</a:t>
+            </a:r>
+            <a:endParaRPr lang="en-US" dirty="0"/>
+          </a:p>
+        </p:txBody>
+      </p:sp>
+      <p:sp>
+        <p:nvSpPr>
+          <p:cNvPr id="4" name="Slide Number Placeholder 3"/>
+          <p:cNvSpPr>
+            <a:spLocks noGrp="1"/>
+          </p:cNvSpPr>
+          <p:nvPr>
+            <p:ph type="sldNum" sz="quarter" idx="10"/>
+          </p:nvPr>
+        </p:nvSpPr>
+        <p:spPr/>
+        <p:txBody>
+          <a:bodyPr/>
+          <a:lstStyle/>
+          <a:p>
+            <a:fld id="{6D7ADF32-3D6E-44A4-8CBD-DB575DFB475F}" type="slidenum">
+              <a:rPr lang="en-US" smtClean="0"/>
+              <a:pPr/>
+              <a:t>40</a:t>
+            </a:fld>
+            <a:endParaRPr lang="en-US"/>
+          </a:p>
+        </p:txBody>
+      </p:sp>
+    </p:spTree>
+  </p:cSld>
+  <p:clrMapOvr>
+    <a:masterClrMapping/>
+  </p:clrMapOvr>
+</p:notes>
+</file>
+
+<file path=ppt/notesSlides/notesSlide29.xml><?xml version="1.0" encoding="utf-8"?>
+<p:notes xmlns:a="http://schemas.openxmlformats.org/drawingml/2006/main" xmlns:r="http://schemas.openxmlformats.org/officeDocument/2006/relationships" xmlns:p="http://schemas.openxmlformats.org/presentationml/2006/main">
+  <p:cSld>
+    <p:spTree>
+      <p:nvGrpSpPr>
+        <p:cNvPr id="1" name=""/>
+        <p:cNvGrpSpPr/>
+        <p:nvPr/>
+      </p:nvGrpSpPr>
+      <p:grpSpPr>
+        <a:xfrm>
+          <a:off x="0" y="0"/>
+          <a:ext cx="0" cy="0"/>
+          <a:chOff x="0" y="0"/>
+          <a:chExt cx="0" cy="0"/>
+        </a:xfrm>
+      </p:grpSpPr>
+      <p:sp>
+        <p:nvSpPr>
+          <p:cNvPr id="2" name="Slide Image Placeholder 1"/>
+          <p:cNvSpPr>
+            <a:spLocks noGrp="1" noRot="1" noChangeAspect="1"/>
+          </p:cNvSpPr>
+          <p:nvPr>
+            <p:ph type="sldImg"/>
+          </p:nvPr>
+        </p:nvSpPr>
+        <p:spPr/>
+      </p:sp>
+      <p:sp>
+        <p:nvSpPr>
+          <p:cNvPr id="3" name="Notes Placeholder 2"/>
+          <p:cNvSpPr>
+            <a:spLocks noGrp="1"/>
+          </p:cNvSpPr>
+          <p:nvPr>
+            <p:ph type="body" idx="1"/>
+          </p:nvPr>
+        </p:nvSpPr>
+        <p:spPr/>
+        <p:txBody>
+          <a:bodyPr>
+            <a:normAutofit/>
+          </a:bodyPr>
+          <a:lstStyle/>
+          <a:p>
+            <a:endParaRPr lang="en-US" dirty="0"/>
+          </a:p>
+        </p:txBody>
+      </p:sp>
+      <p:sp>
+        <p:nvSpPr>
+          <p:cNvPr id="4" name="Slide Number Placeholder 3"/>
+          <p:cNvSpPr>
+            <a:spLocks noGrp="1"/>
+          </p:cNvSpPr>
+          <p:nvPr>
+            <p:ph type="sldNum" sz="quarter" idx="10"/>
+          </p:nvPr>
+        </p:nvSpPr>
+        <p:spPr/>
+        <p:txBody>
+          <a:bodyPr/>
+          <a:lstStyle/>
+          <a:p>
+            <a:fld id="{6D7ADF32-3D6E-44A4-8CBD-DB575DFB475F}" type="slidenum">
+              <a:rPr lang="en-US" smtClean="0"/>
+              <a:pPr/>
+              <a:t>42</a:t>
             </a:fld>
             <a:endParaRPr lang="en-US"/>
           </a:p>
@@ -2334,7 +2537,254 @@
           <a:p>
             <a:fld id="{6D7ADF32-3D6E-44A4-8CBD-DB575DFB475F}" type="slidenum">
               <a:rPr lang="en-US" smtClean="0"/>
+              <a:pPr/>
               <a:t>7</a:t>
+            </a:fld>
+            <a:endParaRPr lang="en-US"/>
+          </a:p>
+        </p:txBody>
+      </p:sp>
+    </p:spTree>
+  </p:cSld>
+  <p:clrMapOvr>
+    <a:masterClrMapping/>
+  </p:clrMapOvr>
+</p:notes>
+</file>
+
+<file path=ppt/notesSlides/notesSlide30.xml><?xml version="1.0" encoding="utf-8"?>
+<p:notes xmlns:a="http://schemas.openxmlformats.org/drawingml/2006/main" xmlns:r="http://schemas.openxmlformats.org/officeDocument/2006/relationships" xmlns:p="http://schemas.openxmlformats.org/presentationml/2006/main">
+  <p:cSld>
+    <p:spTree>
+      <p:nvGrpSpPr>
+        <p:cNvPr id="1" name=""/>
+        <p:cNvGrpSpPr/>
+        <p:nvPr/>
+      </p:nvGrpSpPr>
+      <p:grpSpPr>
+        <a:xfrm>
+          <a:off x="0" y="0"/>
+          <a:ext cx="0" cy="0"/>
+          <a:chOff x="0" y="0"/>
+          <a:chExt cx="0" cy="0"/>
+        </a:xfrm>
+      </p:grpSpPr>
+      <p:sp>
+        <p:nvSpPr>
+          <p:cNvPr id="2" name="Slide Image Placeholder 1"/>
+          <p:cNvSpPr>
+            <a:spLocks noGrp="1" noRot="1" noChangeAspect="1"/>
+          </p:cNvSpPr>
+          <p:nvPr>
+            <p:ph type="sldImg"/>
+          </p:nvPr>
+        </p:nvSpPr>
+        <p:spPr/>
+      </p:sp>
+      <p:sp>
+        <p:nvSpPr>
+          <p:cNvPr id="3" name="Notes Placeholder 2"/>
+          <p:cNvSpPr>
+            <a:spLocks noGrp="1"/>
+          </p:cNvSpPr>
+          <p:nvPr>
+            <p:ph type="body" idx="1"/>
+          </p:nvPr>
+        </p:nvSpPr>
+        <p:spPr/>
+        <p:txBody>
+          <a:bodyPr>
+            <a:normAutofit/>
+          </a:bodyPr>
+          <a:lstStyle/>
+          <a:p>
+            <a:endParaRPr lang="en-US" dirty="0"/>
+          </a:p>
+        </p:txBody>
+      </p:sp>
+      <p:sp>
+        <p:nvSpPr>
+          <p:cNvPr id="4" name="Slide Number Placeholder 3"/>
+          <p:cNvSpPr>
+            <a:spLocks noGrp="1"/>
+          </p:cNvSpPr>
+          <p:nvPr>
+            <p:ph type="sldNum" sz="quarter" idx="10"/>
+          </p:nvPr>
+        </p:nvSpPr>
+        <p:spPr/>
+        <p:txBody>
+          <a:bodyPr/>
+          <a:lstStyle/>
+          <a:p>
+            <a:fld id="{6D7ADF32-3D6E-44A4-8CBD-DB575DFB475F}" type="slidenum">
+              <a:rPr lang="en-US" smtClean="0"/>
+              <a:pPr/>
+              <a:t>43</a:t>
+            </a:fld>
+            <a:endParaRPr lang="en-US"/>
+          </a:p>
+        </p:txBody>
+      </p:sp>
+    </p:spTree>
+  </p:cSld>
+  <p:clrMapOvr>
+    <a:masterClrMapping/>
+  </p:clrMapOvr>
+</p:notes>
+</file>
+
+<file path=ppt/notesSlides/notesSlide31.xml><?xml version="1.0" encoding="utf-8"?>
+<p:notes xmlns:a="http://schemas.openxmlformats.org/drawingml/2006/main" xmlns:r="http://schemas.openxmlformats.org/officeDocument/2006/relationships" xmlns:p="http://schemas.openxmlformats.org/presentationml/2006/main">
+  <p:cSld>
+    <p:spTree>
+      <p:nvGrpSpPr>
+        <p:cNvPr id="1" name=""/>
+        <p:cNvGrpSpPr/>
+        <p:nvPr/>
+      </p:nvGrpSpPr>
+      <p:grpSpPr>
+        <a:xfrm>
+          <a:off x="0" y="0"/>
+          <a:ext cx="0" cy="0"/>
+          <a:chOff x="0" y="0"/>
+          <a:chExt cx="0" cy="0"/>
+        </a:xfrm>
+      </p:grpSpPr>
+      <p:sp>
+        <p:nvSpPr>
+          <p:cNvPr id="2" name="Slide Image Placeholder 1"/>
+          <p:cNvSpPr>
+            <a:spLocks noGrp="1" noRot="1" noChangeAspect="1"/>
+          </p:cNvSpPr>
+          <p:nvPr>
+            <p:ph type="sldImg"/>
+          </p:nvPr>
+        </p:nvSpPr>
+        <p:spPr/>
+      </p:sp>
+      <p:sp>
+        <p:nvSpPr>
+          <p:cNvPr id="3" name="Notes Placeholder 2"/>
+          <p:cNvSpPr>
+            <a:spLocks noGrp="1"/>
+          </p:cNvSpPr>
+          <p:nvPr>
+            <p:ph type="body" idx="1"/>
+          </p:nvPr>
+        </p:nvSpPr>
+        <p:spPr/>
+        <p:txBody>
+          <a:bodyPr>
+            <a:normAutofit/>
+          </a:bodyPr>
+          <a:lstStyle/>
+          <a:p>
+            <a:endParaRPr lang="en-US" dirty="0"/>
+          </a:p>
+        </p:txBody>
+      </p:sp>
+      <p:sp>
+        <p:nvSpPr>
+          <p:cNvPr id="4" name="Slide Number Placeholder 3"/>
+          <p:cNvSpPr>
+            <a:spLocks noGrp="1"/>
+          </p:cNvSpPr>
+          <p:nvPr>
+            <p:ph type="sldNum" sz="quarter" idx="10"/>
+          </p:nvPr>
+        </p:nvSpPr>
+        <p:spPr/>
+        <p:txBody>
+          <a:bodyPr/>
+          <a:lstStyle/>
+          <a:p>
+            <a:fld id="{6D7ADF32-3D6E-44A4-8CBD-DB575DFB475F}" type="slidenum">
+              <a:rPr lang="en-US" smtClean="0"/>
+              <a:pPr/>
+              <a:t>44</a:t>
+            </a:fld>
+            <a:endParaRPr lang="en-US"/>
+          </a:p>
+        </p:txBody>
+      </p:sp>
+    </p:spTree>
+  </p:cSld>
+  <p:clrMapOvr>
+    <a:masterClrMapping/>
+  </p:clrMapOvr>
+</p:notes>
+</file>
+
+<file path=ppt/notesSlides/notesSlide32.xml><?xml version="1.0" encoding="utf-8"?>
+<p:notes xmlns:a="http://schemas.openxmlformats.org/drawingml/2006/main" xmlns:r="http://schemas.openxmlformats.org/officeDocument/2006/relationships" xmlns:p="http://schemas.openxmlformats.org/presentationml/2006/main">
+  <p:cSld>
+    <p:spTree>
+      <p:nvGrpSpPr>
+        <p:cNvPr id="1" name=""/>
+        <p:cNvGrpSpPr/>
+        <p:nvPr/>
+      </p:nvGrpSpPr>
+      <p:grpSpPr>
+        <a:xfrm>
+          <a:off x="0" y="0"/>
+          <a:ext cx="0" cy="0"/>
+          <a:chOff x="0" y="0"/>
+          <a:chExt cx="0" cy="0"/>
+        </a:xfrm>
+      </p:grpSpPr>
+      <p:sp>
+        <p:nvSpPr>
+          <p:cNvPr id="2" name="Slide Image Placeholder 1"/>
+          <p:cNvSpPr>
+            <a:spLocks noGrp="1" noRot="1" noChangeAspect="1"/>
+          </p:cNvSpPr>
+          <p:nvPr>
+            <p:ph type="sldImg"/>
+          </p:nvPr>
+        </p:nvSpPr>
+        <p:spPr/>
+      </p:sp>
+      <p:sp>
+        <p:nvSpPr>
+          <p:cNvPr id="3" name="Notes Placeholder 2"/>
+          <p:cNvSpPr>
+            <a:spLocks noGrp="1"/>
+          </p:cNvSpPr>
+          <p:nvPr>
+            <p:ph type="body" idx="1"/>
+          </p:nvPr>
+        </p:nvSpPr>
+        <p:spPr/>
+        <p:txBody>
+          <a:bodyPr>
+            <a:normAutofit/>
+          </a:bodyPr>
+          <a:lstStyle/>
+          <a:p>
+            <a:endParaRPr lang="en-US" dirty="0"/>
+          </a:p>
+        </p:txBody>
+      </p:sp>
+      <p:sp>
+        <p:nvSpPr>
+          <p:cNvPr id="4" name="Slide Number Placeholder 3"/>
+          <p:cNvSpPr>
+            <a:spLocks noGrp="1"/>
+          </p:cNvSpPr>
+          <p:nvPr>
+            <p:ph type="sldNum" sz="quarter" idx="10"/>
+          </p:nvPr>
+        </p:nvSpPr>
+        <p:spPr/>
+        <p:txBody>
+          <a:bodyPr/>
+          <a:lstStyle/>
+          <a:p>
+            <a:fld id="{6D7ADF32-3D6E-44A4-8CBD-DB575DFB475F}" type="slidenum">
+              <a:rPr lang="en-US" smtClean="0"/>
+              <a:pPr/>
+              <a:t>45</a:t>
             </a:fld>
             <a:endParaRPr lang="en-US"/>
           </a:p>
@@ -2423,6 +2873,7 @@
           <a:p>
             <a:fld id="{6D7ADF32-3D6E-44A4-8CBD-DB575DFB475F}" type="slidenum">
               <a:rPr lang="en-US" smtClean="0"/>
+              <a:pPr/>
               <a:t>8</a:t>
             </a:fld>
             <a:endParaRPr lang="en-US"/>
@@ -2512,6 +2963,7 @@
           <a:p>
             <a:fld id="{6D7ADF32-3D6E-44A4-8CBD-DB575DFB475F}" type="slidenum">
               <a:rPr lang="en-US" smtClean="0"/>
+              <a:pPr/>
               <a:t>11</a:t>
             </a:fld>
             <a:endParaRPr lang="en-US"/>
@@ -2601,6 +3053,7 @@
           <a:p>
             <a:fld id="{6D7ADF32-3D6E-44A4-8CBD-DB575DFB475F}" type="slidenum">
               <a:rPr lang="en-US" smtClean="0"/>
+              <a:pPr/>
               <a:t>12</a:t>
             </a:fld>
             <a:endParaRPr lang="en-US"/>
@@ -2690,6 +3143,7 @@
           <a:p>
             <a:fld id="{6D7ADF32-3D6E-44A4-8CBD-DB575DFB475F}" type="slidenum">
               <a:rPr lang="en-US" smtClean="0"/>
+              <a:pPr/>
               <a:t>13</a:t>
             </a:fld>
             <a:endParaRPr lang="en-US"/>
@@ -2779,6 +3233,7 @@
           <a:p>
             <a:fld id="{6D7ADF32-3D6E-44A4-8CBD-DB575DFB475F}" type="slidenum">
               <a:rPr lang="en-US" smtClean="0"/>
+              <a:pPr/>
               <a:t>14</a:t>
             </a:fld>
             <a:endParaRPr lang="en-US"/>
@@ -2868,6 +3323,7 @@
           <a:p>
             <a:fld id="{6D7ADF32-3D6E-44A4-8CBD-DB575DFB475F}" type="slidenum">
               <a:rPr lang="en-US" smtClean="0"/>
+              <a:pPr/>
               <a:t>15</a:t>
             </a:fld>
             <a:endParaRPr lang="en-US"/>
@@ -3063,7 +3519,8 @@
           <a:p>
             <a:fld id="{F423CF4C-1E21-4B2E-A0FD-47651AF0E06A}" type="datetimeFigureOut">
               <a:rPr lang="en-US" smtClean="0"/>
-              <a:t>12/21/2015</a:t>
+              <a:pPr/>
+              <a:t>12/29/2015</a:t>
             </a:fld>
             <a:endParaRPr lang="en-US"/>
           </a:p>
@@ -3105,6 +3562,7 @@
           <a:p>
             <a:fld id="{4F7A32ED-9FA3-494E-A20F-831D42769837}" type="slidenum">
               <a:rPr lang="en-US" smtClean="0"/>
+              <a:pPr/>
               <a:t>‹#›</a:t>
             </a:fld>
             <a:endParaRPr lang="en-US"/>
@@ -3228,7 +3686,8 @@
           <a:p>
             <a:fld id="{F423CF4C-1E21-4B2E-A0FD-47651AF0E06A}" type="datetimeFigureOut">
               <a:rPr lang="en-US" smtClean="0"/>
-              <a:t>12/21/2015</a:t>
+              <a:pPr/>
+              <a:t>12/29/2015</a:t>
             </a:fld>
             <a:endParaRPr lang="en-US"/>
           </a:p>
@@ -3270,6 +3729,7 @@
           <a:p>
             <a:fld id="{4F7A32ED-9FA3-494E-A20F-831D42769837}" type="slidenum">
               <a:rPr lang="en-US" smtClean="0"/>
+              <a:pPr/>
               <a:t>‹#›</a:t>
             </a:fld>
             <a:endParaRPr lang="en-US"/>
@@ -3403,7 +3863,8 @@
           <a:p>
             <a:fld id="{F423CF4C-1E21-4B2E-A0FD-47651AF0E06A}" type="datetimeFigureOut">
               <a:rPr lang="en-US" smtClean="0"/>
-              <a:t>12/21/2015</a:t>
+              <a:pPr/>
+              <a:t>12/29/2015</a:t>
             </a:fld>
             <a:endParaRPr lang="en-US"/>
           </a:p>
@@ -3445,6 +3906,7 @@
           <a:p>
             <a:fld id="{4F7A32ED-9FA3-494E-A20F-831D42769837}" type="slidenum">
               <a:rPr lang="en-US" smtClean="0"/>
+              <a:pPr/>
               <a:t>‹#›</a:t>
             </a:fld>
             <a:endParaRPr lang="en-US"/>
@@ -3568,7 +4030,8 @@
           <a:p>
             <a:fld id="{F423CF4C-1E21-4B2E-A0FD-47651AF0E06A}" type="datetimeFigureOut">
               <a:rPr lang="en-US" smtClean="0"/>
-              <a:t>12/21/2015</a:t>
+              <a:pPr/>
+              <a:t>12/29/2015</a:t>
             </a:fld>
             <a:endParaRPr lang="en-US"/>
           </a:p>
@@ -3610,6 +4073,7 @@
           <a:p>
             <a:fld id="{4F7A32ED-9FA3-494E-A20F-831D42769837}" type="slidenum">
               <a:rPr lang="en-US" smtClean="0"/>
+              <a:pPr/>
               <a:t>‹#›</a:t>
             </a:fld>
             <a:endParaRPr lang="en-US"/>
@@ -3809,7 +4273,8 @@
           <a:p>
             <a:fld id="{F423CF4C-1E21-4B2E-A0FD-47651AF0E06A}" type="datetimeFigureOut">
               <a:rPr lang="en-US" smtClean="0"/>
-              <a:t>12/21/2015</a:t>
+              <a:pPr/>
+              <a:t>12/29/2015</a:t>
             </a:fld>
             <a:endParaRPr lang="en-US"/>
           </a:p>
@@ -3851,6 +4316,7 @@
           <a:p>
             <a:fld id="{4F7A32ED-9FA3-494E-A20F-831D42769837}" type="slidenum">
               <a:rPr lang="en-US" smtClean="0"/>
+              <a:pPr/>
               <a:t>‹#›</a:t>
             </a:fld>
             <a:endParaRPr lang="en-US"/>
@@ -4092,7 +4558,8 @@
           <a:p>
             <a:fld id="{F423CF4C-1E21-4B2E-A0FD-47651AF0E06A}" type="datetimeFigureOut">
               <a:rPr lang="en-US" smtClean="0"/>
-              <a:t>12/21/2015</a:t>
+              <a:pPr/>
+              <a:t>12/29/2015</a:t>
             </a:fld>
             <a:endParaRPr lang="en-US"/>
           </a:p>
@@ -4134,6 +4601,7 @@
           <a:p>
             <a:fld id="{4F7A32ED-9FA3-494E-A20F-831D42769837}" type="slidenum">
               <a:rPr lang="en-US" smtClean="0"/>
+              <a:pPr/>
               <a:t>‹#›</a:t>
             </a:fld>
             <a:endParaRPr lang="en-US"/>
@@ -4509,7 +4977,8 @@
           <a:p>
             <a:fld id="{F423CF4C-1E21-4B2E-A0FD-47651AF0E06A}" type="datetimeFigureOut">
               <a:rPr lang="en-US" smtClean="0"/>
-              <a:t>12/21/2015</a:t>
+              <a:pPr/>
+              <a:t>12/29/2015</a:t>
             </a:fld>
             <a:endParaRPr lang="en-US"/>
           </a:p>
@@ -4551,6 +5020,7 @@
           <a:p>
             <a:fld id="{4F7A32ED-9FA3-494E-A20F-831D42769837}" type="slidenum">
               <a:rPr lang="en-US" smtClean="0"/>
+              <a:pPr/>
               <a:t>‹#›</a:t>
             </a:fld>
             <a:endParaRPr lang="en-US"/>
@@ -4622,7 +5092,8 @@
           <a:p>
             <a:fld id="{F423CF4C-1E21-4B2E-A0FD-47651AF0E06A}" type="datetimeFigureOut">
               <a:rPr lang="en-US" smtClean="0"/>
-              <a:t>12/21/2015</a:t>
+              <a:pPr/>
+              <a:t>12/29/2015</a:t>
             </a:fld>
             <a:endParaRPr lang="en-US"/>
           </a:p>
@@ -4664,6 +5135,7 @@
           <a:p>
             <a:fld id="{4F7A32ED-9FA3-494E-A20F-831D42769837}" type="slidenum">
               <a:rPr lang="en-US" smtClean="0"/>
+              <a:pPr/>
               <a:t>‹#›</a:t>
             </a:fld>
             <a:endParaRPr lang="en-US"/>
@@ -4712,7 +5184,8 @@
           <a:p>
             <a:fld id="{F423CF4C-1E21-4B2E-A0FD-47651AF0E06A}" type="datetimeFigureOut">
               <a:rPr lang="en-US" smtClean="0"/>
-              <a:t>12/21/2015</a:t>
+              <a:pPr/>
+              <a:t>12/29/2015</a:t>
             </a:fld>
             <a:endParaRPr lang="en-US"/>
           </a:p>
@@ -4754,6 +5227,7 @@
           <a:p>
             <a:fld id="{4F7A32ED-9FA3-494E-A20F-831D42769837}" type="slidenum">
               <a:rPr lang="en-US" smtClean="0"/>
+              <a:pPr/>
               <a:t>‹#›</a:t>
             </a:fld>
             <a:endParaRPr lang="en-US"/>
@@ -4984,7 +5458,8 @@
           <a:p>
             <a:fld id="{F423CF4C-1E21-4B2E-A0FD-47651AF0E06A}" type="datetimeFigureOut">
               <a:rPr lang="en-US" smtClean="0"/>
-              <a:t>12/21/2015</a:t>
+              <a:pPr/>
+              <a:t>12/29/2015</a:t>
             </a:fld>
             <a:endParaRPr lang="en-US"/>
           </a:p>
@@ -5026,6 +5501,7 @@
           <a:p>
             <a:fld id="{4F7A32ED-9FA3-494E-A20F-831D42769837}" type="slidenum">
               <a:rPr lang="en-US" smtClean="0"/>
+              <a:pPr/>
               <a:t>‹#›</a:t>
             </a:fld>
             <a:endParaRPr lang="en-US"/>
@@ -5232,7 +5708,8 @@
           <a:p>
             <a:fld id="{F423CF4C-1E21-4B2E-A0FD-47651AF0E06A}" type="datetimeFigureOut">
               <a:rPr lang="en-US" smtClean="0"/>
-              <a:t>12/21/2015</a:t>
+              <a:pPr/>
+              <a:t>12/29/2015</a:t>
             </a:fld>
             <a:endParaRPr lang="en-US"/>
           </a:p>
@@ -5274,6 +5751,7 @@
           <a:p>
             <a:fld id="{4F7A32ED-9FA3-494E-A20F-831D42769837}" type="slidenum">
               <a:rPr lang="en-US" smtClean="0"/>
+              <a:pPr/>
               <a:t>‹#›</a:t>
             </a:fld>
             <a:endParaRPr lang="en-US"/>
@@ -5446,7 +5924,8 @@
           <a:p>
             <a:fld id="{F423CF4C-1E21-4B2E-A0FD-47651AF0E06A}" type="datetimeFigureOut">
               <a:rPr lang="en-US" smtClean="0"/>
-              <a:t>12/21/2015</a:t>
+              <a:pPr/>
+              <a:t>12/29/2015</a:t>
             </a:fld>
             <a:endParaRPr lang="en-US"/>
           </a:p>
@@ -5524,6 +6003,7 @@
           <a:p>
             <a:fld id="{4F7A32ED-9FA3-494E-A20F-831D42769837}" type="slidenum">
               <a:rPr lang="en-US" smtClean="0"/>
+              <a:pPr/>
               <a:t>‹#›</a:t>
             </a:fld>
             <a:endParaRPr lang="en-US"/>
@@ -6688,25 +7168,7 @@
                           </a:solidFill>
                           <a:latin typeface="+mn-lt"/>
                         </a:rPr>
-                        <a:t> function is given an execution environment when where v</a:t>
-                      </a:r>
-                      <a:r>
-                        <a:rPr lang="en-US" b="0" baseline="0" dirty="0" smtClean="0">
-                          <a:solidFill>
-                            <a:schemeClr val="tx1"/>
-                          </a:solidFill>
-                          <a:latin typeface="+mn-lt"/>
-                        </a:rPr>
-                        <a:t>ariables defined in the function body are maintained.</a:t>
-                      </a:r>
-                      <a:r>
-                        <a:rPr lang="en-US" b="0" baseline="0" dirty="0" smtClean="0">
-                          <a:solidFill>
-                            <a:schemeClr val="tx1"/>
-                          </a:solidFill>
-                          <a:latin typeface="+mn-lt"/>
-                        </a:rPr>
-                        <a:t> Lookup starts in this environment. </a:t>
+                        <a:t> function is given an execution environment when where variables defined in the function body are maintained. Lookup starts in this environment. </a:t>
                       </a:r>
                       <a:endParaRPr lang="en-US" b="0" dirty="0">
                         <a:solidFill>
@@ -8271,16 +8733,7 @@
                           </a:solidFill>
                           <a:latin typeface="+mn-lt"/>
                         </a:rPr>
-                        <a:t> a function is defined in the body of another function, then lexical scoping considers the body of the enclosing function as the next place to look. Thus, when function definitions are nested, lexical scoping continues to search for a match all the way </a:t>
-                      </a:r>
-                      <a:r>
-                        <a:rPr lang="en-US" b="0" baseline="0" dirty="0" smtClean="0">
-                          <a:solidFill>
-                            <a:schemeClr val="tx1"/>
-                          </a:solidFill>
-                          <a:latin typeface="+mn-lt"/>
-                        </a:rPr>
-                        <a:t>up to (typically) the global environment.</a:t>
+                        <a:t> a function is defined in the body of another function, then lexical scoping considers the body of the enclosing function as the next place to look. Thus, when function definitions are nested, lexical scoping continues to search for a match all the way up to (typically) the global environment.</a:t>
                       </a:r>
                       <a:endParaRPr lang="en-US" b="0" dirty="0">
                         <a:solidFill>
@@ -11741,6 +12194,14 @@
 <file path=ppt/slides/slide19.xml><?xml version="1.0" encoding="utf-8"?>
 <p:sld xmlns:a="http://schemas.openxmlformats.org/drawingml/2006/main" xmlns:r="http://schemas.openxmlformats.org/officeDocument/2006/relationships" xmlns:p="http://schemas.openxmlformats.org/presentationml/2006/main">
   <p:cSld>
+    <p:bg>
+      <p:bgPr>
+        <a:solidFill>
+          <a:schemeClr val="bg1"/>
+        </a:solidFill>
+        <a:effectLst/>
+      </p:bgPr>
+    </p:bg>
     <p:spTree>
       <p:nvGrpSpPr>
         <p:cNvPr id="1" name=""/>
@@ -11757,15 +12218,15 @@
       </p:grpSpPr>
       <p:graphicFrame>
         <p:nvGraphicFramePr>
-          <p:cNvPr id="18" name="Table 17"/>
+          <p:cNvPr id="2" name="Table 1"/>
           <p:cNvGraphicFramePr>
             <a:graphicFrameLocks noGrp="1"/>
           </p:cNvGraphicFramePr>
           <p:nvPr/>
         </p:nvGraphicFramePr>
         <p:xfrm>
-          <a:off x="914400" y="228600"/>
-          <a:ext cx="8229600" cy="2834640"/>
+          <a:off x="0" y="1524000"/>
+          <a:ext cx="9144000" cy="2834640"/>
         </p:xfrm>
         <a:graphic>
           <a:graphicData uri="http://schemas.openxmlformats.org/drawingml/2006/table">
@@ -11774,7 +12235,7 @@
                 <a:tableStyleId>{5C22544A-7EE6-4342-B048-85BDC9FD1C3A}</a:tableStyleId>
               </a:tblPr>
               <a:tblGrid>
-                <a:gridCol w="8229600"/>
+                <a:gridCol w="9144000"/>
               </a:tblGrid>
               <a:tr h="487680">
                 <a:tc>
@@ -11935,10 +12396,25 @@
                         </a:rPr>
                         <a:t>("(")</a:t>
                       </a:r>
+                      <a:endParaRPr lang="en-US" b="0" dirty="0" smtClean="0">
+                        <a:solidFill>
+                          <a:srgbClr val="00B0F0"/>
+                        </a:solidFill>
+                        <a:latin typeface="Courier" pitchFamily="49" charset="0"/>
+                      </a:endParaRPr>
                     </a:p>
                   </a:txBody>
                   <a:tcPr>
-                    <a:lnL w="76200" cap="flat" cmpd="sng" algn="ctr">
+                    <a:lnL w="12700" cap="flat" cmpd="sng" algn="ctr">
+                      <a:solidFill>
+                        <a:schemeClr val="tx1"/>
+                      </a:solidFill>
+                      <a:prstDash val="solid"/>
+                      <a:round/>
+                      <a:headEnd type="none" w="med" len="med"/>
+                      <a:tailEnd type="none" w="med" len="med"/>
+                    </a:lnL>
+                    <a:lnT w="76200" cap="flat" cmpd="sng" algn="ctr">
                       <a:solidFill>
                         <a:schemeClr val="bg1">
                           <a:lumMod val="65000"/>
@@ -11948,8 +12424,8 @@
                       <a:round/>
                       <a:headEnd type="none" w="med" len="med"/>
                       <a:tailEnd type="none" w="med" len="med"/>
-                    </a:lnL>
-                    <a:lnT w="76200" cap="flat" cmpd="sng" algn="ctr">
+                    </a:lnT>
+                    <a:lnB w="76200" cap="flat" cmpd="sng" algn="ctr">
                       <a:solidFill>
                         <a:schemeClr val="bg1">
                           <a:lumMod val="65000"/>
@@ -11959,94 +12435,11 @@
                       <a:round/>
                       <a:headEnd type="none" w="med" len="med"/>
                       <a:tailEnd type="none" w="med" len="med"/>
-                    </a:lnT>
-                    <a:lnB w="76200" cap="flat" cmpd="sng" algn="ctr">
-                      <a:solidFill>
-                        <a:schemeClr val="bg1">
-                          <a:lumMod val="65000"/>
-                        </a:schemeClr>
-                      </a:solidFill>
-                      <a:prstDash val="solid"/>
-                      <a:round/>
-                      <a:headEnd type="none" w="med" len="med"/>
-                      <a:tailEnd type="none" w="med" len="med"/>
                     </a:lnB>
                     <a:solidFill>
-                      <a:schemeClr val="bg1"/>
-                    </a:solidFill>
-                  </a:tcPr>
-                </a:tc>
-              </a:tr>
-            </a:tbl>
-          </a:graphicData>
-        </a:graphic>
-      </p:graphicFrame>
-      <p:graphicFrame>
-        <p:nvGraphicFramePr>
-          <p:cNvPr id="14" name="Table 13"/>
-          <p:cNvGraphicFramePr>
-            <a:graphicFrameLocks noGrp="1"/>
-          </p:cNvGraphicFramePr>
-          <p:nvPr/>
-        </p:nvGraphicFramePr>
-        <p:xfrm>
-          <a:off x="0" y="975360"/>
-          <a:ext cx="914400" cy="914400"/>
-        </p:xfrm>
-        <a:graphic>
-          <a:graphicData uri="http://schemas.openxmlformats.org/drawingml/2006/table">
-            <a:tbl>
-              <a:tblPr firstRow="1" bandRow="1">
-                <a:tableStyleId>{5C22544A-7EE6-4342-B048-85BDC9FD1C3A}</a:tableStyleId>
-              </a:tblPr>
-              <a:tblGrid>
-                <a:gridCol w="914400"/>
-              </a:tblGrid>
-              <a:tr h="914400">
-                <a:tc>
-                  <a:txBody>
-                    <a:bodyPr/>
-                    <a:lstStyle/>
-                    <a:p>
-                      <a:pPr algn="ctr"/>
-                      <a:r>
-                        <a:rPr lang="en-US" sz="5400" dirty="0" smtClean="0"/>
-                        <a:t>Q</a:t>
-                      </a:r>
-                      <a:endParaRPr lang="en-US" sz="5400" dirty="0"/>
-                    </a:p>
-                  </a:txBody>
-                  <a:tcPr anchor="ctr">
-                    <a:lnL w="12700" cap="flat" cmpd="sng" algn="ctr">
-                      <a:solidFill>
-                        <a:schemeClr val="tx1"/>
-                      </a:solidFill>
-                      <a:prstDash val="solid"/>
-                      <a:round/>
-                      <a:headEnd type="none" w="med" len="med"/>
-                      <a:tailEnd type="none" w="med" len="med"/>
-                    </a:lnL>
-                    <a:lnT w="12700" cap="flat" cmpd="sng" algn="ctr">
-                      <a:solidFill>
-                        <a:schemeClr val="tx1"/>
-                      </a:solidFill>
-                      <a:prstDash val="solid"/>
-                      <a:round/>
-                      <a:headEnd type="none" w="med" len="med"/>
-                      <a:tailEnd type="none" w="med" len="med"/>
-                    </a:lnT>
-                    <a:lnB w="12700" cap="flat" cmpd="sng" algn="ctr">
-                      <a:solidFill>
-                        <a:schemeClr val="tx1"/>
-                      </a:solidFill>
-                      <a:prstDash val="solid"/>
-                      <a:round/>
-                      <a:headEnd type="none" w="med" len="med"/>
-                      <a:tailEnd type="none" w="med" len="med"/>
-                    </a:lnB>
-                    <a:solidFill>
-                      <a:schemeClr val="bg1">
-                        <a:lumMod val="65000"/>
+                      <a:schemeClr val="tx1">
+                        <a:lumMod val="75000"/>
+                        <a:lumOff val="25000"/>
                       </a:schemeClr>
                     </a:solidFill>
                   </a:tcPr>
@@ -12058,68 +12451,44 @@
       </p:graphicFrame>
       <p:sp>
         <p:nvSpPr>
-          <p:cNvPr id="10" name="Title 3"/>
-          <p:cNvSpPr txBox="1">
-            <a:spLocks/>
-          </p:cNvSpPr>
+          <p:cNvPr id="3" name="TextBox 2"/>
+          <p:cNvSpPr txBox="1"/>
           <p:nvPr/>
         </p:nvSpPr>
         <p:spPr>
           <a:xfrm>
-            <a:off x="914400" y="3352800"/>
-            <a:ext cx="8229600" cy="639762"/>
+            <a:off x="228600" y="762000"/>
+            <a:ext cx="1135439" cy="584775"/>
           </a:xfrm>
           <a:prstGeom prst="rect">
             <a:avLst/>
           </a:prstGeom>
+          <a:noFill/>
         </p:spPr>
         <p:txBody>
-          <a:bodyPr vert="horz" lIns="91440" tIns="45720" rIns="91440" bIns="45720" rtlCol="0" anchor="ctr">
-            <a:normAutofit fontScale="90000" lnSpcReduction="20000"/>
+          <a:bodyPr wrap="none" rtlCol="0">
+            <a:spAutoFit/>
           </a:bodyPr>
           <a:lstStyle/>
           <a:p>
-            <a:pPr marL="0" marR="0" lvl="0" indent="0" algn="r" defTabSz="914400" rtl="0" eaLnBrk="1" fontAlgn="auto" latinLnBrk="0" hangingPunct="1">
-              <a:lnSpc>
-                <a:spcPct val="100000"/>
-              </a:lnSpc>
-              <a:spcBef>
-                <a:spcPct val="0"/>
-              </a:spcBef>
-              <a:spcAft>
-                <a:spcPts val="0"/>
-              </a:spcAft>
-              <a:buClrTx/>
-              <a:buSzTx/>
-              <a:buFontTx/>
-              <a:buNone/>
-              <a:tabLst/>
-              <a:defRPr/>
-            </a:pPr>
             <a:r>
-              <a:rPr lang="en-US" sz="4400" dirty="0" smtClean="0">
+              <a:rPr lang="en-US" sz="3200" b="1" dirty="0" smtClean="0">
                 <a:solidFill>
-                  <a:srgbClr val="FF0000"/>
+                  <a:schemeClr val="tx1">
+                    <a:lumMod val="65000"/>
+                    <a:lumOff val="35000"/>
+                  </a:schemeClr>
                 </a:solidFill>
-                <a:latin typeface="+mj-lt"/>
-                <a:ea typeface="+mj-ea"/>
-                <a:cs typeface="+mj-cs"/>
               </a:rPr>
-              <a:t>(cont’d from prev.)</a:t>
+              <a:t>CODE</a:t>
             </a:r>
-            <a:endParaRPr kumimoji="0" lang="en-US" sz="4400" b="0" i="0" u="none" strike="noStrike" kern="1200" cap="none" spc="0" normalizeH="0" baseline="0" noProof="0" dirty="0" smtClean="0">
-              <a:ln>
-                <a:noFill/>
-              </a:ln>
+            <a:endParaRPr lang="en-US" sz="3200" b="1" dirty="0">
               <a:solidFill>
-                <a:srgbClr val="FF0000"/>
+                <a:schemeClr val="tx1">
+                  <a:lumMod val="65000"/>
+                  <a:lumOff val="35000"/>
+                </a:schemeClr>
               </a:solidFill>
-              <a:effectLst/>
-              <a:uLnTx/>
-              <a:uFillTx/>
-              <a:latin typeface="+mj-lt"/>
-              <a:ea typeface="+mj-ea"/>
-              <a:cs typeface="+mj-cs"/>
             </a:endParaRPr>
           </a:p>
         </p:txBody>
@@ -12512,12 +12881,6 @@
                         </a:rPr>
                         <a:t>c(c=c)</a:t>
                       </a:r>
-                      <a:endParaRPr lang="es-ES" b="0" dirty="0" smtClean="0">
-                        <a:solidFill>
-                          <a:srgbClr val="00B0F0"/>
-                        </a:solidFill>
-                        <a:latin typeface="Courier" pitchFamily="49" charset="0"/>
-                      </a:endParaRPr>
                     </a:p>
                   </a:txBody>
                   <a:tcPr>
@@ -13785,6 +14148,14 @@
 <file path=ppt/slides/slide22.xml><?xml version="1.0" encoding="utf-8"?>
 <p:sld xmlns:a="http://schemas.openxmlformats.org/drawingml/2006/main" xmlns:r="http://schemas.openxmlformats.org/officeDocument/2006/relationships" xmlns:p="http://schemas.openxmlformats.org/presentationml/2006/main">
   <p:cSld>
+    <p:bg>
+      <p:bgPr>
+        <a:solidFill>
+          <a:schemeClr val="bg1"/>
+        </a:solidFill>
+        <a:effectLst/>
+      </p:bgPr>
+    </p:bg>
     <p:spTree>
       <p:nvGrpSpPr>
         <p:cNvPr id="1" name=""/>
@@ -13801,15 +14172,15 @@
       </p:grpSpPr>
       <p:graphicFrame>
         <p:nvGraphicFramePr>
-          <p:cNvPr id="18" name="Table 17"/>
+          <p:cNvPr id="2" name="Table 1"/>
           <p:cNvGraphicFramePr>
             <a:graphicFrameLocks noGrp="1"/>
           </p:cNvGraphicFramePr>
           <p:nvPr/>
         </p:nvGraphicFramePr>
         <p:xfrm>
-          <a:off x="914400" y="228600"/>
-          <a:ext cx="8229600" cy="2834640"/>
+          <a:off x="0" y="1524000"/>
+          <a:ext cx="9144000" cy="2834640"/>
         </p:xfrm>
         <a:graphic>
           <a:graphicData uri="http://schemas.openxmlformats.org/drawingml/2006/table">
@@ -13818,7 +14189,7 @@
                 <a:tableStyleId>{5C22544A-7EE6-4342-B048-85BDC9FD1C3A}</a:tableStyleId>
               </a:tblPr>
               <a:tblGrid>
-                <a:gridCol w="8229600"/>
+                <a:gridCol w="9144000"/>
               </a:tblGrid>
               <a:tr h="487680">
                 <a:tc>
@@ -13937,7 +14308,16 @@
                     </a:p>
                   </a:txBody>
                   <a:tcPr>
-                    <a:lnL w="76200" cap="flat" cmpd="sng" algn="ctr">
+                    <a:lnL w="12700" cap="flat" cmpd="sng" algn="ctr">
+                      <a:solidFill>
+                        <a:schemeClr val="tx1"/>
+                      </a:solidFill>
+                      <a:prstDash val="solid"/>
+                      <a:round/>
+                      <a:headEnd type="none" w="med" len="med"/>
+                      <a:tailEnd type="none" w="med" len="med"/>
+                    </a:lnL>
+                    <a:lnT w="76200" cap="flat" cmpd="sng" algn="ctr">
                       <a:solidFill>
                         <a:schemeClr val="bg1">
                           <a:lumMod val="65000"/>
@@ -13947,8 +14327,8 @@
                       <a:round/>
                       <a:headEnd type="none" w="med" len="med"/>
                       <a:tailEnd type="none" w="med" len="med"/>
-                    </a:lnL>
-                    <a:lnT w="76200" cap="flat" cmpd="sng" algn="ctr">
+                    </a:lnT>
+                    <a:lnB w="76200" cap="flat" cmpd="sng" algn="ctr">
                       <a:solidFill>
                         <a:schemeClr val="bg1">
                           <a:lumMod val="65000"/>
@@ -13958,94 +14338,11 @@
                       <a:round/>
                       <a:headEnd type="none" w="med" len="med"/>
                       <a:tailEnd type="none" w="med" len="med"/>
-                    </a:lnT>
-                    <a:lnB w="76200" cap="flat" cmpd="sng" algn="ctr">
-                      <a:solidFill>
-                        <a:schemeClr val="bg1">
-                          <a:lumMod val="65000"/>
-                        </a:schemeClr>
-                      </a:solidFill>
-                      <a:prstDash val="solid"/>
-                      <a:round/>
-                      <a:headEnd type="none" w="med" len="med"/>
-                      <a:tailEnd type="none" w="med" len="med"/>
                     </a:lnB>
                     <a:solidFill>
-                      <a:schemeClr val="bg1"/>
-                    </a:solidFill>
-                  </a:tcPr>
-                </a:tc>
-              </a:tr>
-            </a:tbl>
-          </a:graphicData>
-        </a:graphic>
-      </p:graphicFrame>
-      <p:graphicFrame>
-        <p:nvGraphicFramePr>
-          <p:cNvPr id="14" name="Table 13"/>
-          <p:cNvGraphicFramePr>
-            <a:graphicFrameLocks noGrp="1"/>
-          </p:cNvGraphicFramePr>
-          <p:nvPr/>
-        </p:nvGraphicFramePr>
-        <p:xfrm>
-          <a:off x="0" y="975360"/>
-          <a:ext cx="914400" cy="914400"/>
-        </p:xfrm>
-        <a:graphic>
-          <a:graphicData uri="http://schemas.openxmlformats.org/drawingml/2006/table">
-            <a:tbl>
-              <a:tblPr firstRow="1" bandRow="1">
-                <a:tableStyleId>{5C22544A-7EE6-4342-B048-85BDC9FD1C3A}</a:tableStyleId>
-              </a:tblPr>
-              <a:tblGrid>
-                <a:gridCol w="914400"/>
-              </a:tblGrid>
-              <a:tr h="914400">
-                <a:tc>
-                  <a:txBody>
-                    <a:bodyPr/>
-                    <a:lstStyle/>
-                    <a:p>
-                      <a:pPr algn="ctr"/>
-                      <a:r>
-                        <a:rPr lang="en-US" sz="5400" dirty="0" smtClean="0"/>
-                        <a:t>Q</a:t>
-                      </a:r>
-                      <a:endParaRPr lang="en-US" sz="5400" dirty="0"/>
-                    </a:p>
-                  </a:txBody>
-                  <a:tcPr anchor="ctr">
-                    <a:lnL w="12700" cap="flat" cmpd="sng" algn="ctr">
-                      <a:solidFill>
-                        <a:schemeClr val="tx1"/>
-                      </a:solidFill>
-                      <a:prstDash val="solid"/>
-                      <a:round/>
-                      <a:headEnd type="none" w="med" len="med"/>
-                      <a:tailEnd type="none" w="med" len="med"/>
-                    </a:lnL>
-                    <a:lnT w="12700" cap="flat" cmpd="sng" algn="ctr">
-                      <a:solidFill>
-                        <a:schemeClr val="tx1"/>
-                      </a:solidFill>
-                      <a:prstDash val="solid"/>
-                      <a:round/>
-                      <a:headEnd type="none" w="med" len="med"/>
-                      <a:tailEnd type="none" w="med" len="med"/>
-                    </a:lnT>
-                    <a:lnB w="12700" cap="flat" cmpd="sng" algn="ctr">
-                      <a:solidFill>
-                        <a:schemeClr val="tx1"/>
-                      </a:solidFill>
-                      <a:prstDash val="solid"/>
-                      <a:round/>
-                      <a:headEnd type="none" w="med" len="med"/>
-                      <a:tailEnd type="none" w="med" len="med"/>
-                    </a:lnB>
-                    <a:solidFill>
-                      <a:schemeClr val="bg1">
-                        <a:lumMod val="65000"/>
+                      <a:schemeClr val="tx1">
+                        <a:lumMod val="75000"/>
+                        <a:lumOff val="25000"/>
                       </a:schemeClr>
                     </a:solidFill>
                   </a:tcPr>
@@ -14057,68 +14354,44 @@
       </p:graphicFrame>
       <p:sp>
         <p:nvSpPr>
-          <p:cNvPr id="10" name="Title 3"/>
-          <p:cNvSpPr txBox="1">
-            <a:spLocks/>
-          </p:cNvSpPr>
+          <p:cNvPr id="3" name="TextBox 2"/>
+          <p:cNvSpPr txBox="1"/>
           <p:nvPr/>
         </p:nvSpPr>
         <p:spPr>
           <a:xfrm>
-            <a:off x="914400" y="3352800"/>
-            <a:ext cx="8229600" cy="639762"/>
+            <a:off x="228600" y="762000"/>
+            <a:ext cx="1135439" cy="584775"/>
           </a:xfrm>
           <a:prstGeom prst="rect">
             <a:avLst/>
           </a:prstGeom>
+          <a:noFill/>
         </p:spPr>
         <p:txBody>
-          <a:bodyPr vert="horz" lIns="91440" tIns="45720" rIns="91440" bIns="45720" rtlCol="0" anchor="ctr">
-            <a:normAutofit fontScale="90000" lnSpcReduction="20000"/>
+          <a:bodyPr wrap="none" rtlCol="0">
+            <a:spAutoFit/>
           </a:bodyPr>
           <a:lstStyle/>
           <a:p>
-            <a:pPr marL="0" marR="0" lvl="0" indent="0" algn="r" defTabSz="914400" rtl="0" eaLnBrk="1" fontAlgn="auto" latinLnBrk="0" hangingPunct="1">
-              <a:lnSpc>
-                <a:spcPct val="100000"/>
-              </a:lnSpc>
-              <a:spcBef>
-                <a:spcPct val="0"/>
-              </a:spcBef>
-              <a:spcAft>
-                <a:spcPts val="0"/>
-              </a:spcAft>
-              <a:buClrTx/>
-              <a:buSzTx/>
-              <a:buFontTx/>
-              <a:buNone/>
-              <a:tabLst/>
-              <a:defRPr/>
-            </a:pPr>
             <a:r>
-              <a:rPr lang="en-US" sz="4400" dirty="0" smtClean="0">
+              <a:rPr lang="en-US" sz="3200" b="1" dirty="0" smtClean="0">
                 <a:solidFill>
-                  <a:srgbClr val="FF0000"/>
+                  <a:schemeClr val="tx1">
+                    <a:lumMod val="65000"/>
+                    <a:lumOff val="35000"/>
+                  </a:schemeClr>
                 </a:solidFill>
-                <a:latin typeface="+mj-lt"/>
-                <a:ea typeface="+mj-ea"/>
-                <a:cs typeface="+mj-cs"/>
               </a:rPr>
-              <a:t>(cont’d from prev.)</a:t>
+              <a:t>CODE</a:t>
             </a:r>
-            <a:endParaRPr kumimoji="0" lang="en-US" sz="4400" b="0" i="0" u="none" strike="noStrike" kern="1200" cap="none" spc="0" normalizeH="0" baseline="0" noProof="0" dirty="0" smtClean="0">
-              <a:ln>
-                <a:noFill/>
-              </a:ln>
+            <a:endParaRPr lang="en-US" sz="3200" b="1" dirty="0">
               <a:solidFill>
-                <a:srgbClr val="FF0000"/>
+                <a:schemeClr val="tx1">
+                  <a:lumMod val="65000"/>
+                  <a:lumOff val="35000"/>
+                </a:schemeClr>
               </a:solidFill>
-              <a:effectLst/>
-              <a:uLnTx/>
-              <a:uFillTx/>
-              <a:latin typeface="+mj-lt"/>
-              <a:ea typeface="+mj-ea"/>
-              <a:cs typeface="+mj-cs"/>
             </a:endParaRPr>
           </a:p>
         </p:txBody>
@@ -14223,7 +14496,6 @@
               <a:rPr lang="en-US" dirty="0" smtClean="0"/>
               <a:t>“To understand computations in R, two slogans are helpful.</a:t>
             </a:r>
-            <a:endParaRPr lang="en-US" dirty="0" smtClean="0"/>
           </a:p>
           <a:p>
             <a:pPr marL="463550" indent="-174625">
@@ -21347,14 +21619,6 @@
                         </a:rPr>
                         <a:t>List of 3 key-value pairs: a=1, b=2, c=3</a:t>
                       </a:r>
-                      <a:endParaRPr lang="en-US" sz="1800" b="0" kern="1200" baseline="0" dirty="0" smtClean="0">
-                        <a:solidFill>
-                          <a:schemeClr val="tx1"/>
-                        </a:solidFill>
-                        <a:latin typeface="+mn-lt"/>
-                        <a:ea typeface="+mn-ea"/>
-                        <a:cs typeface="+mn-cs"/>
-                      </a:endParaRPr>
                     </a:p>
                   </a:txBody>
                   <a:tcPr>
@@ -22185,14 +22449,6 @@
                         </a:rPr>
                         <a:t>List of 3 key-value pairs: a=1, b=2, c=3</a:t>
                       </a:r>
-                      <a:endParaRPr lang="en-US" sz="1800" b="0" kern="1200" baseline="0" dirty="0" smtClean="0">
-                        <a:solidFill>
-                          <a:schemeClr val="tx1"/>
-                        </a:solidFill>
-                        <a:latin typeface="+mn-lt"/>
-                        <a:ea typeface="+mn-ea"/>
-                        <a:cs typeface="+mn-cs"/>
-                      </a:endParaRPr>
                     </a:p>
                   </a:txBody>
                   <a:tcPr>
@@ -24493,14 +24749,6 @@
                         </a:rPr>
                         <a:t>)</a:t>
                       </a:r>
-                      <a:endParaRPr lang="en-US" sz="1800" b="0" kern="1200" dirty="0" smtClean="0">
-                        <a:solidFill>
-                          <a:srgbClr val="00B0F0"/>
-                        </a:solidFill>
-                        <a:latin typeface="Courier" pitchFamily="49" charset="0"/>
-                        <a:ea typeface="+mn-ea"/>
-                        <a:cs typeface="+mn-cs"/>
-                      </a:endParaRPr>
                     </a:p>
                   </a:txBody>
                   <a:tcPr>
@@ -25056,7 +25304,15 @@
                   <a:schemeClr val="bg1"/>
                 </a:solidFill>
               </a:rPr>
-              <a:t>DEFAULT ARGUMENTS</a:t>
+              <a:t>DEFAULT </a:t>
+            </a:r>
+            <a:r>
+              <a:rPr lang="en-US" b="1" dirty="0" smtClean="0">
+                <a:solidFill>
+                  <a:schemeClr val="bg1"/>
+                </a:solidFill>
+              </a:rPr>
+              <a:t>ARGUMENTS</a:t>
             </a:r>
             <a:endParaRPr lang="en-US" b="1" dirty="0">
               <a:solidFill>
@@ -25075,7 +25331,7 @@
         <p:spPr>
           <a:xfrm>
             <a:off x="381001" y="685800"/>
-            <a:ext cx="8534400" cy="1200329"/>
+            <a:ext cx="8534400" cy="2031325"/>
           </a:xfrm>
           <a:prstGeom prst="rect">
             <a:avLst/>
@@ -25090,8 +25346,21 @@
           <a:p>
             <a:r>
               <a:rPr lang="en-US" dirty="0" smtClean="0"/>
-              <a:t>An argument may have default values.</a:t>
+              <a:t>A function may have arguments with default </a:t>
             </a:r>
+            <a:r>
+              <a:rPr lang="en-US" dirty="0" smtClean="0"/>
+              <a:t>values</a:t>
+            </a:r>
+            <a:r>
+              <a:rPr lang="en-US" dirty="0" smtClean="0"/>
+              <a:t>. Argument values are assigned </a:t>
+            </a:r>
+            <a:r>
+              <a:rPr lang="en-US" dirty="0" smtClean="0"/>
+              <a:t>only when needed. This happens, for example, when an expression using the argument is evaluated. This behavior is referred to as lazy evaluation and it has implications for how functions are written and for the returned value.</a:t>
+            </a:r>
+            <a:endParaRPr lang="en-US" dirty="0" smtClean="0"/>
           </a:p>
           <a:p>
             <a:pPr marL="463550" indent="-174625">
@@ -25150,6 +25419,6324 @@
 </file>
 
 <file path=ppt/slides/slide38.xml><?xml version="1.0" encoding="utf-8"?>
+<p:sld xmlns:a="http://schemas.openxmlformats.org/drawingml/2006/main" xmlns:r="http://schemas.openxmlformats.org/officeDocument/2006/relationships" xmlns:p="http://schemas.openxmlformats.org/presentationml/2006/main">
+  <p:cSld>
+    <p:spTree>
+      <p:nvGrpSpPr>
+        <p:cNvPr id="1" name=""/>
+        <p:cNvGrpSpPr/>
+        <p:nvPr/>
+      </p:nvGrpSpPr>
+      <p:grpSpPr>
+        <a:xfrm>
+          <a:off x="0" y="0"/>
+          <a:ext cx="0" cy="0"/>
+          <a:chOff x="0" y="0"/>
+          <a:chExt cx="0" cy="0"/>
+        </a:xfrm>
+      </p:grpSpPr>
+      <p:graphicFrame>
+        <p:nvGraphicFramePr>
+          <p:cNvPr id="18" name="Table 17"/>
+          <p:cNvGraphicFramePr>
+            <a:graphicFrameLocks noGrp="1"/>
+          </p:cNvGraphicFramePr>
+          <p:nvPr/>
+        </p:nvGraphicFramePr>
+        <p:xfrm>
+          <a:off x="914400" y="685800"/>
+          <a:ext cx="8229600" cy="1463040"/>
+        </p:xfrm>
+        <a:graphic>
+          <a:graphicData uri="http://schemas.openxmlformats.org/drawingml/2006/table">
+            <a:tbl>
+              <a:tblPr firstRow="1" bandRow="1">
+                <a:tableStyleId>{5C22544A-7EE6-4342-B048-85BDC9FD1C3A}</a:tableStyleId>
+              </a:tblPr>
+              <a:tblGrid>
+                <a:gridCol w="8229600"/>
+              </a:tblGrid>
+              <a:tr h="487680">
+                <a:tc>
+                  <a:txBody>
+                    <a:bodyPr/>
+                    <a:lstStyle/>
+                    <a:p>
+                      <a:r>
+                        <a:rPr lang="en-US" b="0" baseline="0" dirty="0" smtClean="0">
+                          <a:solidFill>
+                            <a:schemeClr val="tx1"/>
+                          </a:solidFill>
+                        </a:rPr>
+                        <a:t>What does the function return?</a:t>
+                      </a:r>
+                    </a:p>
+                    <a:p>
+                      <a:r>
+                        <a:rPr lang="en-US" sz="1800" b="0" kern="1200" dirty="0" smtClean="0">
+                          <a:solidFill>
+                            <a:srgbClr val="00B0F0"/>
+                          </a:solidFill>
+                          <a:latin typeface="Courier" pitchFamily="49" charset="0"/>
+                          <a:ea typeface="+mn-ea"/>
+                          <a:cs typeface="+mn-cs"/>
+                        </a:rPr>
+                        <a:t>f &lt;- function(a=7, b=9) {</a:t>
+                      </a:r>
+                    </a:p>
+                    <a:p>
+                      <a:r>
+                        <a:rPr lang="en-US" sz="1800" b="0" kern="1200" dirty="0" smtClean="0">
+                          <a:solidFill>
+                            <a:srgbClr val="00B0F0"/>
+                          </a:solidFill>
+                          <a:latin typeface="Courier" pitchFamily="49" charset="0"/>
+                          <a:ea typeface="+mn-ea"/>
+                          <a:cs typeface="+mn-cs"/>
+                        </a:rPr>
+                        <a:t>  c(a, b)</a:t>
+                      </a:r>
+                    </a:p>
+                    <a:p>
+                      <a:r>
+                        <a:rPr lang="en-US" sz="1800" b="0" kern="1200" dirty="0" smtClean="0">
+                          <a:solidFill>
+                            <a:srgbClr val="00B0F0"/>
+                          </a:solidFill>
+                          <a:latin typeface="Courier" pitchFamily="49" charset="0"/>
+                          <a:ea typeface="+mn-ea"/>
+                          <a:cs typeface="+mn-cs"/>
+                        </a:rPr>
+                        <a:t>}</a:t>
+                      </a:r>
+                    </a:p>
+                    <a:p>
+                      <a:r>
+                        <a:rPr lang="en-US" sz="1800" b="0" kern="1200" dirty="0" smtClean="0">
+                          <a:solidFill>
+                            <a:srgbClr val="00B0F0"/>
+                          </a:solidFill>
+                          <a:latin typeface="Courier" pitchFamily="49" charset="0"/>
+                          <a:ea typeface="+mn-ea"/>
+                          <a:cs typeface="+mn-cs"/>
+                        </a:rPr>
+                        <a:t>f()</a:t>
+                      </a:r>
+                      <a:endParaRPr lang="en-US" sz="1800" b="0" kern="1200" dirty="0" smtClean="0">
+                        <a:solidFill>
+                          <a:srgbClr val="00B0F0"/>
+                        </a:solidFill>
+                        <a:latin typeface="Courier" pitchFamily="49" charset="0"/>
+                        <a:ea typeface="+mn-ea"/>
+                        <a:cs typeface="+mn-cs"/>
+                      </a:endParaRPr>
+                    </a:p>
+                  </a:txBody>
+                  <a:tcPr>
+                    <a:lnL w="76200" cap="flat" cmpd="sng" algn="ctr">
+                      <a:solidFill>
+                        <a:schemeClr val="bg1">
+                          <a:lumMod val="65000"/>
+                        </a:schemeClr>
+                      </a:solidFill>
+                      <a:prstDash val="solid"/>
+                      <a:round/>
+                      <a:headEnd type="none" w="med" len="med"/>
+                      <a:tailEnd type="none" w="med" len="med"/>
+                    </a:lnL>
+                    <a:lnT w="76200" cap="flat" cmpd="sng" algn="ctr">
+                      <a:solidFill>
+                        <a:schemeClr val="bg1">
+                          <a:lumMod val="65000"/>
+                        </a:schemeClr>
+                      </a:solidFill>
+                      <a:prstDash val="solid"/>
+                      <a:round/>
+                      <a:headEnd type="none" w="med" len="med"/>
+                      <a:tailEnd type="none" w="med" len="med"/>
+                    </a:lnT>
+                    <a:lnB w="76200" cap="flat" cmpd="sng" algn="ctr">
+                      <a:solidFill>
+                        <a:schemeClr val="bg1">
+                          <a:lumMod val="65000"/>
+                        </a:schemeClr>
+                      </a:solidFill>
+                      <a:prstDash val="solid"/>
+                      <a:round/>
+                      <a:headEnd type="none" w="med" len="med"/>
+                      <a:tailEnd type="none" w="med" len="med"/>
+                    </a:lnB>
+                    <a:solidFill>
+                      <a:schemeClr val="bg1"/>
+                    </a:solidFill>
+                  </a:tcPr>
+                </a:tc>
+              </a:tr>
+            </a:tbl>
+          </a:graphicData>
+        </a:graphic>
+      </p:graphicFrame>
+      <p:graphicFrame>
+        <p:nvGraphicFramePr>
+          <p:cNvPr id="20" name="Table 19"/>
+          <p:cNvGraphicFramePr>
+            <a:graphicFrameLocks noGrp="1"/>
+          </p:cNvGraphicFramePr>
+          <p:nvPr/>
+        </p:nvGraphicFramePr>
+        <p:xfrm>
+          <a:off x="914400" y="2560320"/>
+          <a:ext cx="8229600" cy="487680"/>
+        </p:xfrm>
+        <a:graphic>
+          <a:graphicData uri="http://schemas.openxmlformats.org/drawingml/2006/table">
+            <a:tbl>
+              <a:tblPr firstRow="1" bandRow="1">
+                <a:tableStyleId>{5C22544A-7EE6-4342-B048-85BDC9FD1C3A}</a:tableStyleId>
+              </a:tblPr>
+              <a:tblGrid>
+                <a:gridCol w="8229600"/>
+              </a:tblGrid>
+              <a:tr h="487680">
+                <a:tc>
+                  <a:txBody>
+                    <a:bodyPr/>
+                    <a:lstStyle/>
+                    <a:p>
+                      <a:r>
+                        <a:rPr lang="en-US" sz="1800" b="0" kern="1200" dirty="0" err="1" smtClean="0">
+                          <a:solidFill>
+                            <a:srgbClr val="00B0F0"/>
+                          </a:solidFill>
+                          <a:latin typeface="Courier" pitchFamily="49" charset="0"/>
+                          <a:ea typeface="+mn-ea"/>
+                          <a:cs typeface="+mn-cs"/>
+                        </a:rPr>
+                        <a:t>checks_out</a:t>
+                      </a:r>
+                      <a:r>
+                        <a:rPr lang="en-US" sz="1800" b="0" kern="1200" dirty="0" smtClean="0">
+                          <a:solidFill>
+                            <a:srgbClr val="00B0F0"/>
+                          </a:solidFill>
+                          <a:latin typeface="Courier" pitchFamily="49" charset="0"/>
+                          <a:ea typeface="+mn-ea"/>
+                          <a:cs typeface="+mn-cs"/>
+                        </a:rPr>
+                        <a:t>('c(7,9)', c(7,9))</a:t>
+                      </a:r>
+                      <a:endParaRPr lang="en-US" sz="1800" b="0" kern="1200" baseline="0" dirty="0" smtClean="0">
+                        <a:solidFill>
+                          <a:schemeClr val="tx1"/>
+                        </a:solidFill>
+                        <a:latin typeface="+mn-lt"/>
+                        <a:ea typeface="+mn-ea"/>
+                        <a:cs typeface="+mn-cs"/>
+                      </a:endParaRPr>
+                    </a:p>
+                  </a:txBody>
+                  <a:tcPr>
+                    <a:lnT w="76200" cap="flat" cmpd="sng" algn="ctr">
+                      <a:solidFill>
+                        <a:schemeClr val="tx1">
+                          <a:lumMod val="50000"/>
+                          <a:lumOff val="50000"/>
+                        </a:schemeClr>
+                      </a:solidFill>
+                      <a:prstDash val="solid"/>
+                      <a:round/>
+                      <a:headEnd type="none" w="med" len="med"/>
+                      <a:tailEnd type="none" w="med" len="med"/>
+                    </a:lnT>
+                    <a:lnB w="76200" cap="flat" cmpd="sng" algn="ctr">
+                      <a:solidFill>
+                        <a:schemeClr val="tx1">
+                          <a:lumMod val="50000"/>
+                          <a:lumOff val="50000"/>
+                        </a:schemeClr>
+                      </a:solidFill>
+                      <a:prstDash val="solid"/>
+                      <a:round/>
+                      <a:headEnd type="none" w="med" len="med"/>
+                      <a:tailEnd type="none" w="med" len="med"/>
+                    </a:lnB>
+                    <a:solidFill>
+                      <a:schemeClr val="bg1"/>
+                    </a:solidFill>
+                  </a:tcPr>
+                </a:tc>
+              </a:tr>
+            </a:tbl>
+          </a:graphicData>
+        </a:graphic>
+      </p:graphicFrame>
+      <p:graphicFrame>
+        <p:nvGraphicFramePr>
+          <p:cNvPr id="22" name="Table 21"/>
+          <p:cNvGraphicFramePr>
+            <a:graphicFrameLocks noGrp="1"/>
+          </p:cNvGraphicFramePr>
+          <p:nvPr/>
+        </p:nvGraphicFramePr>
+        <p:xfrm>
+          <a:off x="914400" y="3810000"/>
+          <a:ext cx="8229600" cy="487680"/>
+        </p:xfrm>
+        <a:graphic>
+          <a:graphicData uri="http://schemas.openxmlformats.org/drawingml/2006/table">
+            <a:tbl>
+              <a:tblPr firstRow="1" bandRow="1">
+                <a:tableStyleId>{5C22544A-7EE6-4342-B048-85BDC9FD1C3A}</a:tableStyleId>
+              </a:tblPr>
+              <a:tblGrid>
+                <a:gridCol w="8229600"/>
+              </a:tblGrid>
+              <a:tr h="487680">
+                <a:tc>
+                  <a:txBody>
+                    <a:bodyPr/>
+                    <a:lstStyle/>
+                    <a:p>
+                      <a:r>
+                        <a:rPr lang="en-US" b="0" baseline="0" dirty="0" smtClean="0">
+                          <a:solidFill>
+                            <a:schemeClr val="tx1"/>
+                          </a:solidFill>
+                          <a:latin typeface="+mn-lt"/>
+                        </a:rPr>
+                        <a:t>The arguments defined in a function definition assume their values as default values.</a:t>
+                      </a:r>
+                      <a:endParaRPr lang="en-US" b="0" dirty="0">
+                        <a:solidFill>
+                          <a:srgbClr val="00B0F0"/>
+                        </a:solidFill>
+                        <a:latin typeface="Courier" pitchFamily="49" charset="0"/>
+                      </a:endParaRPr>
+                    </a:p>
+                  </a:txBody>
+                  <a:tcPr>
+                    <a:lnT w="76200" cap="flat" cmpd="sng" algn="ctr">
+                      <a:solidFill>
+                        <a:schemeClr val="tx1">
+                          <a:lumMod val="75000"/>
+                          <a:lumOff val="25000"/>
+                        </a:schemeClr>
+                      </a:solidFill>
+                      <a:prstDash val="solid"/>
+                      <a:round/>
+                      <a:headEnd type="none" w="med" len="med"/>
+                      <a:tailEnd type="none" w="med" len="med"/>
+                    </a:lnT>
+                    <a:lnB w="76200" cap="flat" cmpd="sng" algn="ctr">
+                      <a:solidFill>
+                        <a:schemeClr val="tx1">
+                          <a:lumMod val="75000"/>
+                          <a:lumOff val="25000"/>
+                        </a:schemeClr>
+                      </a:solidFill>
+                      <a:prstDash val="solid"/>
+                      <a:round/>
+                      <a:headEnd type="none" w="med" len="med"/>
+                      <a:tailEnd type="none" w="med" len="med"/>
+                    </a:lnB>
+                    <a:solidFill>
+                      <a:schemeClr val="bg1"/>
+                    </a:solidFill>
+                  </a:tcPr>
+                </a:tc>
+              </a:tr>
+            </a:tbl>
+          </a:graphicData>
+        </a:graphic>
+      </p:graphicFrame>
+      <p:graphicFrame>
+        <p:nvGraphicFramePr>
+          <p:cNvPr id="24" name="Table 23"/>
+          <p:cNvGraphicFramePr>
+            <a:graphicFrameLocks noGrp="1"/>
+          </p:cNvGraphicFramePr>
+          <p:nvPr/>
+        </p:nvGraphicFramePr>
+        <p:xfrm>
+          <a:off x="914400" y="5334000"/>
+          <a:ext cx="8229600" cy="487680"/>
+        </p:xfrm>
+        <a:graphic>
+          <a:graphicData uri="http://schemas.openxmlformats.org/drawingml/2006/table">
+            <a:tbl>
+              <a:tblPr firstRow="1" bandRow="1">
+                <a:tableStyleId>{5C22544A-7EE6-4342-B048-85BDC9FD1C3A}</a:tableStyleId>
+              </a:tblPr>
+              <a:tblGrid>
+                <a:gridCol w="8229600"/>
+              </a:tblGrid>
+              <a:tr h="487680">
+                <a:tc>
+                  <a:txBody>
+                    <a:bodyPr/>
+                    <a:lstStyle/>
+                    <a:p>
+                      <a:r>
+                        <a:rPr lang="en-US" b="0" dirty="0" smtClean="0">
+                          <a:solidFill>
+                            <a:srgbClr val="FF0000"/>
+                          </a:solidFill>
+                        </a:rPr>
+                        <a:t>Default</a:t>
+                      </a:r>
+                      <a:endParaRPr lang="en-US" b="0" dirty="0" smtClean="0">
+                        <a:solidFill>
+                          <a:srgbClr val="FF0000"/>
+                        </a:solidFill>
+                      </a:endParaRPr>
+                    </a:p>
+                  </a:txBody>
+                  <a:tcPr>
+                    <a:lnT w="76200" cap="flat" cmpd="sng" algn="ctr">
+                      <a:solidFill>
+                        <a:schemeClr val="tx1">
+                          <a:lumMod val="95000"/>
+                          <a:lumOff val="5000"/>
+                        </a:schemeClr>
+                      </a:solidFill>
+                      <a:prstDash val="solid"/>
+                      <a:round/>
+                      <a:headEnd type="none" w="med" len="med"/>
+                      <a:tailEnd type="none" w="med" len="med"/>
+                    </a:lnT>
+                    <a:lnB w="76200" cap="flat" cmpd="sng" algn="ctr">
+                      <a:solidFill>
+                        <a:schemeClr val="tx1">
+                          <a:lumMod val="95000"/>
+                          <a:lumOff val="5000"/>
+                        </a:schemeClr>
+                      </a:solidFill>
+                      <a:prstDash val="solid"/>
+                      <a:round/>
+                      <a:headEnd type="none" w="med" len="med"/>
+                      <a:tailEnd type="none" w="med" len="med"/>
+                    </a:lnB>
+                    <a:solidFill>
+                      <a:schemeClr val="bg1"/>
+                    </a:solidFill>
+                  </a:tcPr>
+                </a:tc>
+              </a:tr>
+            </a:tbl>
+          </a:graphicData>
+        </a:graphic>
+      </p:graphicFrame>
+      <p:graphicFrame>
+        <p:nvGraphicFramePr>
+          <p:cNvPr id="14" name="Table 13"/>
+          <p:cNvGraphicFramePr>
+            <a:graphicFrameLocks noGrp="1"/>
+          </p:cNvGraphicFramePr>
+          <p:nvPr/>
+        </p:nvGraphicFramePr>
+        <p:xfrm>
+          <a:off x="0" y="975360"/>
+          <a:ext cx="914400" cy="914400"/>
+        </p:xfrm>
+        <a:graphic>
+          <a:graphicData uri="http://schemas.openxmlformats.org/drawingml/2006/table">
+            <a:tbl>
+              <a:tblPr firstRow="1" bandRow="1">
+                <a:tableStyleId>{5C22544A-7EE6-4342-B048-85BDC9FD1C3A}</a:tableStyleId>
+              </a:tblPr>
+              <a:tblGrid>
+                <a:gridCol w="914400"/>
+              </a:tblGrid>
+              <a:tr h="914400">
+                <a:tc>
+                  <a:txBody>
+                    <a:bodyPr/>
+                    <a:lstStyle/>
+                    <a:p>
+                      <a:pPr algn="ctr"/>
+                      <a:r>
+                        <a:rPr lang="en-US" sz="5400" dirty="0" smtClean="0"/>
+                        <a:t>Q</a:t>
+                      </a:r>
+                      <a:endParaRPr lang="en-US" sz="5400" dirty="0"/>
+                    </a:p>
+                  </a:txBody>
+                  <a:tcPr anchor="ctr">
+                    <a:lnL w="12700" cap="flat" cmpd="sng" algn="ctr">
+                      <a:solidFill>
+                        <a:schemeClr val="tx1"/>
+                      </a:solidFill>
+                      <a:prstDash val="solid"/>
+                      <a:round/>
+                      <a:headEnd type="none" w="med" len="med"/>
+                      <a:tailEnd type="none" w="med" len="med"/>
+                    </a:lnL>
+                    <a:lnT w="12700" cap="flat" cmpd="sng" algn="ctr">
+                      <a:solidFill>
+                        <a:schemeClr val="tx1"/>
+                      </a:solidFill>
+                      <a:prstDash val="solid"/>
+                      <a:round/>
+                      <a:headEnd type="none" w="med" len="med"/>
+                      <a:tailEnd type="none" w="med" len="med"/>
+                    </a:lnT>
+                    <a:lnB w="12700" cap="flat" cmpd="sng" algn="ctr">
+                      <a:solidFill>
+                        <a:schemeClr val="tx1"/>
+                      </a:solidFill>
+                      <a:prstDash val="solid"/>
+                      <a:round/>
+                      <a:headEnd type="none" w="med" len="med"/>
+                      <a:tailEnd type="none" w="med" len="med"/>
+                    </a:lnB>
+                    <a:solidFill>
+                      <a:schemeClr val="bg1">
+                        <a:lumMod val="65000"/>
+                      </a:schemeClr>
+                    </a:solidFill>
+                  </a:tcPr>
+                </a:tc>
+              </a:tr>
+            </a:tbl>
+          </a:graphicData>
+        </a:graphic>
+      </p:graphicFrame>
+      <p:graphicFrame>
+        <p:nvGraphicFramePr>
+          <p:cNvPr id="15" name="Table 14"/>
+          <p:cNvGraphicFramePr>
+            <a:graphicFrameLocks noGrp="1"/>
+          </p:cNvGraphicFramePr>
+          <p:nvPr/>
+        </p:nvGraphicFramePr>
+        <p:xfrm>
+          <a:off x="0" y="2382520"/>
+          <a:ext cx="914400" cy="914400"/>
+        </p:xfrm>
+        <a:graphic>
+          <a:graphicData uri="http://schemas.openxmlformats.org/drawingml/2006/table">
+            <a:tbl>
+              <a:tblPr firstRow="1" bandRow="1">
+                <a:tableStyleId>{5C22544A-7EE6-4342-B048-85BDC9FD1C3A}</a:tableStyleId>
+              </a:tblPr>
+              <a:tblGrid>
+                <a:gridCol w="914400"/>
+              </a:tblGrid>
+              <a:tr h="914400">
+                <a:tc>
+                  <a:txBody>
+                    <a:bodyPr/>
+                    <a:lstStyle/>
+                    <a:p>
+                      <a:pPr algn="ctr"/>
+                      <a:r>
+                        <a:rPr lang="en-US" sz="5400" dirty="0" smtClean="0"/>
+                        <a:t>A</a:t>
+                      </a:r>
+                      <a:endParaRPr lang="en-US" sz="5400" dirty="0"/>
+                    </a:p>
+                  </a:txBody>
+                  <a:tcPr anchor="ctr">
+                    <a:lnL w="12700" cap="flat" cmpd="sng" algn="ctr">
+                      <a:solidFill>
+                        <a:schemeClr val="tx1"/>
+                      </a:solidFill>
+                      <a:prstDash val="solid"/>
+                      <a:round/>
+                      <a:headEnd type="none" w="med" len="med"/>
+                      <a:tailEnd type="none" w="med" len="med"/>
+                    </a:lnL>
+                    <a:lnT w="12700" cap="flat" cmpd="sng" algn="ctr">
+                      <a:solidFill>
+                        <a:schemeClr val="tx1"/>
+                      </a:solidFill>
+                      <a:prstDash val="solid"/>
+                      <a:round/>
+                      <a:headEnd type="none" w="med" len="med"/>
+                      <a:tailEnd type="none" w="med" len="med"/>
+                    </a:lnT>
+                    <a:lnB w="12700" cap="flat" cmpd="sng" algn="ctr">
+                      <a:solidFill>
+                        <a:schemeClr val="tx1"/>
+                      </a:solidFill>
+                      <a:prstDash val="solid"/>
+                      <a:round/>
+                      <a:headEnd type="none" w="med" len="med"/>
+                      <a:tailEnd type="none" w="med" len="med"/>
+                    </a:lnB>
+                    <a:solidFill>
+                      <a:schemeClr val="tx1">
+                        <a:lumMod val="50000"/>
+                        <a:lumOff val="50000"/>
+                      </a:schemeClr>
+                    </a:solidFill>
+                  </a:tcPr>
+                </a:tc>
+              </a:tr>
+            </a:tbl>
+          </a:graphicData>
+        </a:graphic>
+      </p:graphicFrame>
+      <p:graphicFrame>
+        <p:nvGraphicFramePr>
+          <p:cNvPr id="17" name="Table 16"/>
+          <p:cNvGraphicFramePr>
+            <a:graphicFrameLocks noGrp="1"/>
+          </p:cNvGraphicFramePr>
+          <p:nvPr/>
+        </p:nvGraphicFramePr>
+        <p:xfrm>
+          <a:off x="0" y="3789680"/>
+          <a:ext cx="914400" cy="914400"/>
+        </p:xfrm>
+        <a:graphic>
+          <a:graphicData uri="http://schemas.openxmlformats.org/drawingml/2006/table">
+            <a:tbl>
+              <a:tblPr firstRow="1" bandRow="1">
+                <a:tableStyleId>{5C22544A-7EE6-4342-B048-85BDC9FD1C3A}</a:tableStyleId>
+              </a:tblPr>
+              <a:tblGrid>
+                <a:gridCol w="914400"/>
+              </a:tblGrid>
+              <a:tr h="914400">
+                <a:tc>
+                  <a:txBody>
+                    <a:bodyPr/>
+                    <a:lstStyle/>
+                    <a:p>
+                      <a:pPr algn="ctr"/>
+                      <a:r>
+                        <a:rPr lang="en-US" sz="5400" dirty="0" smtClean="0"/>
+                        <a:t>C</a:t>
+                      </a:r>
+                      <a:endParaRPr lang="en-US" sz="5400" dirty="0"/>
+                    </a:p>
+                  </a:txBody>
+                  <a:tcPr anchor="ctr">
+                    <a:lnL w="12700" cap="flat" cmpd="sng" algn="ctr">
+                      <a:solidFill>
+                        <a:schemeClr val="tx1"/>
+                      </a:solidFill>
+                      <a:prstDash val="solid"/>
+                      <a:round/>
+                      <a:headEnd type="none" w="med" len="med"/>
+                      <a:tailEnd type="none" w="med" len="med"/>
+                    </a:lnL>
+                    <a:lnT w="12700" cap="flat" cmpd="sng" algn="ctr">
+                      <a:solidFill>
+                        <a:schemeClr val="tx1"/>
+                      </a:solidFill>
+                      <a:prstDash val="solid"/>
+                      <a:round/>
+                      <a:headEnd type="none" w="med" len="med"/>
+                      <a:tailEnd type="none" w="med" len="med"/>
+                    </a:lnT>
+                    <a:lnB w="12700" cap="flat" cmpd="sng" algn="ctr">
+                      <a:solidFill>
+                        <a:schemeClr val="tx1"/>
+                      </a:solidFill>
+                      <a:prstDash val="solid"/>
+                      <a:round/>
+                      <a:headEnd type="none" w="med" len="med"/>
+                      <a:tailEnd type="none" w="med" len="med"/>
+                    </a:lnB>
+                    <a:solidFill>
+                      <a:schemeClr val="tx1">
+                        <a:lumMod val="75000"/>
+                        <a:lumOff val="25000"/>
+                      </a:schemeClr>
+                    </a:solidFill>
+                  </a:tcPr>
+                </a:tc>
+              </a:tr>
+            </a:tbl>
+          </a:graphicData>
+        </a:graphic>
+      </p:graphicFrame>
+      <p:graphicFrame>
+        <p:nvGraphicFramePr>
+          <p:cNvPr id="25" name="Table 24"/>
+          <p:cNvGraphicFramePr>
+            <a:graphicFrameLocks noGrp="1"/>
+          </p:cNvGraphicFramePr>
+          <p:nvPr/>
+        </p:nvGraphicFramePr>
+        <p:xfrm>
+          <a:off x="0" y="5196840"/>
+          <a:ext cx="914400" cy="914400"/>
+        </p:xfrm>
+        <a:graphic>
+          <a:graphicData uri="http://schemas.openxmlformats.org/drawingml/2006/table">
+            <a:tbl>
+              <a:tblPr firstRow="1" bandRow="1">
+                <a:tableStyleId>{5C22544A-7EE6-4342-B048-85BDC9FD1C3A}</a:tableStyleId>
+              </a:tblPr>
+              <a:tblGrid>
+                <a:gridCol w="914400"/>
+              </a:tblGrid>
+              <a:tr h="914400">
+                <a:tc>
+                  <a:txBody>
+                    <a:bodyPr/>
+                    <a:lstStyle/>
+                    <a:p>
+                      <a:pPr algn="ctr"/>
+                      <a:r>
+                        <a:rPr lang="en-US" sz="5400" dirty="0" smtClean="0"/>
+                        <a:t>T</a:t>
+                      </a:r>
+                      <a:endParaRPr lang="en-US" sz="5400" dirty="0"/>
+                    </a:p>
+                  </a:txBody>
+                  <a:tcPr anchor="ctr">
+                    <a:lnL w="12700" cap="flat" cmpd="sng" algn="ctr">
+                      <a:solidFill>
+                        <a:schemeClr val="tx1"/>
+                      </a:solidFill>
+                      <a:prstDash val="solid"/>
+                      <a:round/>
+                      <a:headEnd type="none" w="med" len="med"/>
+                      <a:tailEnd type="none" w="med" len="med"/>
+                    </a:lnL>
+                    <a:lnT w="12700" cap="flat" cmpd="sng" algn="ctr">
+                      <a:solidFill>
+                        <a:schemeClr val="tx1"/>
+                      </a:solidFill>
+                      <a:prstDash val="solid"/>
+                      <a:round/>
+                      <a:headEnd type="none" w="med" len="med"/>
+                      <a:tailEnd type="none" w="med" len="med"/>
+                    </a:lnT>
+                    <a:lnB w="12700" cap="flat" cmpd="sng" algn="ctr">
+                      <a:solidFill>
+                        <a:schemeClr val="tx1"/>
+                      </a:solidFill>
+                      <a:prstDash val="solid"/>
+                      <a:round/>
+                      <a:headEnd type="none" w="med" len="med"/>
+                      <a:tailEnd type="none" w="med" len="med"/>
+                    </a:lnB>
+                    <a:solidFill>
+                      <a:schemeClr val="tx1">
+                        <a:lumMod val="95000"/>
+                        <a:lumOff val="5000"/>
+                      </a:schemeClr>
+                    </a:solidFill>
+                  </a:tcPr>
+                </a:tc>
+              </a:tr>
+            </a:tbl>
+          </a:graphicData>
+        </a:graphic>
+      </p:graphicFrame>
+    </p:spTree>
+  </p:cSld>
+  <p:clrMapOvr>
+    <a:masterClrMapping/>
+  </p:clrMapOvr>
+</p:sld>
+</file>
+
+<file path=ppt/slides/slide39.xml><?xml version="1.0" encoding="utf-8"?>
+<p:sld xmlns:a="http://schemas.openxmlformats.org/drawingml/2006/main" xmlns:r="http://schemas.openxmlformats.org/officeDocument/2006/relationships" xmlns:p="http://schemas.openxmlformats.org/presentationml/2006/main">
+  <p:cSld>
+    <p:spTree>
+      <p:nvGrpSpPr>
+        <p:cNvPr id="1" name=""/>
+        <p:cNvGrpSpPr/>
+        <p:nvPr/>
+      </p:nvGrpSpPr>
+      <p:grpSpPr>
+        <a:xfrm>
+          <a:off x="0" y="0"/>
+          <a:ext cx="0" cy="0"/>
+          <a:chOff x="0" y="0"/>
+          <a:chExt cx="0" cy="0"/>
+        </a:xfrm>
+      </p:grpSpPr>
+      <p:graphicFrame>
+        <p:nvGraphicFramePr>
+          <p:cNvPr id="18" name="Table 17"/>
+          <p:cNvGraphicFramePr>
+            <a:graphicFrameLocks noGrp="1"/>
+          </p:cNvGraphicFramePr>
+          <p:nvPr/>
+        </p:nvGraphicFramePr>
+        <p:xfrm>
+          <a:off x="914400" y="457200"/>
+          <a:ext cx="8229600" cy="1737360"/>
+        </p:xfrm>
+        <a:graphic>
+          <a:graphicData uri="http://schemas.openxmlformats.org/drawingml/2006/table">
+            <a:tbl>
+              <a:tblPr firstRow="1" bandRow="1">
+                <a:tableStyleId>{5C22544A-7EE6-4342-B048-85BDC9FD1C3A}</a:tableStyleId>
+              </a:tblPr>
+              <a:tblGrid>
+                <a:gridCol w="8229600"/>
+              </a:tblGrid>
+              <a:tr h="487680">
+                <a:tc>
+                  <a:txBody>
+                    <a:bodyPr/>
+                    <a:lstStyle/>
+                    <a:p>
+                      <a:r>
+                        <a:rPr lang="en-US" b="0" baseline="0" dirty="0" smtClean="0">
+                          <a:solidFill>
+                            <a:schemeClr val="tx1"/>
+                          </a:solidFill>
+                        </a:rPr>
+                        <a:t>What does the function return?</a:t>
+                      </a:r>
+                    </a:p>
+                    <a:p>
+                      <a:r>
+                        <a:rPr lang="pt-BR" sz="1800" b="0" kern="1200" dirty="0" smtClean="0">
+                          <a:solidFill>
+                            <a:srgbClr val="00B0F0"/>
+                          </a:solidFill>
+                          <a:latin typeface="Courier" pitchFamily="49" charset="0"/>
+                          <a:ea typeface="+mn-ea"/>
+                          <a:cs typeface="+mn-cs"/>
+                        </a:rPr>
+                        <a:t>h &lt;- function(a=7, b=d) {</a:t>
+                      </a:r>
+                    </a:p>
+                    <a:p>
+                      <a:r>
+                        <a:rPr lang="pt-BR" sz="1800" b="0" kern="1200" dirty="0" smtClean="0">
+                          <a:solidFill>
+                            <a:srgbClr val="00B0F0"/>
+                          </a:solidFill>
+                          <a:latin typeface="Courier" pitchFamily="49" charset="0"/>
+                          <a:ea typeface="+mn-ea"/>
+                          <a:cs typeface="+mn-cs"/>
+                        </a:rPr>
+                        <a:t>  d &lt;- (a^2) + 4</a:t>
+                      </a:r>
+                    </a:p>
+                    <a:p>
+                      <a:r>
+                        <a:rPr lang="pt-BR" sz="1800" b="0" kern="1200" dirty="0" smtClean="0">
+                          <a:solidFill>
+                            <a:srgbClr val="00B0F0"/>
+                          </a:solidFill>
+                          <a:latin typeface="Courier" pitchFamily="49" charset="0"/>
+                          <a:ea typeface="+mn-ea"/>
+                          <a:cs typeface="+mn-cs"/>
+                        </a:rPr>
+                        <a:t>  c(a, b)</a:t>
+                      </a:r>
+                    </a:p>
+                    <a:p>
+                      <a:r>
+                        <a:rPr lang="pt-BR" sz="1800" b="0" kern="1200" dirty="0" smtClean="0">
+                          <a:solidFill>
+                            <a:srgbClr val="00B0F0"/>
+                          </a:solidFill>
+                          <a:latin typeface="Courier" pitchFamily="49" charset="0"/>
+                          <a:ea typeface="+mn-ea"/>
+                          <a:cs typeface="+mn-cs"/>
+                        </a:rPr>
+                        <a:t>}</a:t>
+                      </a:r>
+                    </a:p>
+                    <a:p>
+                      <a:r>
+                        <a:rPr lang="pt-BR" sz="1800" b="0" kern="1200" dirty="0" smtClean="0">
+                          <a:solidFill>
+                            <a:srgbClr val="00B0F0"/>
+                          </a:solidFill>
+                          <a:latin typeface="Courier" pitchFamily="49" charset="0"/>
+                          <a:ea typeface="+mn-ea"/>
+                          <a:cs typeface="+mn-cs"/>
+                        </a:rPr>
+                        <a:t>h()</a:t>
+                      </a:r>
+                    </a:p>
+                  </a:txBody>
+                  <a:tcPr>
+                    <a:lnL w="76200" cap="flat" cmpd="sng" algn="ctr">
+                      <a:solidFill>
+                        <a:schemeClr val="bg1">
+                          <a:lumMod val="65000"/>
+                        </a:schemeClr>
+                      </a:solidFill>
+                      <a:prstDash val="solid"/>
+                      <a:round/>
+                      <a:headEnd type="none" w="med" len="med"/>
+                      <a:tailEnd type="none" w="med" len="med"/>
+                    </a:lnL>
+                    <a:lnT w="76200" cap="flat" cmpd="sng" algn="ctr">
+                      <a:solidFill>
+                        <a:schemeClr val="bg1">
+                          <a:lumMod val="65000"/>
+                        </a:schemeClr>
+                      </a:solidFill>
+                      <a:prstDash val="solid"/>
+                      <a:round/>
+                      <a:headEnd type="none" w="med" len="med"/>
+                      <a:tailEnd type="none" w="med" len="med"/>
+                    </a:lnT>
+                    <a:lnB w="76200" cap="flat" cmpd="sng" algn="ctr">
+                      <a:solidFill>
+                        <a:schemeClr val="bg1">
+                          <a:lumMod val="65000"/>
+                        </a:schemeClr>
+                      </a:solidFill>
+                      <a:prstDash val="solid"/>
+                      <a:round/>
+                      <a:headEnd type="none" w="med" len="med"/>
+                      <a:tailEnd type="none" w="med" len="med"/>
+                    </a:lnB>
+                    <a:solidFill>
+                      <a:schemeClr val="bg1"/>
+                    </a:solidFill>
+                  </a:tcPr>
+                </a:tc>
+              </a:tr>
+            </a:tbl>
+          </a:graphicData>
+        </a:graphic>
+      </p:graphicFrame>
+      <p:graphicFrame>
+        <p:nvGraphicFramePr>
+          <p:cNvPr id="20" name="Table 19"/>
+          <p:cNvGraphicFramePr>
+            <a:graphicFrameLocks noGrp="1"/>
+          </p:cNvGraphicFramePr>
+          <p:nvPr/>
+        </p:nvGraphicFramePr>
+        <p:xfrm>
+          <a:off x="914400" y="2560320"/>
+          <a:ext cx="8229600" cy="487680"/>
+        </p:xfrm>
+        <a:graphic>
+          <a:graphicData uri="http://schemas.openxmlformats.org/drawingml/2006/table">
+            <a:tbl>
+              <a:tblPr firstRow="1" bandRow="1">
+                <a:tableStyleId>{5C22544A-7EE6-4342-B048-85BDC9FD1C3A}</a:tableStyleId>
+              </a:tblPr>
+              <a:tblGrid>
+                <a:gridCol w="8229600"/>
+              </a:tblGrid>
+              <a:tr h="487680">
+                <a:tc>
+                  <a:txBody>
+                    <a:bodyPr/>
+                    <a:lstStyle/>
+                    <a:p>
+                      <a:r>
+                        <a:rPr lang="en-US" sz="1800" b="0" kern="1200" dirty="0" err="1" smtClean="0">
+                          <a:solidFill>
+                            <a:srgbClr val="00B0F0"/>
+                          </a:solidFill>
+                          <a:latin typeface="Courier" pitchFamily="49" charset="0"/>
+                          <a:ea typeface="+mn-ea"/>
+                          <a:cs typeface="+mn-cs"/>
+                        </a:rPr>
+                        <a:t>checks_out</a:t>
+                      </a:r>
+                      <a:r>
+                        <a:rPr lang="en-US" sz="1800" b="0" kern="1200" dirty="0" smtClean="0">
+                          <a:solidFill>
+                            <a:srgbClr val="00B0F0"/>
+                          </a:solidFill>
+                          <a:latin typeface="Courier" pitchFamily="49" charset="0"/>
+                          <a:ea typeface="+mn-ea"/>
+                          <a:cs typeface="+mn-cs"/>
+                        </a:rPr>
+                        <a:t>('c(7, 53)', c(7, 53))</a:t>
+                      </a:r>
+                      <a:endParaRPr lang="en-US" sz="1800" b="0" kern="1200" baseline="0" dirty="0" smtClean="0">
+                        <a:solidFill>
+                          <a:schemeClr val="tx1"/>
+                        </a:solidFill>
+                        <a:latin typeface="+mn-lt"/>
+                        <a:ea typeface="+mn-ea"/>
+                        <a:cs typeface="+mn-cs"/>
+                      </a:endParaRPr>
+                    </a:p>
+                  </a:txBody>
+                  <a:tcPr>
+                    <a:lnT w="76200" cap="flat" cmpd="sng" algn="ctr">
+                      <a:solidFill>
+                        <a:schemeClr val="tx1">
+                          <a:lumMod val="50000"/>
+                          <a:lumOff val="50000"/>
+                        </a:schemeClr>
+                      </a:solidFill>
+                      <a:prstDash val="solid"/>
+                      <a:round/>
+                      <a:headEnd type="none" w="med" len="med"/>
+                      <a:tailEnd type="none" w="med" len="med"/>
+                    </a:lnT>
+                    <a:lnB w="76200" cap="flat" cmpd="sng" algn="ctr">
+                      <a:solidFill>
+                        <a:schemeClr val="tx1">
+                          <a:lumMod val="50000"/>
+                          <a:lumOff val="50000"/>
+                        </a:schemeClr>
+                      </a:solidFill>
+                      <a:prstDash val="solid"/>
+                      <a:round/>
+                      <a:headEnd type="none" w="med" len="med"/>
+                      <a:tailEnd type="none" w="med" len="med"/>
+                    </a:lnB>
+                    <a:solidFill>
+                      <a:schemeClr val="bg1"/>
+                    </a:solidFill>
+                  </a:tcPr>
+                </a:tc>
+              </a:tr>
+            </a:tbl>
+          </a:graphicData>
+        </a:graphic>
+      </p:graphicFrame>
+      <p:graphicFrame>
+        <p:nvGraphicFramePr>
+          <p:cNvPr id="22" name="Table 21"/>
+          <p:cNvGraphicFramePr>
+            <a:graphicFrameLocks noGrp="1"/>
+          </p:cNvGraphicFramePr>
+          <p:nvPr/>
+        </p:nvGraphicFramePr>
+        <p:xfrm>
+          <a:off x="914400" y="3810000"/>
+          <a:ext cx="8229600" cy="640080"/>
+        </p:xfrm>
+        <a:graphic>
+          <a:graphicData uri="http://schemas.openxmlformats.org/drawingml/2006/table">
+            <a:tbl>
+              <a:tblPr firstRow="1" bandRow="1">
+                <a:tableStyleId>{5C22544A-7EE6-4342-B048-85BDC9FD1C3A}</a:tableStyleId>
+              </a:tblPr>
+              <a:tblGrid>
+                <a:gridCol w="8229600"/>
+              </a:tblGrid>
+              <a:tr h="487680">
+                <a:tc>
+                  <a:txBody>
+                    <a:bodyPr/>
+                    <a:lstStyle/>
+                    <a:p>
+                      <a:r>
+                        <a:rPr lang="en-US" b="0" baseline="0" dirty="0" smtClean="0">
+                          <a:solidFill>
+                            <a:schemeClr val="tx1"/>
+                          </a:solidFill>
+                          <a:latin typeface="+mn-lt"/>
+                        </a:rPr>
+                        <a:t>A default argument can be defined in the body of the function. Lazy evaluation allows this, however inadvisable. </a:t>
+                      </a:r>
+                      <a:endParaRPr lang="en-US" b="0" dirty="0">
+                        <a:solidFill>
+                          <a:srgbClr val="00B0F0"/>
+                        </a:solidFill>
+                        <a:latin typeface="Courier" pitchFamily="49" charset="0"/>
+                      </a:endParaRPr>
+                    </a:p>
+                  </a:txBody>
+                  <a:tcPr>
+                    <a:lnT w="76200" cap="flat" cmpd="sng" algn="ctr">
+                      <a:solidFill>
+                        <a:schemeClr val="tx1">
+                          <a:lumMod val="75000"/>
+                          <a:lumOff val="25000"/>
+                        </a:schemeClr>
+                      </a:solidFill>
+                      <a:prstDash val="solid"/>
+                      <a:round/>
+                      <a:headEnd type="none" w="med" len="med"/>
+                      <a:tailEnd type="none" w="med" len="med"/>
+                    </a:lnT>
+                    <a:lnB w="76200" cap="flat" cmpd="sng" algn="ctr">
+                      <a:solidFill>
+                        <a:schemeClr val="tx1">
+                          <a:lumMod val="75000"/>
+                          <a:lumOff val="25000"/>
+                        </a:schemeClr>
+                      </a:solidFill>
+                      <a:prstDash val="solid"/>
+                      <a:round/>
+                      <a:headEnd type="none" w="med" len="med"/>
+                      <a:tailEnd type="none" w="med" len="med"/>
+                    </a:lnB>
+                    <a:solidFill>
+                      <a:schemeClr val="bg1"/>
+                    </a:solidFill>
+                  </a:tcPr>
+                </a:tc>
+              </a:tr>
+            </a:tbl>
+          </a:graphicData>
+        </a:graphic>
+      </p:graphicFrame>
+      <p:graphicFrame>
+        <p:nvGraphicFramePr>
+          <p:cNvPr id="24" name="Table 23"/>
+          <p:cNvGraphicFramePr>
+            <a:graphicFrameLocks noGrp="1"/>
+          </p:cNvGraphicFramePr>
+          <p:nvPr/>
+        </p:nvGraphicFramePr>
+        <p:xfrm>
+          <a:off x="914400" y="5334000"/>
+          <a:ext cx="8229600" cy="487680"/>
+        </p:xfrm>
+        <a:graphic>
+          <a:graphicData uri="http://schemas.openxmlformats.org/drawingml/2006/table">
+            <a:tbl>
+              <a:tblPr firstRow="1" bandRow="1">
+                <a:tableStyleId>{5C22544A-7EE6-4342-B048-85BDC9FD1C3A}</a:tableStyleId>
+              </a:tblPr>
+              <a:tblGrid>
+                <a:gridCol w="8229600"/>
+              </a:tblGrid>
+              <a:tr h="487680">
+                <a:tc>
+                  <a:txBody>
+                    <a:bodyPr/>
+                    <a:lstStyle/>
+                    <a:p>
+                      <a:r>
+                        <a:rPr lang="en-US" b="0" dirty="0" smtClean="0">
+                          <a:solidFill>
+                            <a:srgbClr val="FF0000"/>
+                          </a:solidFill>
+                        </a:rPr>
+                        <a:t>Default</a:t>
+                      </a:r>
+                      <a:endParaRPr lang="en-US" b="0" dirty="0" smtClean="0">
+                        <a:solidFill>
+                          <a:srgbClr val="FF0000"/>
+                        </a:solidFill>
+                      </a:endParaRPr>
+                    </a:p>
+                  </a:txBody>
+                  <a:tcPr>
+                    <a:lnT w="76200" cap="flat" cmpd="sng" algn="ctr">
+                      <a:solidFill>
+                        <a:schemeClr val="tx1">
+                          <a:lumMod val="95000"/>
+                          <a:lumOff val="5000"/>
+                        </a:schemeClr>
+                      </a:solidFill>
+                      <a:prstDash val="solid"/>
+                      <a:round/>
+                      <a:headEnd type="none" w="med" len="med"/>
+                      <a:tailEnd type="none" w="med" len="med"/>
+                    </a:lnT>
+                    <a:lnB w="76200" cap="flat" cmpd="sng" algn="ctr">
+                      <a:solidFill>
+                        <a:schemeClr val="tx1">
+                          <a:lumMod val="95000"/>
+                          <a:lumOff val="5000"/>
+                        </a:schemeClr>
+                      </a:solidFill>
+                      <a:prstDash val="solid"/>
+                      <a:round/>
+                      <a:headEnd type="none" w="med" len="med"/>
+                      <a:tailEnd type="none" w="med" len="med"/>
+                    </a:lnB>
+                    <a:solidFill>
+                      <a:schemeClr val="bg1"/>
+                    </a:solidFill>
+                  </a:tcPr>
+                </a:tc>
+              </a:tr>
+            </a:tbl>
+          </a:graphicData>
+        </a:graphic>
+      </p:graphicFrame>
+      <p:graphicFrame>
+        <p:nvGraphicFramePr>
+          <p:cNvPr id="14" name="Table 13"/>
+          <p:cNvGraphicFramePr>
+            <a:graphicFrameLocks noGrp="1"/>
+          </p:cNvGraphicFramePr>
+          <p:nvPr/>
+        </p:nvGraphicFramePr>
+        <p:xfrm>
+          <a:off x="0" y="975360"/>
+          <a:ext cx="914400" cy="914400"/>
+        </p:xfrm>
+        <a:graphic>
+          <a:graphicData uri="http://schemas.openxmlformats.org/drawingml/2006/table">
+            <a:tbl>
+              <a:tblPr firstRow="1" bandRow="1">
+                <a:tableStyleId>{5C22544A-7EE6-4342-B048-85BDC9FD1C3A}</a:tableStyleId>
+              </a:tblPr>
+              <a:tblGrid>
+                <a:gridCol w="914400"/>
+              </a:tblGrid>
+              <a:tr h="914400">
+                <a:tc>
+                  <a:txBody>
+                    <a:bodyPr/>
+                    <a:lstStyle/>
+                    <a:p>
+                      <a:pPr algn="ctr"/>
+                      <a:r>
+                        <a:rPr lang="en-US" sz="5400" dirty="0" smtClean="0"/>
+                        <a:t>Q</a:t>
+                      </a:r>
+                      <a:endParaRPr lang="en-US" sz="5400" dirty="0"/>
+                    </a:p>
+                  </a:txBody>
+                  <a:tcPr anchor="ctr">
+                    <a:lnL w="12700" cap="flat" cmpd="sng" algn="ctr">
+                      <a:solidFill>
+                        <a:schemeClr val="tx1"/>
+                      </a:solidFill>
+                      <a:prstDash val="solid"/>
+                      <a:round/>
+                      <a:headEnd type="none" w="med" len="med"/>
+                      <a:tailEnd type="none" w="med" len="med"/>
+                    </a:lnL>
+                    <a:lnT w="12700" cap="flat" cmpd="sng" algn="ctr">
+                      <a:solidFill>
+                        <a:schemeClr val="tx1"/>
+                      </a:solidFill>
+                      <a:prstDash val="solid"/>
+                      <a:round/>
+                      <a:headEnd type="none" w="med" len="med"/>
+                      <a:tailEnd type="none" w="med" len="med"/>
+                    </a:lnT>
+                    <a:lnB w="12700" cap="flat" cmpd="sng" algn="ctr">
+                      <a:solidFill>
+                        <a:schemeClr val="tx1"/>
+                      </a:solidFill>
+                      <a:prstDash val="solid"/>
+                      <a:round/>
+                      <a:headEnd type="none" w="med" len="med"/>
+                      <a:tailEnd type="none" w="med" len="med"/>
+                    </a:lnB>
+                    <a:solidFill>
+                      <a:schemeClr val="bg1">
+                        <a:lumMod val="65000"/>
+                      </a:schemeClr>
+                    </a:solidFill>
+                  </a:tcPr>
+                </a:tc>
+              </a:tr>
+            </a:tbl>
+          </a:graphicData>
+        </a:graphic>
+      </p:graphicFrame>
+      <p:graphicFrame>
+        <p:nvGraphicFramePr>
+          <p:cNvPr id="15" name="Table 14"/>
+          <p:cNvGraphicFramePr>
+            <a:graphicFrameLocks noGrp="1"/>
+          </p:cNvGraphicFramePr>
+          <p:nvPr/>
+        </p:nvGraphicFramePr>
+        <p:xfrm>
+          <a:off x="0" y="2382520"/>
+          <a:ext cx="914400" cy="914400"/>
+        </p:xfrm>
+        <a:graphic>
+          <a:graphicData uri="http://schemas.openxmlformats.org/drawingml/2006/table">
+            <a:tbl>
+              <a:tblPr firstRow="1" bandRow="1">
+                <a:tableStyleId>{5C22544A-7EE6-4342-B048-85BDC9FD1C3A}</a:tableStyleId>
+              </a:tblPr>
+              <a:tblGrid>
+                <a:gridCol w="914400"/>
+              </a:tblGrid>
+              <a:tr h="914400">
+                <a:tc>
+                  <a:txBody>
+                    <a:bodyPr/>
+                    <a:lstStyle/>
+                    <a:p>
+                      <a:pPr algn="ctr"/>
+                      <a:r>
+                        <a:rPr lang="en-US" sz="5400" dirty="0" smtClean="0"/>
+                        <a:t>A</a:t>
+                      </a:r>
+                      <a:endParaRPr lang="en-US" sz="5400" dirty="0"/>
+                    </a:p>
+                  </a:txBody>
+                  <a:tcPr anchor="ctr">
+                    <a:lnL w="12700" cap="flat" cmpd="sng" algn="ctr">
+                      <a:solidFill>
+                        <a:schemeClr val="tx1"/>
+                      </a:solidFill>
+                      <a:prstDash val="solid"/>
+                      <a:round/>
+                      <a:headEnd type="none" w="med" len="med"/>
+                      <a:tailEnd type="none" w="med" len="med"/>
+                    </a:lnL>
+                    <a:lnT w="12700" cap="flat" cmpd="sng" algn="ctr">
+                      <a:solidFill>
+                        <a:schemeClr val="tx1"/>
+                      </a:solidFill>
+                      <a:prstDash val="solid"/>
+                      <a:round/>
+                      <a:headEnd type="none" w="med" len="med"/>
+                      <a:tailEnd type="none" w="med" len="med"/>
+                    </a:lnT>
+                    <a:lnB w="12700" cap="flat" cmpd="sng" algn="ctr">
+                      <a:solidFill>
+                        <a:schemeClr val="tx1"/>
+                      </a:solidFill>
+                      <a:prstDash val="solid"/>
+                      <a:round/>
+                      <a:headEnd type="none" w="med" len="med"/>
+                      <a:tailEnd type="none" w="med" len="med"/>
+                    </a:lnB>
+                    <a:solidFill>
+                      <a:schemeClr val="tx1">
+                        <a:lumMod val="50000"/>
+                        <a:lumOff val="50000"/>
+                      </a:schemeClr>
+                    </a:solidFill>
+                  </a:tcPr>
+                </a:tc>
+              </a:tr>
+            </a:tbl>
+          </a:graphicData>
+        </a:graphic>
+      </p:graphicFrame>
+      <p:graphicFrame>
+        <p:nvGraphicFramePr>
+          <p:cNvPr id="17" name="Table 16"/>
+          <p:cNvGraphicFramePr>
+            <a:graphicFrameLocks noGrp="1"/>
+          </p:cNvGraphicFramePr>
+          <p:nvPr/>
+        </p:nvGraphicFramePr>
+        <p:xfrm>
+          <a:off x="0" y="3789680"/>
+          <a:ext cx="914400" cy="914400"/>
+        </p:xfrm>
+        <a:graphic>
+          <a:graphicData uri="http://schemas.openxmlformats.org/drawingml/2006/table">
+            <a:tbl>
+              <a:tblPr firstRow="1" bandRow="1">
+                <a:tableStyleId>{5C22544A-7EE6-4342-B048-85BDC9FD1C3A}</a:tableStyleId>
+              </a:tblPr>
+              <a:tblGrid>
+                <a:gridCol w="914400"/>
+              </a:tblGrid>
+              <a:tr h="914400">
+                <a:tc>
+                  <a:txBody>
+                    <a:bodyPr/>
+                    <a:lstStyle/>
+                    <a:p>
+                      <a:pPr algn="ctr"/>
+                      <a:r>
+                        <a:rPr lang="en-US" sz="5400" dirty="0" smtClean="0"/>
+                        <a:t>C</a:t>
+                      </a:r>
+                      <a:endParaRPr lang="en-US" sz="5400" dirty="0"/>
+                    </a:p>
+                  </a:txBody>
+                  <a:tcPr anchor="ctr">
+                    <a:lnL w="12700" cap="flat" cmpd="sng" algn="ctr">
+                      <a:solidFill>
+                        <a:schemeClr val="tx1"/>
+                      </a:solidFill>
+                      <a:prstDash val="solid"/>
+                      <a:round/>
+                      <a:headEnd type="none" w="med" len="med"/>
+                      <a:tailEnd type="none" w="med" len="med"/>
+                    </a:lnL>
+                    <a:lnT w="12700" cap="flat" cmpd="sng" algn="ctr">
+                      <a:solidFill>
+                        <a:schemeClr val="tx1"/>
+                      </a:solidFill>
+                      <a:prstDash val="solid"/>
+                      <a:round/>
+                      <a:headEnd type="none" w="med" len="med"/>
+                      <a:tailEnd type="none" w="med" len="med"/>
+                    </a:lnT>
+                    <a:lnB w="12700" cap="flat" cmpd="sng" algn="ctr">
+                      <a:solidFill>
+                        <a:schemeClr val="tx1"/>
+                      </a:solidFill>
+                      <a:prstDash val="solid"/>
+                      <a:round/>
+                      <a:headEnd type="none" w="med" len="med"/>
+                      <a:tailEnd type="none" w="med" len="med"/>
+                    </a:lnB>
+                    <a:solidFill>
+                      <a:schemeClr val="tx1">
+                        <a:lumMod val="75000"/>
+                        <a:lumOff val="25000"/>
+                      </a:schemeClr>
+                    </a:solidFill>
+                  </a:tcPr>
+                </a:tc>
+              </a:tr>
+            </a:tbl>
+          </a:graphicData>
+        </a:graphic>
+      </p:graphicFrame>
+      <p:graphicFrame>
+        <p:nvGraphicFramePr>
+          <p:cNvPr id="25" name="Table 24"/>
+          <p:cNvGraphicFramePr>
+            <a:graphicFrameLocks noGrp="1"/>
+          </p:cNvGraphicFramePr>
+          <p:nvPr/>
+        </p:nvGraphicFramePr>
+        <p:xfrm>
+          <a:off x="0" y="5196840"/>
+          <a:ext cx="914400" cy="914400"/>
+        </p:xfrm>
+        <a:graphic>
+          <a:graphicData uri="http://schemas.openxmlformats.org/drawingml/2006/table">
+            <a:tbl>
+              <a:tblPr firstRow="1" bandRow="1">
+                <a:tableStyleId>{5C22544A-7EE6-4342-B048-85BDC9FD1C3A}</a:tableStyleId>
+              </a:tblPr>
+              <a:tblGrid>
+                <a:gridCol w="914400"/>
+              </a:tblGrid>
+              <a:tr h="914400">
+                <a:tc>
+                  <a:txBody>
+                    <a:bodyPr/>
+                    <a:lstStyle/>
+                    <a:p>
+                      <a:pPr algn="ctr"/>
+                      <a:r>
+                        <a:rPr lang="en-US" sz="5400" dirty="0" smtClean="0"/>
+                        <a:t>T</a:t>
+                      </a:r>
+                      <a:endParaRPr lang="en-US" sz="5400" dirty="0"/>
+                    </a:p>
+                  </a:txBody>
+                  <a:tcPr anchor="ctr">
+                    <a:lnL w="12700" cap="flat" cmpd="sng" algn="ctr">
+                      <a:solidFill>
+                        <a:schemeClr val="tx1"/>
+                      </a:solidFill>
+                      <a:prstDash val="solid"/>
+                      <a:round/>
+                      <a:headEnd type="none" w="med" len="med"/>
+                      <a:tailEnd type="none" w="med" len="med"/>
+                    </a:lnL>
+                    <a:lnT w="12700" cap="flat" cmpd="sng" algn="ctr">
+                      <a:solidFill>
+                        <a:schemeClr val="tx1"/>
+                      </a:solidFill>
+                      <a:prstDash val="solid"/>
+                      <a:round/>
+                      <a:headEnd type="none" w="med" len="med"/>
+                      <a:tailEnd type="none" w="med" len="med"/>
+                    </a:lnT>
+                    <a:lnB w="12700" cap="flat" cmpd="sng" algn="ctr">
+                      <a:solidFill>
+                        <a:schemeClr val="tx1"/>
+                      </a:solidFill>
+                      <a:prstDash val="solid"/>
+                      <a:round/>
+                      <a:headEnd type="none" w="med" len="med"/>
+                      <a:tailEnd type="none" w="med" len="med"/>
+                    </a:lnB>
+                    <a:solidFill>
+                      <a:schemeClr val="tx1">
+                        <a:lumMod val="95000"/>
+                        <a:lumOff val="5000"/>
+                      </a:schemeClr>
+                    </a:solidFill>
+                  </a:tcPr>
+                </a:tc>
+              </a:tr>
+            </a:tbl>
+          </a:graphicData>
+        </a:graphic>
+      </p:graphicFrame>
+    </p:spTree>
+  </p:cSld>
+  <p:clrMapOvr>
+    <a:masterClrMapping/>
+  </p:clrMapOvr>
+</p:sld>
+</file>
+
+<file path=ppt/slides/slide4.xml><?xml version="1.0" encoding="utf-8"?>
+<p:sld xmlns:a="http://schemas.openxmlformats.org/drawingml/2006/main" xmlns:r="http://schemas.openxmlformats.org/officeDocument/2006/relationships" xmlns:p="http://schemas.openxmlformats.org/presentationml/2006/main">
+  <p:cSld>
+    <p:spTree>
+      <p:nvGrpSpPr>
+        <p:cNvPr id="1" name=""/>
+        <p:cNvGrpSpPr/>
+        <p:nvPr/>
+      </p:nvGrpSpPr>
+      <p:grpSpPr>
+        <a:xfrm>
+          <a:off x="0" y="0"/>
+          <a:ext cx="0" cy="0"/>
+          <a:chOff x="0" y="0"/>
+          <a:chExt cx="0" cy="0"/>
+        </a:xfrm>
+      </p:grpSpPr>
+      <p:graphicFrame>
+        <p:nvGraphicFramePr>
+          <p:cNvPr id="16" name="Table 15"/>
+          <p:cNvGraphicFramePr>
+            <a:graphicFrameLocks noGrp="1"/>
+          </p:cNvGraphicFramePr>
+          <p:nvPr/>
+        </p:nvGraphicFramePr>
+        <p:xfrm>
+          <a:off x="0" y="975360"/>
+          <a:ext cx="914400" cy="914400"/>
+        </p:xfrm>
+        <a:graphic>
+          <a:graphicData uri="http://schemas.openxmlformats.org/drawingml/2006/table">
+            <a:tbl>
+              <a:tblPr firstRow="1" bandRow="1">
+                <a:tableStyleId>{5C22544A-7EE6-4342-B048-85BDC9FD1C3A}</a:tableStyleId>
+              </a:tblPr>
+              <a:tblGrid>
+                <a:gridCol w="914400"/>
+              </a:tblGrid>
+              <a:tr h="914400">
+                <a:tc>
+                  <a:txBody>
+                    <a:bodyPr/>
+                    <a:lstStyle/>
+                    <a:p>
+                      <a:pPr algn="ctr"/>
+                      <a:r>
+                        <a:rPr lang="en-US" sz="5400" dirty="0" smtClean="0"/>
+                        <a:t>Q</a:t>
+                      </a:r>
+                      <a:endParaRPr lang="en-US" sz="5400" dirty="0"/>
+                    </a:p>
+                  </a:txBody>
+                  <a:tcPr anchor="ctr">
+                    <a:lnL w="12700" cap="flat" cmpd="sng" algn="ctr">
+                      <a:solidFill>
+                        <a:schemeClr val="tx1"/>
+                      </a:solidFill>
+                      <a:prstDash val="solid"/>
+                      <a:round/>
+                      <a:headEnd type="none" w="med" len="med"/>
+                      <a:tailEnd type="none" w="med" len="med"/>
+                    </a:lnL>
+                    <a:lnT w="12700" cap="flat" cmpd="sng" algn="ctr">
+                      <a:solidFill>
+                        <a:schemeClr val="tx1"/>
+                      </a:solidFill>
+                      <a:prstDash val="solid"/>
+                      <a:round/>
+                      <a:headEnd type="none" w="med" len="med"/>
+                      <a:tailEnd type="none" w="med" len="med"/>
+                    </a:lnT>
+                    <a:lnB w="12700" cap="flat" cmpd="sng" algn="ctr">
+                      <a:solidFill>
+                        <a:schemeClr val="tx1"/>
+                      </a:solidFill>
+                      <a:prstDash val="solid"/>
+                      <a:round/>
+                      <a:headEnd type="none" w="med" len="med"/>
+                      <a:tailEnd type="none" w="med" len="med"/>
+                    </a:lnB>
+                    <a:solidFill>
+                      <a:schemeClr val="bg1">
+                        <a:lumMod val="65000"/>
+                      </a:schemeClr>
+                    </a:solidFill>
+                  </a:tcPr>
+                </a:tc>
+              </a:tr>
+            </a:tbl>
+          </a:graphicData>
+        </a:graphic>
+      </p:graphicFrame>
+      <p:graphicFrame>
+        <p:nvGraphicFramePr>
+          <p:cNvPr id="18" name="Table 17"/>
+          <p:cNvGraphicFramePr>
+            <a:graphicFrameLocks noGrp="1"/>
+          </p:cNvGraphicFramePr>
+          <p:nvPr/>
+        </p:nvGraphicFramePr>
+        <p:xfrm>
+          <a:off x="914400" y="1112520"/>
+          <a:ext cx="8229600" cy="640080"/>
+        </p:xfrm>
+        <a:graphic>
+          <a:graphicData uri="http://schemas.openxmlformats.org/drawingml/2006/table">
+            <a:tbl>
+              <a:tblPr firstRow="1" bandRow="1">
+                <a:tableStyleId>{5C22544A-7EE6-4342-B048-85BDC9FD1C3A}</a:tableStyleId>
+              </a:tblPr>
+              <a:tblGrid>
+                <a:gridCol w="8229600"/>
+              </a:tblGrid>
+              <a:tr h="487680">
+                <a:tc>
+                  <a:txBody>
+                    <a:bodyPr/>
+                    <a:lstStyle/>
+                    <a:p>
+                      <a:r>
+                        <a:rPr lang="en-US" b="0" dirty="0" smtClean="0">
+                          <a:solidFill>
+                            <a:schemeClr val="tx1"/>
+                          </a:solidFill>
+                        </a:rPr>
+                        <a:t>What do</a:t>
+                      </a:r>
+                      <a:r>
+                        <a:rPr lang="en-US" b="0" baseline="0" dirty="0" smtClean="0">
+                          <a:solidFill>
+                            <a:schemeClr val="tx1"/>
+                          </a:solidFill>
+                        </a:rPr>
+                        <a:t> these function calls return?</a:t>
+                      </a:r>
+                      <a:endParaRPr lang="en-US" b="0" dirty="0" smtClean="0">
+                        <a:solidFill>
+                          <a:schemeClr val="tx1"/>
+                        </a:solidFill>
+                      </a:endParaRPr>
+                    </a:p>
+                    <a:p>
+                      <a:r>
+                        <a:rPr lang="en-US" b="0" dirty="0" smtClean="0">
+                          <a:solidFill>
+                            <a:srgbClr val="00B0F0"/>
+                          </a:solidFill>
+                          <a:latin typeface="Courier" pitchFamily="49" charset="0"/>
+                        </a:rPr>
+                        <a:t>formals(sum); body(sum); environment(sum);</a:t>
+                      </a:r>
+                    </a:p>
+                  </a:txBody>
+                  <a:tcPr>
+                    <a:lnT w="76200" cap="flat" cmpd="sng" algn="ctr">
+                      <a:solidFill>
+                        <a:schemeClr val="bg1">
+                          <a:lumMod val="65000"/>
+                        </a:schemeClr>
+                      </a:solidFill>
+                      <a:prstDash val="solid"/>
+                      <a:round/>
+                      <a:headEnd type="none" w="med" len="med"/>
+                      <a:tailEnd type="none" w="med" len="med"/>
+                    </a:lnT>
+                    <a:lnB w="76200" cap="flat" cmpd="sng" algn="ctr">
+                      <a:solidFill>
+                        <a:schemeClr val="bg1">
+                          <a:lumMod val="65000"/>
+                        </a:schemeClr>
+                      </a:solidFill>
+                      <a:prstDash val="solid"/>
+                      <a:round/>
+                      <a:headEnd type="none" w="med" len="med"/>
+                      <a:tailEnd type="none" w="med" len="med"/>
+                    </a:lnB>
+                    <a:solidFill>
+                      <a:schemeClr val="bg1"/>
+                    </a:solidFill>
+                  </a:tcPr>
+                </a:tc>
+              </a:tr>
+            </a:tbl>
+          </a:graphicData>
+        </a:graphic>
+      </p:graphicFrame>
+      <p:graphicFrame>
+        <p:nvGraphicFramePr>
+          <p:cNvPr id="19" name="Table 18"/>
+          <p:cNvGraphicFramePr>
+            <a:graphicFrameLocks noGrp="1"/>
+          </p:cNvGraphicFramePr>
+          <p:nvPr/>
+        </p:nvGraphicFramePr>
+        <p:xfrm>
+          <a:off x="0" y="2382520"/>
+          <a:ext cx="914400" cy="914400"/>
+        </p:xfrm>
+        <a:graphic>
+          <a:graphicData uri="http://schemas.openxmlformats.org/drawingml/2006/table">
+            <a:tbl>
+              <a:tblPr firstRow="1" bandRow="1">
+                <a:tableStyleId>{5C22544A-7EE6-4342-B048-85BDC9FD1C3A}</a:tableStyleId>
+              </a:tblPr>
+              <a:tblGrid>
+                <a:gridCol w="914400"/>
+              </a:tblGrid>
+              <a:tr h="914400">
+                <a:tc>
+                  <a:txBody>
+                    <a:bodyPr/>
+                    <a:lstStyle/>
+                    <a:p>
+                      <a:pPr algn="ctr"/>
+                      <a:r>
+                        <a:rPr lang="en-US" sz="5400" dirty="0" smtClean="0"/>
+                        <a:t>A</a:t>
+                      </a:r>
+                      <a:endParaRPr lang="en-US" sz="5400" dirty="0"/>
+                    </a:p>
+                  </a:txBody>
+                  <a:tcPr anchor="ctr">
+                    <a:lnL w="12700" cap="flat" cmpd="sng" algn="ctr">
+                      <a:solidFill>
+                        <a:schemeClr val="tx1"/>
+                      </a:solidFill>
+                      <a:prstDash val="solid"/>
+                      <a:round/>
+                      <a:headEnd type="none" w="med" len="med"/>
+                      <a:tailEnd type="none" w="med" len="med"/>
+                    </a:lnL>
+                    <a:lnT w="12700" cap="flat" cmpd="sng" algn="ctr">
+                      <a:solidFill>
+                        <a:schemeClr val="tx1"/>
+                      </a:solidFill>
+                      <a:prstDash val="solid"/>
+                      <a:round/>
+                      <a:headEnd type="none" w="med" len="med"/>
+                      <a:tailEnd type="none" w="med" len="med"/>
+                    </a:lnT>
+                    <a:lnB w="12700" cap="flat" cmpd="sng" algn="ctr">
+                      <a:solidFill>
+                        <a:schemeClr val="tx1"/>
+                      </a:solidFill>
+                      <a:prstDash val="solid"/>
+                      <a:round/>
+                      <a:headEnd type="none" w="med" len="med"/>
+                      <a:tailEnd type="none" w="med" len="med"/>
+                    </a:lnB>
+                    <a:solidFill>
+                      <a:schemeClr val="tx1">
+                        <a:lumMod val="50000"/>
+                        <a:lumOff val="50000"/>
+                      </a:schemeClr>
+                    </a:solidFill>
+                  </a:tcPr>
+                </a:tc>
+              </a:tr>
+            </a:tbl>
+          </a:graphicData>
+        </a:graphic>
+      </p:graphicFrame>
+      <p:graphicFrame>
+        <p:nvGraphicFramePr>
+          <p:cNvPr id="20" name="Table 19"/>
+          <p:cNvGraphicFramePr>
+            <a:graphicFrameLocks noGrp="1"/>
+          </p:cNvGraphicFramePr>
+          <p:nvPr/>
+        </p:nvGraphicFramePr>
+        <p:xfrm>
+          <a:off x="914400" y="2514600"/>
+          <a:ext cx="8229600" cy="640080"/>
+        </p:xfrm>
+        <a:graphic>
+          <a:graphicData uri="http://schemas.openxmlformats.org/drawingml/2006/table">
+            <a:tbl>
+              <a:tblPr firstRow="1" bandRow="1">
+                <a:tableStyleId>{5C22544A-7EE6-4342-B048-85BDC9FD1C3A}</a:tableStyleId>
+              </a:tblPr>
+              <a:tblGrid>
+                <a:gridCol w="8229600"/>
+              </a:tblGrid>
+              <a:tr h="487680">
+                <a:tc>
+                  <a:txBody>
+                    <a:bodyPr/>
+                    <a:lstStyle/>
+                    <a:p>
+                      <a:r>
+                        <a:rPr lang="en-US" b="0" dirty="0" smtClean="0">
+                          <a:solidFill>
+                            <a:schemeClr val="tx1"/>
+                          </a:solidFill>
+                        </a:rPr>
+                        <a:t>Returns</a:t>
+                      </a:r>
+                    </a:p>
+                    <a:p>
+                      <a:r>
+                        <a:rPr lang="en-US" b="0" dirty="0" smtClean="0">
+                          <a:solidFill>
+                            <a:srgbClr val="00B0F0"/>
+                          </a:solidFill>
+                          <a:latin typeface="Courier" pitchFamily="49" charset="0"/>
+                        </a:rPr>
+                        <a:t>NULL</a:t>
+                      </a:r>
+                      <a:endParaRPr lang="en-US" b="0" dirty="0">
+                        <a:solidFill>
+                          <a:srgbClr val="00B0F0"/>
+                        </a:solidFill>
+                        <a:latin typeface="Courier" pitchFamily="49" charset="0"/>
+                      </a:endParaRPr>
+                    </a:p>
+                  </a:txBody>
+                  <a:tcPr>
+                    <a:lnT w="76200" cap="flat" cmpd="sng" algn="ctr">
+                      <a:solidFill>
+                        <a:schemeClr val="tx1">
+                          <a:lumMod val="50000"/>
+                          <a:lumOff val="50000"/>
+                        </a:schemeClr>
+                      </a:solidFill>
+                      <a:prstDash val="solid"/>
+                      <a:round/>
+                      <a:headEnd type="none" w="med" len="med"/>
+                      <a:tailEnd type="none" w="med" len="med"/>
+                    </a:lnT>
+                    <a:lnB w="76200" cap="flat" cmpd="sng" algn="ctr">
+                      <a:solidFill>
+                        <a:schemeClr val="tx1">
+                          <a:lumMod val="50000"/>
+                          <a:lumOff val="50000"/>
+                        </a:schemeClr>
+                      </a:solidFill>
+                      <a:prstDash val="solid"/>
+                      <a:round/>
+                      <a:headEnd type="none" w="med" len="med"/>
+                      <a:tailEnd type="none" w="med" len="med"/>
+                    </a:lnB>
+                    <a:solidFill>
+                      <a:schemeClr val="bg1"/>
+                    </a:solidFill>
+                  </a:tcPr>
+                </a:tc>
+              </a:tr>
+            </a:tbl>
+          </a:graphicData>
+        </a:graphic>
+      </p:graphicFrame>
+      <p:graphicFrame>
+        <p:nvGraphicFramePr>
+          <p:cNvPr id="21" name="Table 20"/>
+          <p:cNvGraphicFramePr>
+            <a:graphicFrameLocks noGrp="1"/>
+          </p:cNvGraphicFramePr>
+          <p:nvPr/>
+        </p:nvGraphicFramePr>
+        <p:xfrm>
+          <a:off x="0" y="3789680"/>
+          <a:ext cx="914400" cy="914400"/>
+        </p:xfrm>
+        <a:graphic>
+          <a:graphicData uri="http://schemas.openxmlformats.org/drawingml/2006/table">
+            <a:tbl>
+              <a:tblPr firstRow="1" bandRow="1">
+                <a:tableStyleId>{5C22544A-7EE6-4342-B048-85BDC9FD1C3A}</a:tableStyleId>
+              </a:tblPr>
+              <a:tblGrid>
+                <a:gridCol w="914400"/>
+              </a:tblGrid>
+              <a:tr h="914400">
+                <a:tc>
+                  <a:txBody>
+                    <a:bodyPr/>
+                    <a:lstStyle/>
+                    <a:p>
+                      <a:pPr algn="ctr"/>
+                      <a:r>
+                        <a:rPr lang="en-US" sz="5400" dirty="0" smtClean="0"/>
+                        <a:t>C</a:t>
+                      </a:r>
+                      <a:endParaRPr lang="en-US" sz="5400" dirty="0"/>
+                    </a:p>
+                  </a:txBody>
+                  <a:tcPr anchor="ctr">
+                    <a:lnL w="12700" cap="flat" cmpd="sng" algn="ctr">
+                      <a:solidFill>
+                        <a:schemeClr val="tx1"/>
+                      </a:solidFill>
+                      <a:prstDash val="solid"/>
+                      <a:round/>
+                      <a:headEnd type="none" w="med" len="med"/>
+                      <a:tailEnd type="none" w="med" len="med"/>
+                    </a:lnL>
+                    <a:lnT w="12700" cap="flat" cmpd="sng" algn="ctr">
+                      <a:solidFill>
+                        <a:schemeClr val="tx1"/>
+                      </a:solidFill>
+                      <a:prstDash val="solid"/>
+                      <a:round/>
+                      <a:headEnd type="none" w="med" len="med"/>
+                      <a:tailEnd type="none" w="med" len="med"/>
+                    </a:lnT>
+                    <a:lnB w="12700" cap="flat" cmpd="sng" algn="ctr">
+                      <a:solidFill>
+                        <a:schemeClr val="tx1"/>
+                      </a:solidFill>
+                      <a:prstDash val="solid"/>
+                      <a:round/>
+                      <a:headEnd type="none" w="med" len="med"/>
+                      <a:tailEnd type="none" w="med" len="med"/>
+                    </a:lnB>
+                    <a:solidFill>
+                      <a:schemeClr val="tx1">
+                        <a:lumMod val="75000"/>
+                        <a:lumOff val="25000"/>
+                      </a:schemeClr>
+                    </a:solidFill>
+                  </a:tcPr>
+                </a:tc>
+              </a:tr>
+            </a:tbl>
+          </a:graphicData>
+        </a:graphic>
+      </p:graphicFrame>
+      <p:graphicFrame>
+        <p:nvGraphicFramePr>
+          <p:cNvPr id="22" name="Table 21"/>
+          <p:cNvGraphicFramePr>
+            <a:graphicFrameLocks noGrp="1"/>
+          </p:cNvGraphicFramePr>
+          <p:nvPr/>
+        </p:nvGraphicFramePr>
+        <p:xfrm>
+          <a:off x="914400" y="3931920"/>
+          <a:ext cx="8229600" cy="640080"/>
+        </p:xfrm>
+        <a:graphic>
+          <a:graphicData uri="http://schemas.openxmlformats.org/drawingml/2006/table">
+            <a:tbl>
+              <a:tblPr firstRow="1" bandRow="1">
+                <a:tableStyleId>{5C22544A-7EE6-4342-B048-85BDC9FD1C3A}</a:tableStyleId>
+              </a:tblPr>
+              <a:tblGrid>
+                <a:gridCol w="8229600"/>
+              </a:tblGrid>
+              <a:tr h="487680">
+                <a:tc>
+                  <a:txBody>
+                    <a:bodyPr/>
+                    <a:lstStyle/>
+                    <a:p>
+                      <a:r>
+                        <a:rPr lang="en-US" b="0" dirty="0" smtClean="0">
+                          <a:solidFill>
+                            <a:schemeClr val="tx1"/>
+                          </a:solidFill>
+                        </a:rPr>
+                        <a:t>Some functions are implemented in C code for</a:t>
+                      </a:r>
+                      <a:r>
+                        <a:rPr lang="en-US" b="0" baseline="0" dirty="0" smtClean="0">
+                          <a:solidFill>
+                            <a:schemeClr val="tx1"/>
+                          </a:solidFill>
+                        </a:rPr>
+                        <a:t> efficiency. They have no R code. Therefore their body, list of arguments and environment are all null.</a:t>
+                      </a:r>
+                      <a:endParaRPr lang="en-US" b="0" dirty="0">
+                        <a:solidFill>
+                          <a:schemeClr val="tx1"/>
+                        </a:solidFill>
+                      </a:endParaRPr>
+                    </a:p>
+                  </a:txBody>
+                  <a:tcPr>
+                    <a:lnT w="76200" cap="flat" cmpd="sng" algn="ctr">
+                      <a:solidFill>
+                        <a:schemeClr val="tx1">
+                          <a:lumMod val="75000"/>
+                          <a:lumOff val="25000"/>
+                        </a:schemeClr>
+                      </a:solidFill>
+                      <a:prstDash val="solid"/>
+                      <a:round/>
+                      <a:headEnd type="none" w="med" len="med"/>
+                      <a:tailEnd type="none" w="med" len="med"/>
+                    </a:lnT>
+                    <a:lnB w="76200" cap="flat" cmpd="sng" algn="ctr">
+                      <a:solidFill>
+                        <a:schemeClr val="tx1">
+                          <a:lumMod val="75000"/>
+                          <a:lumOff val="25000"/>
+                        </a:schemeClr>
+                      </a:solidFill>
+                      <a:prstDash val="solid"/>
+                      <a:round/>
+                      <a:headEnd type="none" w="med" len="med"/>
+                      <a:tailEnd type="none" w="med" len="med"/>
+                    </a:lnB>
+                    <a:solidFill>
+                      <a:schemeClr val="bg1"/>
+                    </a:solidFill>
+                  </a:tcPr>
+                </a:tc>
+              </a:tr>
+            </a:tbl>
+          </a:graphicData>
+        </a:graphic>
+      </p:graphicFrame>
+      <p:graphicFrame>
+        <p:nvGraphicFramePr>
+          <p:cNvPr id="23" name="Table 22"/>
+          <p:cNvGraphicFramePr>
+            <a:graphicFrameLocks noGrp="1"/>
+          </p:cNvGraphicFramePr>
+          <p:nvPr/>
+        </p:nvGraphicFramePr>
+        <p:xfrm>
+          <a:off x="0" y="5196840"/>
+          <a:ext cx="914400" cy="914400"/>
+        </p:xfrm>
+        <a:graphic>
+          <a:graphicData uri="http://schemas.openxmlformats.org/drawingml/2006/table">
+            <a:tbl>
+              <a:tblPr firstRow="1" bandRow="1">
+                <a:tableStyleId>{5C22544A-7EE6-4342-B048-85BDC9FD1C3A}</a:tableStyleId>
+              </a:tblPr>
+              <a:tblGrid>
+                <a:gridCol w="914400"/>
+              </a:tblGrid>
+              <a:tr h="914400">
+                <a:tc>
+                  <a:txBody>
+                    <a:bodyPr/>
+                    <a:lstStyle/>
+                    <a:p>
+                      <a:pPr algn="ctr"/>
+                      <a:r>
+                        <a:rPr lang="en-US" sz="5400" dirty="0" smtClean="0"/>
+                        <a:t>T</a:t>
+                      </a:r>
+                      <a:endParaRPr lang="en-US" sz="5400" dirty="0"/>
+                    </a:p>
+                  </a:txBody>
+                  <a:tcPr anchor="ctr">
+                    <a:lnL w="12700" cap="flat" cmpd="sng" algn="ctr">
+                      <a:solidFill>
+                        <a:schemeClr val="tx1"/>
+                      </a:solidFill>
+                      <a:prstDash val="solid"/>
+                      <a:round/>
+                      <a:headEnd type="none" w="med" len="med"/>
+                      <a:tailEnd type="none" w="med" len="med"/>
+                    </a:lnL>
+                    <a:lnT w="12700" cap="flat" cmpd="sng" algn="ctr">
+                      <a:solidFill>
+                        <a:schemeClr val="tx1"/>
+                      </a:solidFill>
+                      <a:prstDash val="solid"/>
+                      <a:round/>
+                      <a:headEnd type="none" w="med" len="med"/>
+                      <a:tailEnd type="none" w="med" len="med"/>
+                    </a:lnT>
+                    <a:lnB w="12700" cap="flat" cmpd="sng" algn="ctr">
+                      <a:solidFill>
+                        <a:schemeClr val="tx1"/>
+                      </a:solidFill>
+                      <a:prstDash val="solid"/>
+                      <a:round/>
+                      <a:headEnd type="none" w="med" len="med"/>
+                      <a:tailEnd type="none" w="med" len="med"/>
+                    </a:lnB>
+                    <a:solidFill>
+                      <a:schemeClr val="tx1">
+                        <a:lumMod val="95000"/>
+                        <a:lumOff val="5000"/>
+                      </a:schemeClr>
+                    </a:solidFill>
+                  </a:tcPr>
+                </a:tc>
+              </a:tr>
+            </a:tbl>
+          </a:graphicData>
+        </a:graphic>
+      </p:graphicFrame>
+      <p:graphicFrame>
+        <p:nvGraphicFramePr>
+          <p:cNvPr id="11" name="Table 10"/>
+          <p:cNvGraphicFramePr>
+            <a:graphicFrameLocks noGrp="1"/>
+          </p:cNvGraphicFramePr>
+          <p:nvPr/>
+        </p:nvGraphicFramePr>
+        <p:xfrm>
+          <a:off x="914400" y="5379720"/>
+          <a:ext cx="8229600" cy="487680"/>
+        </p:xfrm>
+        <a:graphic>
+          <a:graphicData uri="http://schemas.openxmlformats.org/drawingml/2006/table">
+            <a:tbl>
+              <a:tblPr firstRow="1" bandRow="1">
+                <a:tableStyleId>{5C22544A-7EE6-4342-B048-85BDC9FD1C3A}</a:tableStyleId>
+              </a:tblPr>
+              <a:tblGrid>
+                <a:gridCol w="8229600"/>
+              </a:tblGrid>
+              <a:tr h="487680">
+                <a:tc>
+                  <a:txBody>
+                    <a:bodyPr/>
+                    <a:lstStyle/>
+                    <a:p>
+                      <a:r>
+                        <a:rPr lang="en-US" b="0" dirty="0" smtClean="0">
+                          <a:solidFill>
+                            <a:srgbClr val="FF0000"/>
+                          </a:solidFill>
+                        </a:rPr>
+                        <a:t>Custom functions</a:t>
+                      </a:r>
+                    </a:p>
+                  </a:txBody>
+                  <a:tcPr>
+                    <a:lnT w="76200" cap="flat" cmpd="sng" algn="ctr">
+                      <a:solidFill>
+                        <a:schemeClr val="tx1">
+                          <a:lumMod val="95000"/>
+                          <a:lumOff val="5000"/>
+                        </a:schemeClr>
+                      </a:solidFill>
+                      <a:prstDash val="solid"/>
+                      <a:round/>
+                      <a:headEnd type="none" w="med" len="med"/>
+                      <a:tailEnd type="none" w="med" len="med"/>
+                    </a:lnT>
+                    <a:lnB w="76200" cap="flat" cmpd="sng" algn="ctr">
+                      <a:solidFill>
+                        <a:schemeClr val="tx1">
+                          <a:lumMod val="95000"/>
+                          <a:lumOff val="5000"/>
+                        </a:schemeClr>
+                      </a:solidFill>
+                      <a:prstDash val="solid"/>
+                      <a:round/>
+                      <a:headEnd type="none" w="med" len="med"/>
+                      <a:tailEnd type="none" w="med" len="med"/>
+                    </a:lnB>
+                    <a:solidFill>
+                      <a:schemeClr val="bg1"/>
+                    </a:solidFill>
+                  </a:tcPr>
+                </a:tc>
+              </a:tr>
+            </a:tbl>
+          </a:graphicData>
+        </a:graphic>
+      </p:graphicFrame>
+    </p:spTree>
+  </p:cSld>
+  <p:clrMapOvr>
+    <a:masterClrMapping/>
+  </p:clrMapOvr>
+</p:sld>
+</file>
+
+<file path=ppt/slides/slide40.xml><?xml version="1.0" encoding="utf-8"?>
+<p:sld xmlns:a="http://schemas.openxmlformats.org/drawingml/2006/main" xmlns:r="http://schemas.openxmlformats.org/officeDocument/2006/relationships" xmlns:p="http://schemas.openxmlformats.org/presentationml/2006/main">
+  <p:cSld>
+    <p:spTree>
+      <p:nvGrpSpPr>
+        <p:cNvPr id="1" name=""/>
+        <p:cNvGrpSpPr/>
+        <p:nvPr/>
+      </p:nvGrpSpPr>
+      <p:grpSpPr>
+        <a:xfrm>
+          <a:off x="0" y="0"/>
+          <a:ext cx="0" cy="0"/>
+          <a:chOff x="0" y="0"/>
+          <a:chExt cx="0" cy="0"/>
+        </a:xfrm>
+      </p:grpSpPr>
+      <p:graphicFrame>
+        <p:nvGraphicFramePr>
+          <p:cNvPr id="18" name="Table 17"/>
+          <p:cNvGraphicFramePr>
+            <a:graphicFrameLocks noGrp="1"/>
+          </p:cNvGraphicFramePr>
+          <p:nvPr/>
+        </p:nvGraphicFramePr>
+        <p:xfrm>
+          <a:off x="914400" y="457200"/>
+          <a:ext cx="8229600" cy="1737360"/>
+        </p:xfrm>
+        <a:graphic>
+          <a:graphicData uri="http://schemas.openxmlformats.org/drawingml/2006/table">
+            <a:tbl>
+              <a:tblPr firstRow="1" bandRow="1">
+                <a:tableStyleId>{5C22544A-7EE6-4342-B048-85BDC9FD1C3A}</a:tableStyleId>
+              </a:tblPr>
+              <a:tblGrid>
+                <a:gridCol w="8229600"/>
+              </a:tblGrid>
+              <a:tr h="487680">
+                <a:tc>
+                  <a:txBody>
+                    <a:bodyPr/>
+                    <a:lstStyle/>
+                    <a:p>
+                      <a:r>
+                        <a:rPr lang="en-US" b="0" baseline="0" dirty="0" smtClean="0">
+                          <a:solidFill>
+                            <a:schemeClr val="tx1"/>
+                          </a:solidFill>
+                        </a:rPr>
+                        <a:t>What does the function </a:t>
+                      </a:r>
+                      <a:r>
+                        <a:rPr lang="en-US" b="0" baseline="0" dirty="0" smtClean="0">
+                          <a:solidFill>
+                            <a:schemeClr val="tx1"/>
+                          </a:solidFill>
+                        </a:rPr>
+                        <a:t>on the following page return?</a:t>
+                      </a:r>
+                    </a:p>
+                    <a:p>
+                      <a:r>
+                        <a:rPr lang="en-US" b="0" baseline="0" dirty="0" smtClean="0">
+                          <a:solidFill>
+                            <a:schemeClr val="tx1"/>
+                          </a:solidFill>
+                        </a:rPr>
+                        <a:t># Choose from:</a:t>
+                      </a:r>
+                    </a:p>
+                    <a:p>
+                      <a:pPr marL="342900" indent="-342900">
+                        <a:buFont typeface="+mj-lt"/>
+                        <a:buAutoNum type="arabicPeriod"/>
+                      </a:pPr>
+                      <a:r>
+                        <a:rPr lang="en-US" b="0" baseline="0" dirty="0" smtClean="0">
+                          <a:solidFill>
+                            <a:schemeClr val="tx1"/>
+                          </a:solidFill>
+                        </a:rPr>
+                        <a:t>(TRUE, TRUE), (FALSE, TRUE), (TRUE, FALSE) and (FALSE, FALSE) </a:t>
+                      </a:r>
+                    </a:p>
+                    <a:p>
+                      <a:pPr marL="342900" indent="-342900">
+                        <a:buFont typeface="+mj-lt"/>
+                        <a:buAutoNum type="arabicPeriod"/>
+                      </a:pPr>
+                      <a:r>
+                        <a:rPr lang="en-US" b="0" baseline="0" dirty="0" smtClean="0">
+                          <a:solidFill>
+                            <a:schemeClr val="tx1"/>
+                          </a:solidFill>
+                        </a:rPr>
+                        <a:t>(FALSE, FALSE), (TRUE, FALSE), (FALSE, TRUE) and (TRUE, TRUE)</a:t>
+                      </a:r>
+                    </a:p>
+                    <a:p>
+                      <a:pPr marL="342900" indent="-342900">
+                        <a:buFont typeface="+mj-lt"/>
+                        <a:buAutoNum type="arabicPeriod"/>
+                      </a:pPr>
+                      <a:r>
+                        <a:rPr lang="en-US" b="0" baseline="0" dirty="0" smtClean="0">
+                          <a:solidFill>
+                            <a:schemeClr val="tx1"/>
+                          </a:solidFill>
+                        </a:rPr>
+                        <a:t>Throws an exception</a:t>
+                      </a:r>
+                    </a:p>
+                    <a:p>
+                      <a:pPr marL="342900" indent="-342900">
+                        <a:buFont typeface="+mj-lt"/>
+                        <a:buAutoNum type="arabicPeriod"/>
+                      </a:pPr>
+                      <a:r>
+                        <a:rPr lang="en-US" b="0" baseline="0" dirty="0" smtClean="0">
+                          <a:solidFill>
+                            <a:schemeClr val="tx1"/>
+                          </a:solidFill>
+                        </a:rPr>
+                        <a:t>…</a:t>
+                      </a:r>
+                      <a:endParaRPr lang="en-US" b="0" baseline="0" dirty="0" smtClean="0">
+                        <a:solidFill>
+                          <a:schemeClr val="tx1"/>
+                        </a:solidFill>
+                      </a:endParaRPr>
+                    </a:p>
+                  </a:txBody>
+                  <a:tcPr>
+                    <a:lnL w="76200" cap="flat" cmpd="sng" algn="ctr">
+                      <a:solidFill>
+                        <a:schemeClr val="bg1">
+                          <a:lumMod val="65000"/>
+                        </a:schemeClr>
+                      </a:solidFill>
+                      <a:prstDash val="solid"/>
+                      <a:round/>
+                      <a:headEnd type="none" w="med" len="med"/>
+                      <a:tailEnd type="none" w="med" len="med"/>
+                    </a:lnL>
+                    <a:lnT w="76200" cap="flat" cmpd="sng" algn="ctr">
+                      <a:solidFill>
+                        <a:schemeClr val="bg1">
+                          <a:lumMod val="65000"/>
+                        </a:schemeClr>
+                      </a:solidFill>
+                      <a:prstDash val="solid"/>
+                      <a:round/>
+                      <a:headEnd type="none" w="med" len="med"/>
+                      <a:tailEnd type="none" w="med" len="med"/>
+                    </a:lnT>
+                    <a:lnB w="76200" cap="flat" cmpd="sng" algn="ctr">
+                      <a:solidFill>
+                        <a:schemeClr val="bg1">
+                          <a:lumMod val="65000"/>
+                        </a:schemeClr>
+                      </a:solidFill>
+                      <a:prstDash val="solid"/>
+                      <a:round/>
+                      <a:headEnd type="none" w="med" len="med"/>
+                      <a:tailEnd type="none" w="med" len="med"/>
+                    </a:lnB>
+                    <a:solidFill>
+                      <a:schemeClr val="bg1"/>
+                    </a:solidFill>
+                  </a:tcPr>
+                </a:tc>
+              </a:tr>
+            </a:tbl>
+          </a:graphicData>
+        </a:graphic>
+      </p:graphicFrame>
+      <p:graphicFrame>
+        <p:nvGraphicFramePr>
+          <p:cNvPr id="20" name="Table 19"/>
+          <p:cNvGraphicFramePr>
+            <a:graphicFrameLocks noGrp="1"/>
+          </p:cNvGraphicFramePr>
+          <p:nvPr/>
+        </p:nvGraphicFramePr>
+        <p:xfrm>
+          <a:off x="914400" y="2667000"/>
+          <a:ext cx="8229600" cy="487680"/>
+        </p:xfrm>
+        <a:graphic>
+          <a:graphicData uri="http://schemas.openxmlformats.org/drawingml/2006/table">
+            <a:tbl>
+              <a:tblPr firstRow="1" bandRow="1">
+                <a:tableStyleId>{5C22544A-7EE6-4342-B048-85BDC9FD1C3A}</a:tableStyleId>
+              </a:tblPr>
+              <a:tblGrid>
+                <a:gridCol w="8229600"/>
+              </a:tblGrid>
+              <a:tr h="487680">
+                <a:tc>
+                  <a:txBody>
+                    <a:bodyPr/>
+                    <a:lstStyle/>
+                    <a:p>
+                      <a:r>
+                        <a:rPr lang="en-US" sz="1800" b="0" kern="1200" dirty="0" err="1" smtClean="0">
+                          <a:solidFill>
+                            <a:srgbClr val="00B0F0"/>
+                          </a:solidFill>
+                          <a:latin typeface="Courier" pitchFamily="49" charset="0"/>
+                          <a:ea typeface="+mn-ea"/>
+                          <a:cs typeface="+mn-cs"/>
+                        </a:rPr>
+                        <a:t>checks_out</a:t>
+                      </a:r>
+                      <a:r>
+                        <a:rPr lang="en-US" sz="1800" b="0" kern="1200" dirty="0" smtClean="0">
+                          <a:solidFill>
+                            <a:srgbClr val="00B0F0"/>
+                          </a:solidFill>
+                          <a:latin typeface="Courier" pitchFamily="49" charset="0"/>
+                          <a:ea typeface="+mn-ea"/>
+                          <a:cs typeface="+mn-cs"/>
+                        </a:rPr>
+                        <a:t>(1, 1)</a:t>
+                      </a:r>
+                      <a:endParaRPr lang="en-US" sz="1800" b="0" kern="1200" baseline="0" dirty="0" smtClean="0">
+                        <a:solidFill>
+                          <a:schemeClr val="tx1"/>
+                        </a:solidFill>
+                        <a:latin typeface="+mn-lt"/>
+                        <a:ea typeface="+mn-ea"/>
+                        <a:cs typeface="+mn-cs"/>
+                      </a:endParaRPr>
+                    </a:p>
+                  </a:txBody>
+                  <a:tcPr>
+                    <a:lnT w="76200" cap="flat" cmpd="sng" algn="ctr">
+                      <a:solidFill>
+                        <a:schemeClr val="tx1">
+                          <a:lumMod val="50000"/>
+                          <a:lumOff val="50000"/>
+                        </a:schemeClr>
+                      </a:solidFill>
+                      <a:prstDash val="solid"/>
+                      <a:round/>
+                      <a:headEnd type="none" w="med" len="med"/>
+                      <a:tailEnd type="none" w="med" len="med"/>
+                    </a:lnT>
+                    <a:lnB w="76200" cap="flat" cmpd="sng" algn="ctr">
+                      <a:solidFill>
+                        <a:schemeClr val="tx1">
+                          <a:lumMod val="50000"/>
+                          <a:lumOff val="50000"/>
+                        </a:schemeClr>
+                      </a:solidFill>
+                      <a:prstDash val="solid"/>
+                      <a:round/>
+                      <a:headEnd type="none" w="med" len="med"/>
+                      <a:tailEnd type="none" w="med" len="med"/>
+                    </a:lnB>
+                    <a:solidFill>
+                      <a:schemeClr val="bg1"/>
+                    </a:solidFill>
+                  </a:tcPr>
+                </a:tc>
+              </a:tr>
+            </a:tbl>
+          </a:graphicData>
+        </a:graphic>
+      </p:graphicFrame>
+      <p:graphicFrame>
+        <p:nvGraphicFramePr>
+          <p:cNvPr id="22" name="Table 21"/>
+          <p:cNvGraphicFramePr>
+            <a:graphicFrameLocks noGrp="1"/>
+          </p:cNvGraphicFramePr>
+          <p:nvPr/>
+        </p:nvGraphicFramePr>
+        <p:xfrm>
+          <a:off x="914400" y="3810000"/>
+          <a:ext cx="8229600" cy="640080"/>
+        </p:xfrm>
+        <a:graphic>
+          <a:graphicData uri="http://schemas.openxmlformats.org/drawingml/2006/table">
+            <a:tbl>
+              <a:tblPr firstRow="1" bandRow="1">
+                <a:tableStyleId>{5C22544A-7EE6-4342-B048-85BDC9FD1C3A}</a:tableStyleId>
+              </a:tblPr>
+              <a:tblGrid>
+                <a:gridCol w="8229600"/>
+              </a:tblGrid>
+              <a:tr h="487680">
+                <a:tc>
+                  <a:txBody>
+                    <a:bodyPr/>
+                    <a:lstStyle/>
+                    <a:p>
+                      <a:r>
+                        <a:rPr lang="en-US" b="0" baseline="0" dirty="0" smtClean="0">
+                          <a:solidFill>
+                            <a:schemeClr val="tx1"/>
+                          </a:solidFill>
+                          <a:latin typeface="+mn-lt"/>
+                        </a:rPr>
+                        <a:t>Use </a:t>
+                      </a:r>
+                      <a:r>
+                        <a:rPr lang="en-US" sz="1800" b="0" kern="1200" baseline="0" dirty="0" smtClean="0">
+                          <a:solidFill>
+                            <a:srgbClr val="00B0F0"/>
+                          </a:solidFill>
+                          <a:latin typeface="Courier" pitchFamily="49" charset="0"/>
+                          <a:ea typeface="+mn-ea"/>
+                          <a:cs typeface="+mn-cs"/>
+                        </a:rPr>
+                        <a:t>missing() </a:t>
+                      </a:r>
+                      <a:r>
+                        <a:rPr lang="en-US" b="0" baseline="0" dirty="0" smtClean="0">
+                          <a:solidFill>
+                            <a:schemeClr val="tx1"/>
+                          </a:solidFill>
+                          <a:latin typeface="+mn-lt"/>
+                        </a:rPr>
+                        <a:t>to determine whether an argument was assigned a value during function call. </a:t>
+                      </a:r>
+                      <a:endParaRPr lang="en-US" b="0" dirty="0">
+                        <a:solidFill>
+                          <a:srgbClr val="00B0F0"/>
+                        </a:solidFill>
+                        <a:latin typeface="Courier" pitchFamily="49" charset="0"/>
+                      </a:endParaRPr>
+                    </a:p>
+                  </a:txBody>
+                  <a:tcPr>
+                    <a:lnT w="76200" cap="flat" cmpd="sng" algn="ctr">
+                      <a:solidFill>
+                        <a:schemeClr val="tx1">
+                          <a:lumMod val="75000"/>
+                          <a:lumOff val="25000"/>
+                        </a:schemeClr>
+                      </a:solidFill>
+                      <a:prstDash val="solid"/>
+                      <a:round/>
+                      <a:headEnd type="none" w="med" len="med"/>
+                      <a:tailEnd type="none" w="med" len="med"/>
+                    </a:lnT>
+                    <a:lnB w="76200" cap="flat" cmpd="sng" algn="ctr">
+                      <a:solidFill>
+                        <a:schemeClr val="tx1">
+                          <a:lumMod val="75000"/>
+                          <a:lumOff val="25000"/>
+                        </a:schemeClr>
+                      </a:solidFill>
+                      <a:prstDash val="solid"/>
+                      <a:round/>
+                      <a:headEnd type="none" w="med" len="med"/>
+                      <a:tailEnd type="none" w="med" len="med"/>
+                    </a:lnB>
+                    <a:solidFill>
+                      <a:schemeClr val="bg1"/>
+                    </a:solidFill>
+                  </a:tcPr>
+                </a:tc>
+              </a:tr>
+            </a:tbl>
+          </a:graphicData>
+        </a:graphic>
+      </p:graphicFrame>
+      <p:graphicFrame>
+        <p:nvGraphicFramePr>
+          <p:cNvPr id="24" name="Table 23"/>
+          <p:cNvGraphicFramePr>
+            <a:graphicFrameLocks noGrp="1"/>
+          </p:cNvGraphicFramePr>
+          <p:nvPr/>
+        </p:nvGraphicFramePr>
+        <p:xfrm>
+          <a:off x="914400" y="5334000"/>
+          <a:ext cx="8229600" cy="487680"/>
+        </p:xfrm>
+        <a:graphic>
+          <a:graphicData uri="http://schemas.openxmlformats.org/drawingml/2006/table">
+            <a:tbl>
+              <a:tblPr firstRow="1" bandRow="1">
+                <a:tableStyleId>{5C22544A-7EE6-4342-B048-85BDC9FD1C3A}</a:tableStyleId>
+              </a:tblPr>
+              <a:tblGrid>
+                <a:gridCol w="8229600"/>
+              </a:tblGrid>
+              <a:tr h="487680">
+                <a:tc>
+                  <a:txBody>
+                    <a:bodyPr/>
+                    <a:lstStyle/>
+                    <a:p>
+                      <a:r>
+                        <a:rPr lang="en-US" b="0" dirty="0" smtClean="0">
+                          <a:solidFill>
+                            <a:srgbClr val="FF0000"/>
+                          </a:solidFill>
+                        </a:rPr>
+                        <a:t>Default</a:t>
+                      </a:r>
+                      <a:endParaRPr lang="en-US" b="0" dirty="0" smtClean="0">
+                        <a:solidFill>
+                          <a:srgbClr val="FF0000"/>
+                        </a:solidFill>
+                      </a:endParaRPr>
+                    </a:p>
+                  </a:txBody>
+                  <a:tcPr>
+                    <a:lnT w="76200" cap="flat" cmpd="sng" algn="ctr">
+                      <a:solidFill>
+                        <a:schemeClr val="tx1">
+                          <a:lumMod val="95000"/>
+                          <a:lumOff val="5000"/>
+                        </a:schemeClr>
+                      </a:solidFill>
+                      <a:prstDash val="solid"/>
+                      <a:round/>
+                      <a:headEnd type="none" w="med" len="med"/>
+                      <a:tailEnd type="none" w="med" len="med"/>
+                    </a:lnT>
+                    <a:lnB w="76200" cap="flat" cmpd="sng" algn="ctr">
+                      <a:solidFill>
+                        <a:schemeClr val="tx1">
+                          <a:lumMod val="95000"/>
+                          <a:lumOff val="5000"/>
+                        </a:schemeClr>
+                      </a:solidFill>
+                      <a:prstDash val="solid"/>
+                      <a:round/>
+                      <a:headEnd type="none" w="med" len="med"/>
+                      <a:tailEnd type="none" w="med" len="med"/>
+                    </a:lnB>
+                    <a:solidFill>
+                      <a:schemeClr val="bg1"/>
+                    </a:solidFill>
+                  </a:tcPr>
+                </a:tc>
+              </a:tr>
+            </a:tbl>
+          </a:graphicData>
+        </a:graphic>
+      </p:graphicFrame>
+      <p:graphicFrame>
+        <p:nvGraphicFramePr>
+          <p:cNvPr id="14" name="Table 13"/>
+          <p:cNvGraphicFramePr>
+            <a:graphicFrameLocks noGrp="1"/>
+          </p:cNvGraphicFramePr>
+          <p:nvPr/>
+        </p:nvGraphicFramePr>
+        <p:xfrm>
+          <a:off x="0" y="975360"/>
+          <a:ext cx="914400" cy="914400"/>
+        </p:xfrm>
+        <a:graphic>
+          <a:graphicData uri="http://schemas.openxmlformats.org/drawingml/2006/table">
+            <a:tbl>
+              <a:tblPr firstRow="1" bandRow="1">
+                <a:tableStyleId>{5C22544A-7EE6-4342-B048-85BDC9FD1C3A}</a:tableStyleId>
+              </a:tblPr>
+              <a:tblGrid>
+                <a:gridCol w="914400"/>
+              </a:tblGrid>
+              <a:tr h="914400">
+                <a:tc>
+                  <a:txBody>
+                    <a:bodyPr/>
+                    <a:lstStyle/>
+                    <a:p>
+                      <a:pPr algn="ctr"/>
+                      <a:r>
+                        <a:rPr lang="en-US" sz="5400" dirty="0" smtClean="0"/>
+                        <a:t>Q</a:t>
+                      </a:r>
+                      <a:endParaRPr lang="en-US" sz="5400" dirty="0"/>
+                    </a:p>
+                  </a:txBody>
+                  <a:tcPr anchor="ctr">
+                    <a:lnL w="12700" cap="flat" cmpd="sng" algn="ctr">
+                      <a:solidFill>
+                        <a:schemeClr val="tx1"/>
+                      </a:solidFill>
+                      <a:prstDash val="solid"/>
+                      <a:round/>
+                      <a:headEnd type="none" w="med" len="med"/>
+                      <a:tailEnd type="none" w="med" len="med"/>
+                    </a:lnL>
+                    <a:lnT w="12700" cap="flat" cmpd="sng" algn="ctr">
+                      <a:solidFill>
+                        <a:schemeClr val="tx1"/>
+                      </a:solidFill>
+                      <a:prstDash val="solid"/>
+                      <a:round/>
+                      <a:headEnd type="none" w="med" len="med"/>
+                      <a:tailEnd type="none" w="med" len="med"/>
+                    </a:lnT>
+                    <a:lnB w="12700" cap="flat" cmpd="sng" algn="ctr">
+                      <a:solidFill>
+                        <a:schemeClr val="tx1"/>
+                      </a:solidFill>
+                      <a:prstDash val="solid"/>
+                      <a:round/>
+                      <a:headEnd type="none" w="med" len="med"/>
+                      <a:tailEnd type="none" w="med" len="med"/>
+                    </a:lnB>
+                    <a:solidFill>
+                      <a:schemeClr val="bg1">
+                        <a:lumMod val="65000"/>
+                      </a:schemeClr>
+                    </a:solidFill>
+                  </a:tcPr>
+                </a:tc>
+              </a:tr>
+            </a:tbl>
+          </a:graphicData>
+        </a:graphic>
+      </p:graphicFrame>
+      <p:graphicFrame>
+        <p:nvGraphicFramePr>
+          <p:cNvPr id="15" name="Table 14"/>
+          <p:cNvGraphicFramePr>
+            <a:graphicFrameLocks noGrp="1"/>
+          </p:cNvGraphicFramePr>
+          <p:nvPr/>
+        </p:nvGraphicFramePr>
+        <p:xfrm>
+          <a:off x="0" y="2382520"/>
+          <a:ext cx="914400" cy="914400"/>
+        </p:xfrm>
+        <a:graphic>
+          <a:graphicData uri="http://schemas.openxmlformats.org/drawingml/2006/table">
+            <a:tbl>
+              <a:tblPr firstRow="1" bandRow="1">
+                <a:tableStyleId>{5C22544A-7EE6-4342-B048-85BDC9FD1C3A}</a:tableStyleId>
+              </a:tblPr>
+              <a:tblGrid>
+                <a:gridCol w="914400"/>
+              </a:tblGrid>
+              <a:tr h="914400">
+                <a:tc>
+                  <a:txBody>
+                    <a:bodyPr/>
+                    <a:lstStyle/>
+                    <a:p>
+                      <a:pPr algn="ctr"/>
+                      <a:r>
+                        <a:rPr lang="en-US" sz="5400" dirty="0" smtClean="0"/>
+                        <a:t>A</a:t>
+                      </a:r>
+                      <a:endParaRPr lang="en-US" sz="5400" dirty="0"/>
+                    </a:p>
+                  </a:txBody>
+                  <a:tcPr anchor="ctr">
+                    <a:lnL w="12700" cap="flat" cmpd="sng" algn="ctr">
+                      <a:solidFill>
+                        <a:schemeClr val="tx1"/>
+                      </a:solidFill>
+                      <a:prstDash val="solid"/>
+                      <a:round/>
+                      <a:headEnd type="none" w="med" len="med"/>
+                      <a:tailEnd type="none" w="med" len="med"/>
+                    </a:lnL>
+                    <a:lnT w="12700" cap="flat" cmpd="sng" algn="ctr">
+                      <a:solidFill>
+                        <a:schemeClr val="tx1"/>
+                      </a:solidFill>
+                      <a:prstDash val="solid"/>
+                      <a:round/>
+                      <a:headEnd type="none" w="med" len="med"/>
+                      <a:tailEnd type="none" w="med" len="med"/>
+                    </a:lnT>
+                    <a:lnB w="12700" cap="flat" cmpd="sng" algn="ctr">
+                      <a:solidFill>
+                        <a:schemeClr val="tx1"/>
+                      </a:solidFill>
+                      <a:prstDash val="solid"/>
+                      <a:round/>
+                      <a:headEnd type="none" w="med" len="med"/>
+                      <a:tailEnd type="none" w="med" len="med"/>
+                    </a:lnB>
+                    <a:solidFill>
+                      <a:schemeClr val="tx1">
+                        <a:lumMod val="50000"/>
+                        <a:lumOff val="50000"/>
+                      </a:schemeClr>
+                    </a:solidFill>
+                  </a:tcPr>
+                </a:tc>
+              </a:tr>
+            </a:tbl>
+          </a:graphicData>
+        </a:graphic>
+      </p:graphicFrame>
+      <p:graphicFrame>
+        <p:nvGraphicFramePr>
+          <p:cNvPr id="17" name="Table 16"/>
+          <p:cNvGraphicFramePr>
+            <a:graphicFrameLocks noGrp="1"/>
+          </p:cNvGraphicFramePr>
+          <p:nvPr/>
+        </p:nvGraphicFramePr>
+        <p:xfrm>
+          <a:off x="0" y="3789680"/>
+          <a:ext cx="914400" cy="914400"/>
+        </p:xfrm>
+        <a:graphic>
+          <a:graphicData uri="http://schemas.openxmlformats.org/drawingml/2006/table">
+            <a:tbl>
+              <a:tblPr firstRow="1" bandRow="1">
+                <a:tableStyleId>{5C22544A-7EE6-4342-B048-85BDC9FD1C3A}</a:tableStyleId>
+              </a:tblPr>
+              <a:tblGrid>
+                <a:gridCol w="914400"/>
+              </a:tblGrid>
+              <a:tr h="914400">
+                <a:tc>
+                  <a:txBody>
+                    <a:bodyPr/>
+                    <a:lstStyle/>
+                    <a:p>
+                      <a:pPr algn="ctr"/>
+                      <a:r>
+                        <a:rPr lang="en-US" sz="5400" dirty="0" smtClean="0"/>
+                        <a:t>C</a:t>
+                      </a:r>
+                      <a:endParaRPr lang="en-US" sz="5400" dirty="0"/>
+                    </a:p>
+                  </a:txBody>
+                  <a:tcPr anchor="ctr">
+                    <a:lnL w="12700" cap="flat" cmpd="sng" algn="ctr">
+                      <a:solidFill>
+                        <a:schemeClr val="tx1"/>
+                      </a:solidFill>
+                      <a:prstDash val="solid"/>
+                      <a:round/>
+                      <a:headEnd type="none" w="med" len="med"/>
+                      <a:tailEnd type="none" w="med" len="med"/>
+                    </a:lnL>
+                    <a:lnT w="12700" cap="flat" cmpd="sng" algn="ctr">
+                      <a:solidFill>
+                        <a:schemeClr val="tx1"/>
+                      </a:solidFill>
+                      <a:prstDash val="solid"/>
+                      <a:round/>
+                      <a:headEnd type="none" w="med" len="med"/>
+                      <a:tailEnd type="none" w="med" len="med"/>
+                    </a:lnT>
+                    <a:lnB w="12700" cap="flat" cmpd="sng" algn="ctr">
+                      <a:solidFill>
+                        <a:schemeClr val="tx1"/>
+                      </a:solidFill>
+                      <a:prstDash val="solid"/>
+                      <a:round/>
+                      <a:headEnd type="none" w="med" len="med"/>
+                      <a:tailEnd type="none" w="med" len="med"/>
+                    </a:lnB>
+                    <a:solidFill>
+                      <a:schemeClr val="tx1">
+                        <a:lumMod val="75000"/>
+                        <a:lumOff val="25000"/>
+                      </a:schemeClr>
+                    </a:solidFill>
+                  </a:tcPr>
+                </a:tc>
+              </a:tr>
+            </a:tbl>
+          </a:graphicData>
+        </a:graphic>
+      </p:graphicFrame>
+      <p:graphicFrame>
+        <p:nvGraphicFramePr>
+          <p:cNvPr id="25" name="Table 24"/>
+          <p:cNvGraphicFramePr>
+            <a:graphicFrameLocks noGrp="1"/>
+          </p:cNvGraphicFramePr>
+          <p:nvPr/>
+        </p:nvGraphicFramePr>
+        <p:xfrm>
+          <a:off x="0" y="5196840"/>
+          <a:ext cx="914400" cy="914400"/>
+        </p:xfrm>
+        <a:graphic>
+          <a:graphicData uri="http://schemas.openxmlformats.org/drawingml/2006/table">
+            <a:tbl>
+              <a:tblPr firstRow="1" bandRow="1">
+                <a:tableStyleId>{5C22544A-7EE6-4342-B048-85BDC9FD1C3A}</a:tableStyleId>
+              </a:tblPr>
+              <a:tblGrid>
+                <a:gridCol w="914400"/>
+              </a:tblGrid>
+              <a:tr h="914400">
+                <a:tc>
+                  <a:txBody>
+                    <a:bodyPr/>
+                    <a:lstStyle/>
+                    <a:p>
+                      <a:pPr algn="ctr"/>
+                      <a:r>
+                        <a:rPr lang="en-US" sz="5400" dirty="0" smtClean="0"/>
+                        <a:t>T</a:t>
+                      </a:r>
+                      <a:endParaRPr lang="en-US" sz="5400" dirty="0"/>
+                    </a:p>
+                  </a:txBody>
+                  <a:tcPr anchor="ctr">
+                    <a:lnL w="12700" cap="flat" cmpd="sng" algn="ctr">
+                      <a:solidFill>
+                        <a:schemeClr val="tx1"/>
+                      </a:solidFill>
+                      <a:prstDash val="solid"/>
+                      <a:round/>
+                      <a:headEnd type="none" w="med" len="med"/>
+                      <a:tailEnd type="none" w="med" len="med"/>
+                    </a:lnL>
+                    <a:lnT w="12700" cap="flat" cmpd="sng" algn="ctr">
+                      <a:solidFill>
+                        <a:schemeClr val="tx1"/>
+                      </a:solidFill>
+                      <a:prstDash val="solid"/>
+                      <a:round/>
+                      <a:headEnd type="none" w="med" len="med"/>
+                      <a:tailEnd type="none" w="med" len="med"/>
+                    </a:lnT>
+                    <a:lnB w="12700" cap="flat" cmpd="sng" algn="ctr">
+                      <a:solidFill>
+                        <a:schemeClr val="tx1"/>
+                      </a:solidFill>
+                      <a:prstDash val="solid"/>
+                      <a:round/>
+                      <a:headEnd type="none" w="med" len="med"/>
+                      <a:tailEnd type="none" w="med" len="med"/>
+                    </a:lnB>
+                    <a:solidFill>
+                      <a:schemeClr val="tx1">
+                        <a:lumMod val="95000"/>
+                        <a:lumOff val="5000"/>
+                      </a:schemeClr>
+                    </a:solidFill>
+                  </a:tcPr>
+                </a:tc>
+              </a:tr>
+            </a:tbl>
+          </a:graphicData>
+        </a:graphic>
+      </p:graphicFrame>
+    </p:spTree>
+  </p:cSld>
+  <p:clrMapOvr>
+    <a:masterClrMapping/>
+  </p:clrMapOvr>
+</p:sld>
+</file>
+
+<file path=ppt/slides/slide41.xml><?xml version="1.0" encoding="utf-8"?>
+<p:sld xmlns:a="http://schemas.openxmlformats.org/drawingml/2006/main" xmlns:r="http://schemas.openxmlformats.org/officeDocument/2006/relationships" xmlns:p="http://schemas.openxmlformats.org/presentationml/2006/main">
+  <p:cSld>
+    <p:bg>
+      <p:bgPr>
+        <a:solidFill>
+          <a:schemeClr val="bg1"/>
+        </a:solidFill>
+        <a:effectLst/>
+      </p:bgPr>
+    </p:bg>
+    <p:spTree>
+      <p:nvGrpSpPr>
+        <p:cNvPr id="1" name=""/>
+        <p:cNvGrpSpPr/>
+        <p:nvPr/>
+      </p:nvGrpSpPr>
+      <p:grpSpPr>
+        <a:xfrm>
+          <a:off x="0" y="0"/>
+          <a:ext cx="0" cy="0"/>
+          <a:chOff x="0" y="0"/>
+          <a:chExt cx="0" cy="0"/>
+        </a:xfrm>
+      </p:grpSpPr>
+      <p:graphicFrame>
+        <p:nvGraphicFramePr>
+          <p:cNvPr id="2" name="Table 1"/>
+          <p:cNvGraphicFramePr>
+            <a:graphicFrameLocks noGrp="1"/>
+          </p:cNvGraphicFramePr>
+          <p:nvPr/>
+        </p:nvGraphicFramePr>
+        <p:xfrm>
+          <a:off x="0" y="1524000"/>
+          <a:ext cx="9144000" cy="2011680"/>
+        </p:xfrm>
+        <a:graphic>
+          <a:graphicData uri="http://schemas.openxmlformats.org/drawingml/2006/table">
+            <a:tbl>
+              <a:tblPr firstRow="1" bandRow="1">
+                <a:tableStyleId>{5C22544A-7EE6-4342-B048-85BDC9FD1C3A}</a:tableStyleId>
+              </a:tblPr>
+              <a:tblGrid>
+                <a:gridCol w="9144000"/>
+              </a:tblGrid>
+              <a:tr h="487680">
+                <a:tc>
+                  <a:txBody>
+                    <a:bodyPr/>
+                    <a:lstStyle/>
+                    <a:p>
+                      <a:r>
+                        <a:rPr lang="pt-BR" sz="1800" b="0" kern="1200" dirty="0" smtClean="0">
+                          <a:solidFill>
+                            <a:srgbClr val="00B0F0"/>
+                          </a:solidFill>
+                          <a:latin typeface="Courier" pitchFamily="49" charset="0"/>
+                          <a:ea typeface="+mn-ea"/>
+                          <a:cs typeface="+mn-cs"/>
+                        </a:rPr>
+                        <a:t>i &lt;- function(a, b) {</a:t>
+                      </a:r>
+                    </a:p>
+                    <a:p>
+                      <a:r>
+                        <a:rPr lang="pt-BR" sz="1800" b="0" kern="1200" dirty="0" smtClean="0">
+                          <a:solidFill>
+                            <a:srgbClr val="00B0F0"/>
+                          </a:solidFill>
+                          <a:latin typeface="Courier" pitchFamily="49" charset="0"/>
+                          <a:ea typeface="+mn-ea"/>
+                          <a:cs typeface="+mn-cs"/>
+                        </a:rPr>
+                        <a:t>  c(missing(a), missing(b))</a:t>
+                      </a:r>
+                    </a:p>
+                    <a:p>
+                      <a:r>
+                        <a:rPr lang="pt-BR" sz="1800" b="0" kern="1200" dirty="0" smtClean="0">
+                          <a:solidFill>
+                            <a:srgbClr val="00B0F0"/>
+                          </a:solidFill>
+                          <a:latin typeface="Courier" pitchFamily="49" charset="0"/>
+                          <a:ea typeface="+mn-ea"/>
+                          <a:cs typeface="+mn-cs"/>
+                        </a:rPr>
+                        <a:t>}</a:t>
+                      </a:r>
+                    </a:p>
+                    <a:p>
+                      <a:r>
+                        <a:rPr lang="pt-BR" sz="1800" b="0" kern="1200" dirty="0" smtClean="0">
+                          <a:solidFill>
+                            <a:srgbClr val="00B0F0"/>
+                          </a:solidFill>
+                          <a:latin typeface="Courier" pitchFamily="49" charset="0"/>
+                          <a:ea typeface="+mn-ea"/>
+                          <a:cs typeface="+mn-cs"/>
+                        </a:rPr>
+                        <a:t>i()</a:t>
+                      </a:r>
+                    </a:p>
+                    <a:p>
+                      <a:r>
+                        <a:rPr lang="pt-BR" sz="1800" b="0" kern="1200" dirty="0" smtClean="0">
+                          <a:solidFill>
+                            <a:srgbClr val="00B0F0"/>
+                          </a:solidFill>
+                          <a:latin typeface="Courier" pitchFamily="49" charset="0"/>
+                          <a:ea typeface="+mn-ea"/>
+                          <a:cs typeface="+mn-cs"/>
+                        </a:rPr>
+                        <a:t>i(a=7)</a:t>
+                      </a:r>
+                    </a:p>
+                    <a:p>
+                      <a:r>
+                        <a:rPr lang="pt-BR" sz="1800" b="0" kern="1200" dirty="0" smtClean="0">
+                          <a:solidFill>
+                            <a:srgbClr val="00B0F0"/>
+                          </a:solidFill>
+                          <a:latin typeface="Courier" pitchFamily="49" charset="0"/>
+                          <a:ea typeface="+mn-ea"/>
+                          <a:cs typeface="+mn-cs"/>
+                        </a:rPr>
+                        <a:t>i(b=9)</a:t>
+                      </a:r>
+                    </a:p>
+                    <a:p>
+                      <a:r>
+                        <a:rPr lang="pt-BR" sz="1800" b="0" kern="1200" dirty="0" smtClean="0">
+                          <a:solidFill>
+                            <a:srgbClr val="00B0F0"/>
+                          </a:solidFill>
+                          <a:latin typeface="Courier" pitchFamily="49" charset="0"/>
+                          <a:ea typeface="+mn-ea"/>
+                          <a:cs typeface="+mn-cs"/>
+                        </a:rPr>
+                        <a:t>i(7, 9)</a:t>
+                      </a:r>
+                      <a:endParaRPr lang="pt-BR" sz="1800" b="0" kern="1200" dirty="0" smtClean="0">
+                        <a:solidFill>
+                          <a:srgbClr val="00B0F0"/>
+                        </a:solidFill>
+                        <a:latin typeface="Courier" pitchFamily="49" charset="0"/>
+                        <a:ea typeface="+mn-ea"/>
+                        <a:cs typeface="+mn-cs"/>
+                      </a:endParaRPr>
+                    </a:p>
+                  </a:txBody>
+                  <a:tcPr>
+                    <a:lnL w="12700" cap="flat" cmpd="sng" algn="ctr">
+                      <a:solidFill>
+                        <a:schemeClr val="tx1"/>
+                      </a:solidFill>
+                      <a:prstDash val="solid"/>
+                      <a:round/>
+                      <a:headEnd type="none" w="med" len="med"/>
+                      <a:tailEnd type="none" w="med" len="med"/>
+                    </a:lnL>
+                    <a:lnT w="76200" cap="flat" cmpd="sng" algn="ctr">
+                      <a:solidFill>
+                        <a:schemeClr val="bg1">
+                          <a:lumMod val="65000"/>
+                        </a:schemeClr>
+                      </a:solidFill>
+                      <a:prstDash val="solid"/>
+                      <a:round/>
+                      <a:headEnd type="none" w="med" len="med"/>
+                      <a:tailEnd type="none" w="med" len="med"/>
+                    </a:lnT>
+                    <a:lnB w="76200" cap="flat" cmpd="sng" algn="ctr">
+                      <a:solidFill>
+                        <a:schemeClr val="bg1">
+                          <a:lumMod val="65000"/>
+                        </a:schemeClr>
+                      </a:solidFill>
+                      <a:prstDash val="solid"/>
+                      <a:round/>
+                      <a:headEnd type="none" w="med" len="med"/>
+                      <a:tailEnd type="none" w="med" len="med"/>
+                    </a:lnB>
+                    <a:solidFill>
+                      <a:schemeClr val="tx1">
+                        <a:lumMod val="75000"/>
+                        <a:lumOff val="25000"/>
+                      </a:schemeClr>
+                    </a:solidFill>
+                  </a:tcPr>
+                </a:tc>
+              </a:tr>
+            </a:tbl>
+          </a:graphicData>
+        </a:graphic>
+      </p:graphicFrame>
+      <p:sp>
+        <p:nvSpPr>
+          <p:cNvPr id="3" name="TextBox 2"/>
+          <p:cNvSpPr txBox="1"/>
+          <p:nvPr/>
+        </p:nvSpPr>
+        <p:spPr>
+          <a:xfrm>
+            <a:off x="228600" y="762000"/>
+            <a:ext cx="1135439" cy="584775"/>
+          </a:xfrm>
+          <a:prstGeom prst="rect">
+            <a:avLst/>
+          </a:prstGeom>
+          <a:noFill/>
+        </p:spPr>
+        <p:txBody>
+          <a:bodyPr wrap="none" rtlCol="0">
+            <a:spAutoFit/>
+          </a:bodyPr>
+          <a:lstStyle/>
+          <a:p>
+            <a:r>
+              <a:rPr lang="en-US" sz="3200" b="1" dirty="0" smtClean="0">
+                <a:solidFill>
+                  <a:schemeClr val="tx1">
+                    <a:lumMod val="65000"/>
+                    <a:lumOff val="35000"/>
+                  </a:schemeClr>
+                </a:solidFill>
+              </a:rPr>
+              <a:t>CODE</a:t>
+            </a:r>
+            <a:endParaRPr lang="en-US" sz="3200" b="1" dirty="0">
+              <a:solidFill>
+                <a:schemeClr val="tx1">
+                  <a:lumMod val="65000"/>
+                  <a:lumOff val="35000"/>
+                </a:schemeClr>
+              </a:solidFill>
+            </a:endParaRPr>
+          </a:p>
+        </p:txBody>
+      </p:sp>
+    </p:spTree>
+  </p:cSld>
+  <p:clrMapOvr>
+    <a:masterClrMapping/>
+  </p:clrMapOvr>
+</p:sld>
+</file>
+
+<file path=ppt/slides/slide42.xml><?xml version="1.0" encoding="utf-8"?>
+<p:sld xmlns:a="http://schemas.openxmlformats.org/drawingml/2006/main" xmlns:r="http://schemas.openxmlformats.org/officeDocument/2006/relationships" xmlns:p="http://schemas.openxmlformats.org/presentationml/2006/main">
+  <p:cSld>
+    <p:spTree>
+      <p:nvGrpSpPr>
+        <p:cNvPr id="1" name=""/>
+        <p:cNvGrpSpPr/>
+        <p:nvPr/>
+      </p:nvGrpSpPr>
+      <p:grpSpPr>
+        <a:xfrm>
+          <a:off x="0" y="0"/>
+          <a:ext cx="0" cy="0"/>
+          <a:chOff x="0" y="0"/>
+          <a:chExt cx="0" cy="0"/>
+        </a:xfrm>
+      </p:grpSpPr>
+      <p:graphicFrame>
+        <p:nvGraphicFramePr>
+          <p:cNvPr id="18" name="Table 17"/>
+          <p:cNvGraphicFramePr>
+            <a:graphicFrameLocks noGrp="1"/>
+          </p:cNvGraphicFramePr>
+          <p:nvPr/>
+        </p:nvGraphicFramePr>
+        <p:xfrm>
+          <a:off x="914400" y="609600"/>
+          <a:ext cx="8229600" cy="1463040"/>
+        </p:xfrm>
+        <a:graphic>
+          <a:graphicData uri="http://schemas.openxmlformats.org/drawingml/2006/table">
+            <a:tbl>
+              <a:tblPr firstRow="1" bandRow="1">
+                <a:tableStyleId>{5C22544A-7EE6-4342-B048-85BDC9FD1C3A}</a:tableStyleId>
+              </a:tblPr>
+              <a:tblGrid>
+                <a:gridCol w="8229600"/>
+              </a:tblGrid>
+              <a:tr h="487680">
+                <a:tc>
+                  <a:txBody>
+                    <a:bodyPr/>
+                    <a:lstStyle/>
+                    <a:p>
+                      <a:r>
+                        <a:rPr lang="en-US" b="0" baseline="0" dirty="0" smtClean="0">
+                          <a:solidFill>
+                            <a:schemeClr val="tx1"/>
+                          </a:solidFill>
+                        </a:rPr>
+                        <a:t>What does the function return?</a:t>
+                      </a:r>
+                    </a:p>
+                    <a:p>
+                      <a:r>
+                        <a:rPr lang="en-US" sz="1800" b="0" kern="1200" dirty="0" smtClean="0">
+                          <a:solidFill>
+                            <a:srgbClr val="00B0F0"/>
+                          </a:solidFill>
+                          <a:latin typeface="Courier" pitchFamily="49" charset="0"/>
+                          <a:ea typeface="+mn-ea"/>
+                          <a:cs typeface="+mn-cs"/>
+                        </a:rPr>
+                        <a:t>f &lt;- function(x) {</a:t>
+                      </a:r>
+                    </a:p>
+                    <a:p>
+                      <a:r>
+                        <a:rPr lang="en-US" sz="1800" b="0" kern="1200" dirty="0" smtClean="0">
+                          <a:solidFill>
+                            <a:srgbClr val="00B0F0"/>
+                          </a:solidFill>
+                          <a:latin typeface="Courier" pitchFamily="49" charset="0"/>
+                          <a:ea typeface="+mn-ea"/>
+                          <a:cs typeface="+mn-cs"/>
+                        </a:rPr>
+                        <a:t>  10</a:t>
+                      </a:r>
+                    </a:p>
+                    <a:p>
+                      <a:r>
+                        <a:rPr lang="en-US" sz="1800" b="0" kern="1200" dirty="0" smtClean="0">
+                          <a:solidFill>
+                            <a:srgbClr val="00B0F0"/>
+                          </a:solidFill>
+                          <a:latin typeface="Courier" pitchFamily="49" charset="0"/>
+                          <a:ea typeface="+mn-ea"/>
+                          <a:cs typeface="+mn-cs"/>
+                        </a:rPr>
+                        <a:t>}</a:t>
+                      </a:r>
+                    </a:p>
+                    <a:p>
+                      <a:r>
+                        <a:rPr lang="en-US" sz="1800" b="0" kern="1200" dirty="0" smtClean="0">
+                          <a:solidFill>
+                            <a:srgbClr val="00B0F0"/>
+                          </a:solidFill>
+                          <a:latin typeface="Courier" pitchFamily="49" charset="0"/>
+                          <a:ea typeface="+mn-ea"/>
+                          <a:cs typeface="+mn-cs"/>
+                        </a:rPr>
+                        <a:t>f(stop("This is an error!"))</a:t>
+                      </a:r>
+                      <a:endParaRPr lang="pt-BR" sz="1800" b="0" kern="1200" dirty="0" smtClean="0">
+                        <a:solidFill>
+                          <a:srgbClr val="00B0F0"/>
+                        </a:solidFill>
+                        <a:latin typeface="Courier" pitchFamily="49" charset="0"/>
+                        <a:ea typeface="+mn-ea"/>
+                        <a:cs typeface="+mn-cs"/>
+                      </a:endParaRPr>
+                    </a:p>
+                  </a:txBody>
+                  <a:tcPr>
+                    <a:lnL w="76200" cap="flat" cmpd="sng" algn="ctr">
+                      <a:solidFill>
+                        <a:schemeClr val="bg1">
+                          <a:lumMod val="65000"/>
+                        </a:schemeClr>
+                      </a:solidFill>
+                      <a:prstDash val="solid"/>
+                      <a:round/>
+                      <a:headEnd type="none" w="med" len="med"/>
+                      <a:tailEnd type="none" w="med" len="med"/>
+                    </a:lnL>
+                    <a:lnT w="76200" cap="flat" cmpd="sng" algn="ctr">
+                      <a:solidFill>
+                        <a:schemeClr val="bg1">
+                          <a:lumMod val="65000"/>
+                        </a:schemeClr>
+                      </a:solidFill>
+                      <a:prstDash val="solid"/>
+                      <a:round/>
+                      <a:headEnd type="none" w="med" len="med"/>
+                      <a:tailEnd type="none" w="med" len="med"/>
+                    </a:lnT>
+                    <a:lnB w="76200" cap="flat" cmpd="sng" algn="ctr">
+                      <a:solidFill>
+                        <a:schemeClr val="bg1">
+                          <a:lumMod val="65000"/>
+                        </a:schemeClr>
+                      </a:solidFill>
+                      <a:prstDash val="solid"/>
+                      <a:round/>
+                      <a:headEnd type="none" w="med" len="med"/>
+                      <a:tailEnd type="none" w="med" len="med"/>
+                    </a:lnB>
+                    <a:solidFill>
+                      <a:schemeClr val="bg1"/>
+                    </a:solidFill>
+                  </a:tcPr>
+                </a:tc>
+              </a:tr>
+            </a:tbl>
+          </a:graphicData>
+        </a:graphic>
+      </p:graphicFrame>
+      <p:graphicFrame>
+        <p:nvGraphicFramePr>
+          <p:cNvPr id="20" name="Table 19"/>
+          <p:cNvGraphicFramePr>
+            <a:graphicFrameLocks noGrp="1"/>
+          </p:cNvGraphicFramePr>
+          <p:nvPr/>
+        </p:nvGraphicFramePr>
+        <p:xfrm>
+          <a:off x="914400" y="2560320"/>
+          <a:ext cx="8229600" cy="487680"/>
+        </p:xfrm>
+        <a:graphic>
+          <a:graphicData uri="http://schemas.openxmlformats.org/drawingml/2006/table">
+            <a:tbl>
+              <a:tblPr firstRow="1" bandRow="1">
+                <a:tableStyleId>{5C22544A-7EE6-4342-B048-85BDC9FD1C3A}</a:tableStyleId>
+              </a:tblPr>
+              <a:tblGrid>
+                <a:gridCol w="8229600"/>
+              </a:tblGrid>
+              <a:tr h="487680">
+                <a:tc>
+                  <a:txBody>
+                    <a:bodyPr/>
+                    <a:lstStyle/>
+                    <a:p>
+                      <a:r>
+                        <a:rPr lang="en-US" sz="1800" b="0" kern="1200" dirty="0" smtClean="0">
+                          <a:solidFill>
+                            <a:srgbClr val="00B0F0"/>
+                          </a:solidFill>
+                          <a:latin typeface="Courier" pitchFamily="49" charset="0"/>
+                          <a:ea typeface="+mn-ea"/>
+                          <a:cs typeface="+mn-cs"/>
+                        </a:rPr>
+                        <a:t>10</a:t>
+                      </a:r>
+                      <a:endParaRPr lang="en-US" sz="1800" b="0" kern="1200" baseline="0" dirty="0" smtClean="0">
+                        <a:solidFill>
+                          <a:schemeClr val="tx1"/>
+                        </a:solidFill>
+                        <a:latin typeface="+mn-lt"/>
+                        <a:ea typeface="+mn-ea"/>
+                        <a:cs typeface="+mn-cs"/>
+                      </a:endParaRPr>
+                    </a:p>
+                  </a:txBody>
+                  <a:tcPr>
+                    <a:lnT w="76200" cap="flat" cmpd="sng" algn="ctr">
+                      <a:solidFill>
+                        <a:schemeClr val="tx1">
+                          <a:lumMod val="50000"/>
+                          <a:lumOff val="50000"/>
+                        </a:schemeClr>
+                      </a:solidFill>
+                      <a:prstDash val="solid"/>
+                      <a:round/>
+                      <a:headEnd type="none" w="med" len="med"/>
+                      <a:tailEnd type="none" w="med" len="med"/>
+                    </a:lnT>
+                    <a:lnB w="76200" cap="flat" cmpd="sng" algn="ctr">
+                      <a:solidFill>
+                        <a:schemeClr val="tx1">
+                          <a:lumMod val="50000"/>
+                          <a:lumOff val="50000"/>
+                        </a:schemeClr>
+                      </a:solidFill>
+                      <a:prstDash val="solid"/>
+                      <a:round/>
+                      <a:headEnd type="none" w="med" len="med"/>
+                      <a:tailEnd type="none" w="med" len="med"/>
+                    </a:lnB>
+                    <a:solidFill>
+                      <a:schemeClr val="bg1"/>
+                    </a:solidFill>
+                  </a:tcPr>
+                </a:tc>
+              </a:tr>
+            </a:tbl>
+          </a:graphicData>
+        </a:graphic>
+      </p:graphicFrame>
+      <p:graphicFrame>
+        <p:nvGraphicFramePr>
+          <p:cNvPr id="22" name="Table 21"/>
+          <p:cNvGraphicFramePr>
+            <a:graphicFrameLocks noGrp="1"/>
+          </p:cNvGraphicFramePr>
+          <p:nvPr/>
+        </p:nvGraphicFramePr>
+        <p:xfrm>
+          <a:off x="914400" y="3810000"/>
+          <a:ext cx="8229600" cy="640080"/>
+        </p:xfrm>
+        <a:graphic>
+          <a:graphicData uri="http://schemas.openxmlformats.org/drawingml/2006/table">
+            <a:tbl>
+              <a:tblPr firstRow="1" bandRow="1">
+                <a:tableStyleId>{5C22544A-7EE6-4342-B048-85BDC9FD1C3A}</a:tableStyleId>
+              </a:tblPr>
+              <a:tblGrid>
+                <a:gridCol w="8229600"/>
+              </a:tblGrid>
+              <a:tr h="487680">
+                <a:tc>
+                  <a:txBody>
+                    <a:bodyPr/>
+                    <a:lstStyle/>
+                    <a:p>
+                      <a:r>
+                        <a:rPr lang="en-US" b="0" baseline="0" dirty="0" smtClean="0">
+                          <a:solidFill>
+                            <a:schemeClr val="tx1"/>
+                          </a:solidFill>
+                          <a:latin typeface="+mn-lt"/>
+                        </a:rPr>
+                        <a:t>Argument values are assigned only when needed. Use </a:t>
+                      </a:r>
+                      <a:r>
+                        <a:rPr lang="en-US" sz="1800" b="0" kern="1200" dirty="0" smtClean="0">
+                          <a:solidFill>
+                            <a:srgbClr val="00B0F0"/>
+                          </a:solidFill>
+                          <a:latin typeface="Courier" pitchFamily="49" charset="0"/>
+                          <a:ea typeface="+mn-ea"/>
+                          <a:cs typeface="+mn-cs"/>
+                        </a:rPr>
+                        <a:t>force(x) </a:t>
+                      </a:r>
+                      <a:r>
+                        <a:rPr lang="en-US" b="0" baseline="0" dirty="0" smtClean="0">
+                          <a:solidFill>
+                            <a:schemeClr val="tx1"/>
+                          </a:solidFill>
+                          <a:latin typeface="+mn-lt"/>
+                        </a:rPr>
+                        <a:t>or simply </a:t>
+                      </a:r>
+                      <a:r>
+                        <a:rPr lang="en-US" sz="1800" b="0" kern="1200" dirty="0" smtClean="0">
+                          <a:solidFill>
+                            <a:srgbClr val="00B0F0"/>
+                          </a:solidFill>
+                          <a:latin typeface="Courier" pitchFamily="49" charset="0"/>
+                          <a:ea typeface="+mn-ea"/>
+                          <a:cs typeface="+mn-cs"/>
+                        </a:rPr>
+                        <a:t>x</a:t>
+                      </a:r>
+                      <a:r>
+                        <a:rPr lang="en-US" b="0" baseline="0" dirty="0" smtClean="0">
+                          <a:solidFill>
+                            <a:schemeClr val="tx1"/>
+                          </a:solidFill>
+                          <a:latin typeface="+mn-lt"/>
+                        </a:rPr>
+                        <a:t> to force evaluation.</a:t>
+                      </a:r>
+                      <a:endParaRPr lang="en-US" b="0" dirty="0">
+                        <a:solidFill>
+                          <a:srgbClr val="00B0F0"/>
+                        </a:solidFill>
+                        <a:latin typeface="Courier" pitchFamily="49" charset="0"/>
+                      </a:endParaRPr>
+                    </a:p>
+                  </a:txBody>
+                  <a:tcPr>
+                    <a:lnT w="76200" cap="flat" cmpd="sng" algn="ctr">
+                      <a:solidFill>
+                        <a:schemeClr val="tx1">
+                          <a:lumMod val="75000"/>
+                          <a:lumOff val="25000"/>
+                        </a:schemeClr>
+                      </a:solidFill>
+                      <a:prstDash val="solid"/>
+                      <a:round/>
+                      <a:headEnd type="none" w="med" len="med"/>
+                      <a:tailEnd type="none" w="med" len="med"/>
+                    </a:lnT>
+                    <a:lnB w="76200" cap="flat" cmpd="sng" algn="ctr">
+                      <a:solidFill>
+                        <a:schemeClr val="tx1">
+                          <a:lumMod val="75000"/>
+                          <a:lumOff val="25000"/>
+                        </a:schemeClr>
+                      </a:solidFill>
+                      <a:prstDash val="solid"/>
+                      <a:round/>
+                      <a:headEnd type="none" w="med" len="med"/>
+                      <a:tailEnd type="none" w="med" len="med"/>
+                    </a:lnB>
+                    <a:solidFill>
+                      <a:schemeClr val="bg1"/>
+                    </a:solidFill>
+                  </a:tcPr>
+                </a:tc>
+              </a:tr>
+            </a:tbl>
+          </a:graphicData>
+        </a:graphic>
+      </p:graphicFrame>
+      <p:graphicFrame>
+        <p:nvGraphicFramePr>
+          <p:cNvPr id="24" name="Table 23"/>
+          <p:cNvGraphicFramePr>
+            <a:graphicFrameLocks noGrp="1"/>
+          </p:cNvGraphicFramePr>
+          <p:nvPr/>
+        </p:nvGraphicFramePr>
+        <p:xfrm>
+          <a:off x="914400" y="5334000"/>
+          <a:ext cx="8229600" cy="487680"/>
+        </p:xfrm>
+        <a:graphic>
+          <a:graphicData uri="http://schemas.openxmlformats.org/drawingml/2006/table">
+            <a:tbl>
+              <a:tblPr firstRow="1" bandRow="1">
+                <a:tableStyleId>{5C22544A-7EE6-4342-B048-85BDC9FD1C3A}</a:tableStyleId>
+              </a:tblPr>
+              <a:tblGrid>
+                <a:gridCol w="8229600"/>
+              </a:tblGrid>
+              <a:tr h="487680">
+                <a:tc>
+                  <a:txBody>
+                    <a:bodyPr/>
+                    <a:lstStyle/>
+                    <a:p>
+                      <a:r>
+                        <a:rPr lang="en-US" b="0" dirty="0" smtClean="0">
+                          <a:solidFill>
+                            <a:srgbClr val="FF0000"/>
+                          </a:solidFill>
+                        </a:rPr>
+                        <a:t>Default</a:t>
+                      </a:r>
+                      <a:endParaRPr lang="en-US" b="0" dirty="0" smtClean="0">
+                        <a:solidFill>
+                          <a:srgbClr val="FF0000"/>
+                        </a:solidFill>
+                      </a:endParaRPr>
+                    </a:p>
+                  </a:txBody>
+                  <a:tcPr>
+                    <a:lnT w="76200" cap="flat" cmpd="sng" algn="ctr">
+                      <a:solidFill>
+                        <a:schemeClr val="tx1">
+                          <a:lumMod val="95000"/>
+                          <a:lumOff val="5000"/>
+                        </a:schemeClr>
+                      </a:solidFill>
+                      <a:prstDash val="solid"/>
+                      <a:round/>
+                      <a:headEnd type="none" w="med" len="med"/>
+                      <a:tailEnd type="none" w="med" len="med"/>
+                    </a:lnT>
+                    <a:lnB w="76200" cap="flat" cmpd="sng" algn="ctr">
+                      <a:solidFill>
+                        <a:schemeClr val="tx1">
+                          <a:lumMod val="95000"/>
+                          <a:lumOff val="5000"/>
+                        </a:schemeClr>
+                      </a:solidFill>
+                      <a:prstDash val="solid"/>
+                      <a:round/>
+                      <a:headEnd type="none" w="med" len="med"/>
+                      <a:tailEnd type="none" w="med" len="med"/>
+                    </a:lnB>
+                    <a:solidFill>
+                      <a:schemeClr val="bg1"/>
+                    </a:solidFill>
+                  </a:tcPr>
+                </a:tc>
+              </a:tr>
+            </a:tbl>
+          </a:graphicData>
+        </a:graphic>
+      </p:graphicFrame>
+      <p:graphicFrame>
+        <p:nvGraphicFramePr>
+          <p:cNvPr id="14" name="Table 13"/>
+          <p:cNvGraphicFramePr>
+            <a:graphicFrameLocks noGrp="1"/>
+          </p:cNvGraphicFramePr>
+          <p:nvPr/>
+        </p:nvGraphicFramePr>
+        <p:xfrm>
+          <a:off x="0" y="975360"/>
+          <a:ext cx="914400" cy="914400"/>
+        </p:xfrm>
+        <a:graphic>
+          <a:graphicData uri="http://schemas.openxmlformats.org/drawingml/2006/table">
+            <a:tbl>
+              <a:tblPr firstRow="1" bandRow="1">
+                <a:tableStyleId>{5C22544A-7EE6-4342-B048-85BDC9FD1C3A}</a:tableStyleId>
+              </a:tblPr>
+              <a:tblGrid>
+                <a:gridCol w="914400"/>
+              </a:tblGrid>
+              <a:tr h="914400">
+                <a:tc>
+                  <a:txBody>
+                    <a:bodyPr/>
+                    <a:lstStyle/>
+                    <a:p>
+                      <a:pPr algn="ctr"/>
+                      <a:r>
+                        <a:rPr lang="en-US" sz="5400" dirty="0" smtClean="0"/>
+                        <a:t>Q</a:t>
+                      </a:r>
+                      <a:endParaRPr lang="en-US" sz="5400" dirty="0"/>
+                    </a:p>
+                  </a:txBody>
+                  <a:tcPr anchor="ctr">
+                    <a:lnL w="12700" cap="flat" cmpd="sng" algn="ctr">
+                      <a:solidFill>
+                        <a:schemeClr val="tx1"/>
+                      </a:solidFill>
+                      <a:prstDash val="solid"/>
+                      <a:round/>
+                      <a:headEnd type="none" w="med" len="med"/>
+                      <a:tailEnd type="none" w="med" len="med"/>
+                    </a:lnL>
+                    <a:lnT w="12700" cap="flat" cmpd="sng" algn="ctr">
+                      <a:solidFill>
+                        <a:schemeClr val="tx1"/>
+                      </a:solidFill>
+                      <a:prstDash val="solid"/>
+                      <a:round/>
+                      <a:headEnd type="none" w="med" len="med"/>
+                      <a:tailEnd type="none" w="med" len="med"/>
+                    </a:lnT>
+                    <a:lnB w="12700" cap="flat" cmpd="sng" algn="ctr">
+                      <a:solidFill>
+                        <a:schemeClr val="tx1"/>
+                      </a:solidFill>
+                      <a:prstDash val="solid"/>
+                      <a:round/>
+                      <a:headEnd type="none" w="med" len="med"/>
+                      <a:tailEnd type="none" w="med" len="med"/>
+                    </a:lnB>
+                    <a:solidFill>
+                      <a:schemeClr val="bg1">
+                        <a:lumMod val="65000"/>
+                      </a:schemeClr>
+                    </a:solidFill>
+                  </a:tcPr>
+                </a:tc>
+              </a:tr>
+            </a:tbl>
+          </a:graphicData>
+        </a:graphic>
+      </p:graphicFrame>
+      <p:graphicFrame>
+        <p:nvGraphicFramePr>
+          <p:cNvPr id="15" name="Table 14"/>
+          <p:cNvGraphicFramePr>
+            <a:graphicFrameLocks noGrp="1"/>
+          </p:cNvGraphicFramePr>
+          <p:nvPr/>
+        </p:nvGraphicFramePr>
+        <p:xfrm>
+          <a:off x="0" y="2382520"/>
+          <a:ext cx="914400" cy="914400"/>
+        </p:xfrm>
+        <a:graphic>
+          <a:graphicData uri="http://schemas.openxmlformats.org/drawingml/2006/table">
+            <a:tbl>
+              <a:tblPr firstRow="1" bandRow="1">
+                <a:tableStyleId>{5C22544A-7EE6-4342-B048-85BDC9FD1C3A}</a:tableStyleId>
+              </a:tblPr>
+              <a:tblGrid>
+                <a:gridCol w="914400"/>
+              </a:tblGrid>
+              <a:tr h="914400">
+                <a:tc>
+                  <a:txBody>
+                    <a:bodyPr/>
+                    <a:lstStyle/>
+                    <a:p>
+                      <a:pPr algn="ctr"/>
+                      <a:r>
+                        <a:rPr lang="en-US" sz="5400" dirty="0" smtClean="0"/>
+                        <a:t>A</a:t>
+                      </a:r>
+                      <a:endParaRPr lang="en-US" sz="5400" dirty="0"/>
+                    </a:p>
+                  </a:txBody>
+                  <a:tcPr anchor="ctr">
+                    <a:lnL w="12700" cap="flat" cmpd="sng" algn="ctr">
+                      <a:solidFill>
+                        <a:schemeClr val="tx1"/>
+                      </a:solidFill>
+                      <a:prstDash val="solid"/>
+                      <a:round/>
+                      <a:headEnd type="none" w="med" len="med"/>
+                      <a:tailEnd type="none" w="med" len="med"/>
+                    </a:lnL>
+                    <a:lnT w="12700" cap="flat" cmpd="sng" algn="ctr">
+                      <a:solidFill>
+                        <a:schemeClr val="tx1"/>
+                      </a:solidFill>
+                      <a:prstDash val="solid"/>
+                      <a:round/>
+                      <a:headEnd type="none" w="med" len="med"/>
+                      <a:tailEnd type="none" w="med" len="med"/>
+                    </a:lnT>
+                    <a:lnB w="12700" cap="flat" cmpd="sng" algn="ctr">
+                      <a:solidFill>
+                        <a:schemeClr val="tx1"/>
+                      </a:solidFill>
+                      <a:prstDash val="solid"/>
+                      <a:round/>
+                      <a:headEnd type="none" w="med" len="med"/>
+                      <a:tailEnd type="none" w="med" len="med"/>
+                    </a:lnB>
+                    <a:solidFill>
+                      <a:schemeClr val="tx1">
+                        <a:lumMod val="50000"/>
+                        <a:lumOff val="50000"/>
+                      </a:schemeClr>
+                    </a:solidFill>
+                  </a:tcPr>
+                </a:tc>
+              </a:tr>
+            </a:tbl>
+          </a:graphicData>
+        </a:graphic>
+      </p:graphicFrame>
+      <p:graphicFrame>
+        <p:nvGraphicFramePr>
+          <p:cNvPr id="17" name="Table 16"/>
+          <p:cNvGraphicFramePr>
+            <a:graphicFrameLocks noGrp="1"/>
+          </p:cNvGraphicFramePr>
+          <p:nvPr/>
+        </p:nvGraphicFramePr>
+        <p:xfrm>
+          <a:off x="0" y="3789680"/>
+          <a:ext cx="914400" cy="914400"/>
+        </p:xfrm>
+        <a:graphic>
+          <a:graphicData uri="http://schemas.openxmlformats.org/drawingml/2006/table">
+            <a:tbl>
+              <a:tblPr firstRow="1" bandRow="1">
+                <a:tableStyleId>{5C22544A-7EE6-4342-B048-85BDC9FD1C3A}</a:tableStyleId>
+              </a:tblPr>
+              <a:tblGrid>
+                <a:gridCol w="914400"/>
+              </a:tblGrid>
+              <a:tr h="914400">
+                <a:tc>
+                  <a:txBody>
+                    <a:bodyPr/>
+                    <a:lstStyle/>
+                    <a:p>
+                      <a:pPr algn="ctr"/>
+                      <a:r>
+                        <a:rPr lang="en-US" sz="5400" dirty="0" smtClean="0"/>
+                        <a:t>C</a:t>
+                      </a:r>
+                      <a:endParaRPr lang="en-US" sz="5400" dirty="0"/>
+                    </a:p>
+                  </a:txBody>
+                  <a:tcPr anchor="ctr">
+                    <a:lnL w="12700" cap="flat" cmpd="sng" algn="ctr">
+                      <a:solidFill>
+                        <a:schemeClr val="tx1"/>
+                      </a:solidFill>
+                      <a:prstDash val="solid"/>
+                      <a:round/>
+                      <a:headEnd type="none" w="med" len="med"/>
+                      <a:tailEnd type="none" w="med" len="med"/>
+                    </a:lnL>
+                    <a:lnT w="12700" cap="flat" cmpd="sng" algn="ctr">
+                      <a:solidFill>
+                        <a:schemeClr val="tx1"/>
+                      </a:solidFill>
+                      <a:prstDash val="solid"/>
+                      <a:round/>
+                      <a:headEnd type="none" w="med" len="med"/>
+                      <a:tailEnd type="none" w="med" len="med"/>
+                    </a:lnT>
+                    <a:lnB w="12700" cap="flat" cmpd="sng" algn="ctr">
+                      <a:solidFill>
+                        <a:schemeClr val="tx1"/>
+                      </a:solidFill>
+                      <a:prstDash val="solid"/>
+                      <a:round/>
+                      <a:headEnd type="none" w="med" len="med"/>
+                      <a:tailEnd type="none" w="med" len="med"/>
+                    </a:lnB>
+                    <a:solidFill>
+                      <a:schemeClr val="tx1">
+                        <a:lumMod val="75000"/>
+                        <a:lumOff val="25000"/>
+                      </a:schemeClr>
+                    </a:solidFill>
+                  </a:tcPr>
+                </a:tc>
+              </a:tr>
+            </a:tbl>
+          </a:graphicData>
+        </a:graphic>
+      </p:graphicFrame>
+      <p:graphicFrame>
+        <p:nvGraphicFramePr>
+          <p:cNvPr id="25" name="Table 24"/>
+          <p:cNvGraphicFramePr>
+            <a:graphicFrameLocks noGrp="1"/>
+          </p:cNvGraphicFramePr>
+          <p:nvPr/>
+        </p:nvGraphicFramePr>
+        <p:xfrm>
+          <a:off x="0" y="5196840"/>
+          <a:ext cx="914400" cy="914400"/>
+        </p:xfrm>
+        <a:graphic>
+          <a:graphicData uri="http://schemas.openxmlformats.org/drawingml/2006/table">
+            <a:tbl>
+              <a:tblPr firstRow="1" bandRow="1">
+                <a:tableStyleId>{5C22544A-7EE6-4342-B048-85BDC9FD1C3A}</a:tableStyleId>
+              </a:tblPr>
+              <a:tblGrid>
+                <a:gridCol w="914400"/>
+              </a:tblGrid>
+              <a:tr h="914400">
+                <a:tc>
+                  <a:txBody>
+                    <a:bodyPr/>
+                    <a:lstStyle/>
+                    <a:p>
+                      <a:pPr algn="ctr"/>
+                      <a:r>
+                        <a:rPr lang="en-US" sz="5400" dirty="0" smtClean="0"/>
+                        <a:t>T</a:t>
+                      </a:r>
+                      <a:endParaRPr lang="en-US" sz="5400" dirty="0"/>
+                    </a:p>
+                  </a:txBody>
+                  <a:tcPr anchor="ctr">
+                    <a:lnL w="12700" cap="flat" cmpd="sng" algn="ctr">
+                      <a:solidFill>
+                        <a:schemeClr val="tx1"/>
+                      </a:solidFill>
+                      <a:prstDash val="solid"/>
+                      <a:round/>
+                      <a:headEnd type="none" w="med" len="med"/>
+                      <a:tailEnd type="none" w="med" len="med"/>
+                    </a:lnL>
+                    <a:lnT w="12700" cap="flat" cmpd="sng" algn="ctr">
+                      <a:solidFill>
+                        <a:schemeClr val="tx1"/>
+                      </a:solidFill>
+                      <a:prstDash val="solid"/>
+                      <a:round/>
+                      <a:headEnd type="none" w="med" len="med"/>
+                      <a:tailEnd type="none" w="med" len="med"/>
+                    </a:lnT>
+                    <a:lnB w="12700" cap="flat" cmpd="sng" algn="ctr">
+                      <a:solidFill>
+                        <a:schemeClr val="tx1"/>
+                      </a:solidFill>
+                      <a:prstDash val="solid"/>
+                      <a:round/>
+                      <a:headEnd type="none" w="med" len="med"/>
+                      <a:tailEnd type="none" w="med" len="med"/>
+                    </a:lnB>
+                    <a:solidFill>
+                      <a:schemeClr val="tx1">
+                        <a:lumMod val="95000"/>
+                        <a:lumOff val="5000"/>
+                      </a:schemeClr>
+                    </a:solidFill>
+                  </a:tcPr>
+                </a:tc>
+              </a:tr>
+            </a:tbl>
+          </a:graphicData>
+        </a:graphic>
+      </p:graphicFrame>
+    </p:spTree>
+  </p:cSld>
+  <p:clrMapOvr>
+    <a:masterClrMapping/>
+  </p:clrMapOvr>
+</p:sld>
+</file>
+
+<file path=ppt/slides/slide43.xml><?xml version="1.0" encoding="utf-8"?>
+<p:sld xmlns:a="http://schemas.openxmlformats.org/drawingml/2006/main" xmlns:r="http://schemas.openxmlformats.org/officeDocument/2006/relationships" xmlns:p="http://schemas.openxmlformats.org/presentationml/2006/main">
+  <p:cSld>
+    <p:spTree>
+      <p:nvGrpSpPr>
+        <p:cNvPr id="1" name=""/>
+        <p:cNvGrpSpPr/>
+        <p:nvPr/>
+      </p:nvGrpSpPr>
+      <p:grpSpPr>
+        <a:xfrm>
+          <a:off x="0" y="0"/>
+          <a:ext cx="0" cy="0"/>
+          <a:chOff x="0" y="0"/>
+          <a:chExt cx="0" cy="0"/>
+        </a:xfrm>
+      </p:grpSpPr>
+      <p:graphicFrame>
+        <p:nvGraphicFramePr>
+          <p:cNvPr id="18" name="Table 17"/>
+          <p:cNvGraphicFramePr>
+            <a:graphicFrameLocks noGrp="1"/>
+          </p:cNvGraphicFramePr>
+          <p:nvPr/>
+        </p:nvGraphicFramePr>
+        <p:xfrm>
+          <a:off x="914400" y="198120"/>
+          <a:ext cx="8229600" cy="2011680"/>
+        </p:xfrm>
+        <a:graphic>
+          <a:graphicData uri="http://schemas.openxmlformats.org/drawingml/2006/table">
+            <a:tbl>
+              <a:tblPr firstRow="1" bandRow="1">
+                <a:tableStyleId>{5C22544A-7EE6-4342-B048-85BDC9FD1C3A}</a:tableStyleId>
+              </a:tblPr>
+              <a:tblGrid>
+                <a:gridCol w="8229600"/>
+              </a:tblGrid>
+              <a:tr h="487680">
+                <a:tc>
+                  <a:txBody>
+                    <a:bodyPr/>
+                    <a:lstStyle/>
+                    <a:p>
+                      <a:r>
+                        <a:rPr lang="en-US" b="0" baseline="0" dirty="0" smtClean="0">
+                          <a:solidFill>
+                            <a:schemeClr val="tx1"/>
+                          </a:solidFill>
+                        </a:rPr>
+                        <a:t>What does the function return?</a:t>
+                      </a:r>
+                    </a:p>
+                    <a:p>
+                      <a:r>
+                        <a:rPr lang="en-US" sz="1800" b="0" kern="1200" dirty="0" smtClean="0">
+                          <a:solidFill>
+                            <a:srgbClr val="00B0F0"/>
+                          </a:solidFill>
+                          <a:latin typeface="Courier" pitchFamily="49" charset="0"/>
+                          <a:ea typeface="+mn-ea"/>
+                          <a:cs typeface="+mn-cs"/>
+                        </a:rPr>
+                        <a:t>add &lt;- function(x) {</a:t>
+                      </a:r>
+                    </a:p>
+                    <a:p>
+                      <a:r>
+                        <a:rPr lang="en-US" sz="1800" b="0" kern="1200" dirty="0" smtClean="0">
+                          <a:solidFill>
+                            <a:srgbClr val="00B0F0"/>
+                          </a:solidFill>
+                          <a:latin typeface="Courier" pitchFamily="49" charset="0"/>
+                          <a:ea typeface="+mn-ea"/>
+                          <a:cs typeface="+mn-cs"/>
+                        </a:rPr>
+                        <a:t>  function(y) x + y  </a:t>
+                      </a:r>
+                    </a:p>
+                    <a:p>
+                      <a:r>
+                        <a:rPr lang="en-US" sz="1800" b="0" kern="1200" dirty="0" smtClean="0">
+                          <a:solidFill>
+                            <a:srgbClr val="00B0F0"/>
+                          </a:solidFill>
+                          <a:latin typeface="Courier" pitchFamily="49" charset="0"/>
+                          <a:ea typeface="+mn-ea"/>
+                          <a:cs typeface="+mn-cs"/>
+                        </a:rPr>
+                        <a:t>}</a:t>
+                      </a:r>
+                    </a:p>
+                    <a:p>
+                      <a:r>
+                        <a:rPr lang="en-US" sz="1800" b="0" kern="1200" dirty="0" smtClean="0">
+                          <a:solidFill>
+                            <a:srgbClr val="00B0F0"/>
+                          </a:solidFill>
+                          <a:latin typeface="Courier" pitchFamily="49" charset="0"/>
+                          <a:ea typeface="+mn-ea"/>
+                          <a:cs typeface="+mn-cs"/>
+                        </a:rPr>
+                        <a:t>adders &lt;- </a:t>
+                      </a:r>
+                      <a:r>
+                        <a:rPr lang="en-US" sz="1800" b="0" kern="1200" dirty="0" err="1" smtClean="0">
+                          <a:solidFill>
+                            <a:srgbClr val="00B0F0"/>
+                          </a:solidFill>
+                          <a:latin typeface="Courier" pitchFamily="49" charset="0"/>
+                          <a:ea typeface="+mn-ea"/>
+                          <a:cs typeface="+mn-cs"/>
+                        </a:rPr>
+                        <a:t>lapply</a:t>
+                      </a:r>
+                      <a:r>
+                        <a:rPr lang="en-US" sz="1800" b="0" kern="1200" dirty="0" smtClean="0">
+                          <a:solidFill>
+                            <a:srgbClr val="00B0F0"/>
+                          </a:solidFill>
+                          <a:latin typeface="Courier" pitchFamily="49" charset="0"/>
+                          <a:ea typeface="+mn-ea"/>
+                          <a:cs typeface="+mn-cs"/>
+                        </a:rPr>
+                        <a:t>(1:10, add)</a:t>
+                      </a:r>
+                    </a:p>
+                    <a:p>
+                      <a:r>
+                        <a:rPr lang="en-US" sz="1800" b="0" kern="1200" dirty="0" smtClean="0">
+                          <a:solidFill>
+                            <a:srgbClr val="00B0F0"/>
+                          </a:solidFill>
+                          <a:latin typeface="Courier" pitchFamily="49" charset="0"/>
+                          <a:ea typeface="+mn-ea"/>
+                          <a:cs typeface="+mn-cs"/>
+                        </a:rPr>
+                        <a:t>adders[[1]](13)</a:t>
+                      </a:r>
+                    </a:p>
+                    <a:p>
+                      <a:r>
+                        <a:rPr lang="en-US" sz="1800" b="0" kern="1200" dirty="0" smtClean="0">
+                          <a:solidFill>
+                            <a:srgbClr val="00B0F0"/>
+                          </a:solidFill>
+                          <a:latin typeface="Courier" pitchFamily="49" charset="0"/>
+                          <a:ea typeface="+mn-ea"/>
+                          <a:cs typeface="+mn-cs"/>
+                        </a:rPr>
+                        <a:t>adders[[10]](13)</a:t>
+                      </a:r>
+                      <a:endParaRPr lang="pt-BR" sz="1800" b="0" kern="1200" dirty="0" smtClean="0">
+                        <a:solidFill>
+                          <a:srgbClr val="00B0F0"/>
+                        </a:solidFill>
+                        <a:latin typeface="Courier" pitchFamily="49" charset="0"/>
+                        <a:ea typeface="+mn-ea"/>
+                        <a:cs typeface="+mn-cs"/>
+                      </a:endParaRPr>
+                    </a:p>
+                  </a:txBody>
+                  <a:tcPr>
+                    <a:lnL w="76200" cap="flat" cmpd="sng" algn="ctr">
+                      <a:solidFill>
+                        <a:schemeClr val="bg1">
+                          <a:lumMod val="65000"/>
+                        </a:schemeClr>
+                      </a:solidFill>
+                      <a:prstDash val="solid"/>
+                      <a:round/>
+                      <a:headEnd type="none" w="med" len="med"/>
+                      <a:tailEnd type="none" w="med" len="med"/>
+                    </a:lnL>
+                    <a:lnT w="76200" cap="flat" cmpd="sng" algn="ctr">
+                      <a:solidFill>
+                        <a:schemeClr val="bg1">
+                          <a:lumMod val="65000"/>
+                        </a:schemeClr>
+                      </a:solidFill>
+                      <a:prstDash val="solid"/>
+                      <a:round/>
+                      <a:headEnd type="none" w="med" len="med"/>
+                      <a:tailEnd type="none" w="med" len="med"/>
+                    </a:lnT>
+                    <a:lnB w="76200" cap="flat" cmpd="sng" algn="ctr">
+                      <a:solidFill>
+                        <a:schemeClr val="bg1">
+                          <a:lumMod val="65000"/>
+                        </a:schemeClr>
+                      </a:solidFill>
+                      <a:prstDash val="solid"/>
+                      <a:round/>
+                      <a:headEnd type="none" w="med" len="med"/>
+                      <a:tailEnd type="none" w="med" len="med"/>
+                    </a:lnB>
+                    <a:solidFill>
+                      <a:schemeClr val="bg1"/>
+                    </a:solidFill>
+                  </a:tcPr>
+                </a:tc>
+              </a:tr>
+            </a:tbl>
+          </a:graphicData>
+        </a:graphic>
+      </p:graphicFrame>
+      <p:graphicFrame>
+        <p:nvGraphicFramePr>
+          <p:cNvPr id="20" name="Table 19"/>
+          <p:cNvGraphicFramePr>
+            <a:graphicFrameLocks noGrp="1"/>
+          </p:cNvGraphicFramePr>
+          <p:nvPr/>
+        </p:nvGraphicFramePr>
+        <p:xfrm>
+          <a:off x="914400" y="2560320"/>
+          <a:ext cx="8229600" cy="487680"/>
+        </p:xfrm>
+        <a:graphic>
+          <a:graphicData uri="http://schemas.openxmlformats.org/drawingml/2006/table">
+            <a:tbl>
+              <a:tblPr firstRow="1" bandRow="1">
+                <a:tableStyleId>{5C22544A-7EE6-4342-B048-85BDC9FD1C3A}</a:tableStyleId>
+              </a:tblPr>
+              <a:tblGrid>
+                <a:gridCol w="8229600"/>
+              </a:tblGrid>
+              <a:tr h="487680">
+                <a:tc>
+                  <a:txBody>
+                    <a:bodyPr/>
+                    <a:lstStyle/>
+                    <a:p>
+                      <a:r>
+                        <a:rPr lang="en-US" sz="1800" b="0" kern="1200" dirty="0" smtClean="0">
+                          <a:solidFill>
+                            <a:srgbClr val="00B0F0"/>
+                          </a:solidFill>
+                          <a:latin typeface="Courier" pitchFamily="49" charset="0"/>
+                          <a:ea typeface="+mn-ea"/>
+                          <a:cs typeface="+mn-cs"/>
+                        </a:rPr>
+                        <a:t>14,</a:t>
+                      </a:r>
+                      <a:r>
+                        <a:rPr lang="en-US" sz="1800" b="0" kern="1200" baseline="0" dirty="0" smtClean="0">
+                          <a:solidFill>
+                            <a:srgbClr val="00B0F0"/>
+                          </a:solidFill>
+                          <a:latin typeface="Courier" pitchFamily="49" charset="0"/>
+                          <a:ea typeface="+mn-ea"/>
+                          <a:cs typeface="+mn-cs"/>
+                        </a:rPr>
+                        <a:t> 23</a:t>
+                      </a:r>
+                      <a:endParaRPr lang="en-US" sz="1800" b="0" kern="1200" baseline="0" dirty="0" smtClean="0">
+                        <a:solidFill>
+                          <a:schemeClr val="tx1"/>
+                        </a:solidFill>
+                        <a:latin typeface="+mn-lt"/>
+                        <a:ea typeface="+mn-ea"/>
+                        <a:cs typeface="+mn-cs"/>
+                      </a:endParaRPr>
+                    </a:p>
+                  </a:txBody>
+                  <a:tcPr>
+                    <a:lnT w="76200" cap="flat" cmpd="sng" algn="ctr">
+                      <a:solidFill>
+                        <a:schemeClr val="tx1">
+                          <a:lumMod val="50000"/>
+                          <a:lumOff val="50000"/>
+                        </a:schemeClr>
+                      </a:solidFill>
+                      <a:prstDash val="solid"/>
+                      <a:round/>
+                      <a:headEnd type="none" w="med" len="med"/>
+                      <a:tailEnd type="none" w="med" len="med"/>
+                    </a:lnT>
+                    <a:lnB w="76200" cap="flat" cmpd="sng" algn="ctr">
+                      <a:solidFill>
+                        <a:schemeClr val="tx1">
+                          <a:lumMod val="50000"/>
+                          <a:lumOff val="50000"/>
+                        </a:schemeClr>
+                      </a:solidFill>
+                      <a:prstDash val="solid"/>
+                      <a:round/>
+                      <a:headEnd type="none" w="med" len="med"/>
+                      <a:tailEnd type="none" w="med" len="med"/>
+                    </a:lnB>
+                    <a:solidFill>
+                      <a:schemeClr val="bg1"/>
+                    </a:solidFill>
+                  </a:tcPr>
+                </a:tc>
+              </a:tr>
+            </a:tbl>
+          </a:graphicData>
+        </a:graphic>
+      </p:graphicFrame>
+      <p:graphicFrame>
+        <p:nvGraphicFramePr>
+          <p:cNvPr id="22" name="Table 21"/>
+          <p:cNvGraphicFramePr>
+            <a:graphicFrameLocks noGrp="1"/>
+          </p:cNvGraphicFramePr>
+          <p:nvPr/>
+        </p:nvGraphicFramePr>
+        <p:xfrm>
+          <a:off x="914400" y="3931920"/>
+          <a:ext cx="8229600" cy="640080"/>
+        </p:xfrm>
+        <a:graphic>
+          <a:graphicData uri="http://schemas.openxmlformats.org/drawingml/2006/table">
+            <a:tbl>
+              <a:tblPr firstRow="1" bandRow="1">
+                <a:tableStyleId>{5C22544A-7EE6-4342-B048-85BDC9FD1C3A}</a:tableStyleId>
+              </a:tblPr>
+              <a:tblGrid>
+                <a:gridCol w="8229600"/>
+              </a:tblGrid>
+              <a:tr h="487680">
+                <a:tc>
+                  <a:txBody>
+                    <a:bodyPr/>
+                    <a:lstStyle/>
+                    <a:p>
+                      <a:r>
+                        <a:rPr lang="en-US" b="0" baseline="0" dirty="0" smtClean="0">
+                          <a:solidFill>
+                            <a:schemeClr val="tx1"/>
+                          </a:solidFill>
+                          <a:latin typeface="+mn-lt"/>
+                        </a:rPr>
+                        <a:t>A closure is a function that returns a function. Data passed to the returned function persists and is available each time that the function is called. </a:t>
+                      </a:r>
+                      <a:endParaRPr lang="en-US" b="0" dirty="0">
+                        <a:solidFill>
+                          <a:srgbClr val="00B0F0"/>
+                        </a:solidFill>
+                        <a:latin typeface="Courier" pitchFamily="49" charset="0"/>
+                      </a:endParaRPr>
+                    </a:p>
+                  </a:txBody>
+                  <a:tcPr>
+                    <a:lnT w="76200" cap="flat" cmpd="sng" algn="ctr">
+                      <a:solidFill>
+                        <a:schemeClr val="tx1">
+                          <a:lumMod val="75000"/>
+                          <a:lumOff val="25000"/>
+                        </a:schemeClr>
+                      </a:solidFill>
+                      <a:prstDash val="solid"/>
+                      <a:round/>
+                      <a:headEnd type="none" w="med" len="med"/>
+                      <a:tailEnd type="none" w="med" len="med"/>
+                    </a:lnT>
+                    <a:lnB w="76200" cap="flat" cmpd="sng" algn="ctr">
+                      <a:solidFill>
+                        <a:schemeClr val="tx1">
+                          <a:lumMod val="75000"/>
+                          <a:lumOff val="25000"/>
+                        </a:schemeClr>
+                      </a:solidFill>
+                      <a:prstDash val="solid"/>
+                      <a:round/>
+                      <a:headEnd type="none" w="med" len="med"/>
+                      <a:tailEnd type="none" w="med" len="med"/>
+                    </a:lnB>
+                    <a:solidFill>
+                      <a:schemeClr val="bg1"/>
+                    </a:solidFill>
+                  </a:tcPr>
+                </a:tc>
+              </a:tr>
+            </a:tbl>
+          </a:graphicData>
+        </a:graphic>
+      </p:graphicFrame>
+      <p:graphicFrame>
+        <p:nvGraphicFramePr>
+          <p:cNvPr id="24" name="Table 23"/>
+          <p:cNvGraphicFramePr>
+            <a:graphicFrameLocks noGrp="1"/>
+          </p:cNvGraphicFramePr>
+          <p:nvPr/>
+        </p:nvGraphicFramePr>
+        <p:xfrm>
+          <a:off x="914400" y="5334000"/>
+          <a:ext cx="8229600" cy="487680"/>
+        </p:xfrm>
+        <a:graphic>
+          <a:graphicData uri="http://schemas.openxmlformats.org/drawingml/2006/table">
+            <a:tbl>
+              <a:tblPr firstRow="1" bandRow="1">
+                <a:tableStyleId>{5C22544A-7EE6-4342-B048-85BDC9FD1C3A}</a:tableStyleId>
+              </a:tblPr>
+              <a:tblGrid>
+                <a:gridCol w="8229600"/>
+              </a:tblGrid>
+              <a:tr h="487680">
+                <a:tc>
+                  <a:txBody>
+                    <a:bodyPr/>
+                    <a:lstStyle/>
+                    <a:p>
+                      <a:r>
+                        <a:rPr lang="en-US" b="0" dirty="0" smtClean="0">
+                          <a:solidFill>
+                            <a:srgbClr val="FF0000"/>
+                          </a:solidFill>
+                        </a:rPr>
+                        <a:t>Default</a:t>
+                      </a:r>
+                      <a:endParaRPr lang="en-US" b="0" dirty="0" smtClean="0">
+                        <a:solidFill>
+                          <a:srgbClr val="FF0000"/>
+                        </a:solidFill>
+                      </a:endParaRPr>
+                    </a:p>
+                  </a:txBody>
+                  <a:tcPr>
+                    <a:lnT w="76200" cap="flat" cmpd="sng" algn="ctr">
+                      <a:solidFill>
+                        <a:schemeClr val="tx1">
+                          <a:lumMod val="95000"/>
+                          <a:lumOff val="5000"/>
+                        </a:schemeClr>
+                      </a:solidFill>
+                      <a:prstDash val="solid"/>
+                      <a:round/>
+                      <a:headEnd type="none" w="med" len="med"/>
+                      <a:tailEnd type="none" w="med" len="med"/>
+                    </a:lnT>
+                    <a:lnB w="76200" cap="flat" cmpd="sng" algn="ctr">
+                      <a:solidFill>
+                        <a:schemeClr val="tx1">
+                          <a:lumMod val="95000"/>
+                          <a:lumOff val="5000"/>
+                        </a:schemeClr>
+                      </a:solidFill>
+                      <a:prstDash val="solid"/>
+                      <a:round/>
+                      <a:headEnd type="none" w="med" len="med"/>
+                      <a:tailEnd type="none" w="med" len="med"/>
+                    </a:lnB>
+                    <a:solidFill>
+                      <a:schemeClr val="bg1"/>
+                    </a:solidFill>
+                  </a:tcPr>
+                </a:tc>
+              </a:tr>
+            </a:tbl>
+          </a:graphicData>
+        </a:graphic>
+      </p:graphicFrame>
+      <p:graphicFrame>
+        <p:nvGraphicFramePr>
+          <p:cNvPr id="14" name="Table 13"/>
+          <p:cNvGraphicFramePr>
+            <a:graphicFrameLocks noGrp="1"/>
+          </p:cNvGraphicFramePr>
+          <p:nvPr/>
+        </p:nvGraphicFramePr>
+        <p:xfrm>
+          <a:off x="0" y="975360"/>
+          <a:ext cx="914400" cy="914400"/>
+        </p:xfrm>
+        <a:graphic>
+          <a:graphicData uri="http://schemas.openxmlformats.org/drawingml/2006/table">
+            <a:tbl>
+              <a:tblPr firstRow="1" bandRow="1">
+                <a:tableStyleId>{5C22544A-7EE6-4342-B048-85BDC9FD1C3A}</a:tableStyleId>
+              </a:tblPr>
+              <a:tblGrid>
+                <a:gridCol w="914400"/>
+              </a:tblGrid>
+              <a:tr h="914400">
+                <a:tc>
+                  <a:txBody>
+                    <a:bodyPr/>
+                    <a:lstStyle/>
+                    <a:p>
+                      <a:pPr algn="ctr"/>
+                      <a:r>
+                        <a:rPr lang="en-US" sz="5400" dirty="0" smtClean="0"/>
+                        <a:t>Q</a:t>
+                      </a:r>
+                      <a:endParaRPr lang="en-US" sz="5400" dirty="0"/>
+                    </a:p>
+                  </a:txBody>
+                  <a:tcPr anchor="ctr">
+                    <a:lnL w="12700" cap="flat" cmpd="sng" algn="ctr">
+                      <a:solidFill>
+                        <a:schemeClr val="tx1"/>
+                      </a:solidFill>
+                      <a:prstDash val="solid"/>
+                      <a:round/>
+                      <a:headEnd type="none" w="med" len="med"/>
+                      <a:tailEnd type="none" w="med" len="med"/>
+                    </a:lnL>
+                    <a:lnT w="12700" cap="flat" cmpd="sng" algn="ctr">
+                      <a:solidFill>
+                        <a:schemeClr val="tx1"/>
+                      </a:solidFill>
+                      <a:prstDash val="solid"/>
+                      <a:round/>
+                      <a:headEnd type="none" w="med" len="med"/>
+                      <a:tailEnd type="none" w="med" len="med"/>
+                    </a:lnT>
+                    <a:lnB w="12700" cap="flat" cmpd="sng" algn="ctr">
+                      <a:solidFill>
+                        <a:schemeClr val="tx1"/>
+                      </a:solidFill>
+                      <a:prstDash val="solid"/>
+                      <a:round/>
+                      <a:headEnd type="none" w="med" len="med"/>
+                      <a:tailEnd type="none" w="med" len="med"/>
+                    </a:lnB>
+                    <a:solidFill>
+                      <a:schemeClr val="bg1">
+                        <a:lumMod val="65000"/>
+                      </a:schemeClr>
+                    </a:solidFill>
+                  </a:tcPr>
+                </a:tc>
+              </a:tr>
+            </a:tbl>
+          </a:graphicData>
+        </a:graphic>
+      </p:graphicFrame>
+      <p:graphicFrame>
+        <p:nvGraphicFramePr>
+          <p:cNvPr id="15" name="Table 14"/>
+          <p:cNvGraphicFramePr>
+            <a:graphicFrameLocks noGrp="1"/>
+          </p:cNvGraphicFramePr>
+          <p:nvPr/>
+        </p:nvGraphicFramePr>
+        <p:xfrm>
+          <a:off x="0" y="2382520"/>
+          <a:ext cx="914400" cy="914400"/>
+        </p:xfrm>
+        <a:graphic>
+          <a:graphicData uri="http://schemas.openxmlformats.org/drawingml/2006/table">
+            <a:tbl>
+              <a:tblPr firstRow="1" bandRow="1">
+                <a:tableStyleId>{5C22544A-7EE6-4342-B048-85BDC9FD1C3A}</a:tableStyleId>
+              </a:tblPr>
+              <a:tblGrid>
+                <a:gridCol w="914400"/>
+              </a:tblGrid>
+              <a:tr h="914400">
+                <a:tc>
+                  <a:txBody>
+                    <a:bodyPr/>
+                    <a:lstStyle/>
+                    <a:p>
+                      <a:pPr algn="ctr"/>
+                      <a:r>
+                        <a:rPr lang="en-US" sz="5400" dirty="0" smtClean="0"/>
+                        <a:t>A</a:t>
+                      </a:r>
+                      <a:endParaRPr lang="en-US" sz="5400" dirty="0"/>
+                    </a:p>
+                  </a:txBody>
+                  <a:tcPr anchor="ctr">
+                    <a:lnL w="12700" cap="flat" cmpd="sng" algn="ctr">
+                      <a:solidFill>
+                        <a:schemeClr val="tx1"/>
+                      </a:solidFill>
+                      <a:prstDash val="solid"/>
+                      <a:round/>
+                      <a:headEnd type="none" w="med" len="med"/>
+                      <a:tailEnd type="none" w="med" len="med"/>
+                    </a:lnL>
+                    <a:lnT w="12700" cap="flat" cmpd="sng" algn="ctr">
+                      <a:solidFill>
+                        <a:schemeClr val="tx1"/>
+                      </a:solidFill>
+                      <a:prstDash val="solid"/>
+                      <a:round/>
+                      <a:headEnd type="none" w="med" len="med"/>
+                      <a:tailEnd type="none" w="med" len="med"/>
+                    </a:lnT>
+                    <a:lnB w="12700" cap="flat" cmpd="sng" algn="ctr">
+                      <a:solidFill>
+                        <a:schemeClr val="tx1"/>
+                      </a:solidFill>
+                      <a:prstDash val="solid"/>
+                      <a:round/>
+                      <a:headEnd type="none" w="med" len="med"/>
+                      <a:tailEnd type="none" w="med" len="med"/>
+                    </a:lnB>
+                    <a:solidFill>
+                      <a:schemeClr val="tx1">
+                        <a:lumMod val="50000"/>
+                        <a:lumOff val="50000"/>
+                      </a:schemeClr>
+                    </a:solidFill>
+                  </a:tcPr>
+                </a:tc>
+              </a:tr>
+            </a:tbl>
+          </a:graphicData>
+        </a:graphic>
+      </p:graphicFrame>
+      <p:graphicFrame>
+        <p:nvGraphicFramePr>
+          <p:cNvPr id="17" name="Table 16"/>
+          <p:cNvGraphicFramePr>
+            <a:graphicFrameLocks noGrp="1"/>
+          </p:cNvGraphicFramePr>
+          <p:nvPr/>
+        </p:nvGraphicFramePr>
+        <p:xfrm>
+          <a:off x="0" y="3789680"/>
+          <a:ext cx="914400" cy="914400"/>
+        </p:xfrm>
+        <a:graphic>
+          <a:graphicData uri="http://schemas.openxmlformats.org/drawingml/2006/table">
+            <a:tbl>
+              <a:tblPr firstRow="1" bandRow="1">
+                <a:tableStyleId>{5C22544A-7EE6-4342-B048-85BDC9FD1C3A}</a:tableStyleId>
+              </a:tblPr>
+              <a:tblGrid>
+                <a:gridCol w="914400"/>
+              </a:tblGrid>
+              <a:tr h="914400">
+                <a:tc>
+                  <a:txBody>
+                    <a:bodyPr/>
+                    <a:lstStyle/>
+                    <a:p>
+                      <a:pPr algn="ctr"/>
+                      <a:r>
+                        <a:rPr lang="en-US" sz="5400" dirty="0" smtClean="0"/>
+                        <a:t>C</a:t>
+                      </a:r>
+                      <a:endParaRPr lang="en-US" sz="5400" dirty="0"/>
+                    </a:p>
+                  </a:txBody>
+                  <a:tcPr anchor="ctr">
+                    <a:lnL w="12700" cap="flat" cmpd="sng" algn="ctr">
+                      <a:solidFill>
+                        <a:schemeClr val="tx1"/>
+                      </a:solidFill>
+                      <a:prstDash val="solid"/>
+                      <a:round/>
+                      <a:headEnd type="none" w="med" len="med"/>
+                      <a:tailEnd type="none" w="med" len="med"/>
+                    </a:lnL>
+                    <a:lnT w="12700" cap="flat" cmpd="sng" algn="ctr">
+                      <a:solidFill>
+                        <a:schemeClr val="tx1"/>
+                      </a:solidFill>
+                      <a:prstDash val="solid"/>
+                      <a:round/>
+                      <a:headEnd type="none" w="med" len="med"/>
+                      <a:tailEnd type="none" w="med" len="med"/>
+                    </a:lnT>
+                    <a:lnB w="12700" cap="flat" cmpd="sng" algn="ctr">
+                      <a:solidFill>
+                        <a:schemeClr val="tx1"/>
+                      </a:solidFill>
+                      <a:prstDash val="solid"/>
+                      <a:round/>
+                      <a:headEnd type="none" w="med" len="med"/>
+                      <a:tailEnd type="none" w="med" len="med"/>
+                    </a:lnB>
+                    <a:solidFill>
+                      <a:schemeClr val="tx1">
+                        <a:lumMod val="75000"/>
+                        <a:lumOff val="25000"/>
+                      </a:schemeClr>
+                    </a:solidFill>
+                  </a:tcPr>
+                </a:tc>
+              </a:tr>
+            </a:tbl>
+          </a:graphicData>
+        </a:graphic>
+      </p:graphicFrame>
+      <p:graphicFrame>
+        <p:nvGraphicFramePr>
+          <p:cNvPr id="25" name="Table 24"/>
+          <p:cNvGraphicFramePr>
+            <a:graphicFrameLocks noGrp="1"/>
+          </p:cNvGraphicFramePr>
+          <p:nvPr/>
+        </p:nvGraphicFramePr>
+        <p:xfrm>
+          <a:off x="0" y="5196840"/>
+          <a:ext cx="914400" cy="914400"/>
+        </p:xfrm>
+        <a:graphic>
+          <a:graphicData uri="http://schemas.openxmlformats.org/drawingml/2006/table">
+            <a:tbl>
+              <a:tblPr firstRow="1" bandRow="1">
+                <a:tableStyleId>{5C22544A-7EE6-4342-B048-85BDC9FD1C3A}</a:tableStyleId>
+              </a:tblPr>
+              <a:tblGrid>
+                <a:gridCol w="914400"/>
+              </a:tblGrid>
+              <a:tr h="914400">
+                <a:tc>
+                  <a:txBody>
+                    <a:bodyPr/>
+                    <a:lstStyle/>
+                    <a:p>
+                      <a:pPr algn="ctr"/>
+                      <a:r>
+                        <a:rPr lang="en-US" sz="5400" dirty="0" smtClean="0"/>
+                        <a:t>T</a:t>
+                      </a:r>
+                      <a:endParaRPr lang="en-US" sz="5400" dirty="0"/>
+                    </a:p>
+                  </a:txBody>
+                  <a:tcPr anchor="ctr">
+                    <a:lnL w="12700" cap="flat" cmpd="sng" algn="ctr">
+                      <a:solidFill>
+                        <a:schemeClr val="tx1"/>
+                      </a:solidFill>
+                      <a:prstDash val="solid"/>
+                      <a:round/>
+                      <a:headEnd type="none" w="med" len="med"/>
+                      <a:tailEnd type="none" w="med" len="med"/>
+                    </a:lnL>
+                    <a:lnT w="12700" cap="flat" cmpd="sng" algn="ctr">
+                      <a:solidFill>
+                        <a:schemeClr val="tx1"/>
+                      </a:solidFill>
+                      <a:prstDash val="solid"/>
+                      <a:round/>
+                      <a:headEnd type="none" w="med" len="med"/>
+                      <a:tailEnd type="none" w="med" len="med"/>
+                    </a:lnT>
+                    <a:lnB w="12700" cap="flat" cmpd="sng" algn="ctr">
+                      <a:solidFill>
+                        <a:schemeClr val="tx1"/>
+                      </a:solidFill>
+                      <a:prstDash val="solid"/>
+                      <a:round/>
+                      <a:headEnd type="none" w="med" len="med"/>
+                      <a:tailEnd type="none" w="med" len="med"/>
+                    </a:lnB>
+                    <a:solidFill>
+                      <a:schemeClr val="tx1">
+                        <a:lumMod val="95000"/>
+                        <a:lumOff val="5000"/>
+                      </a:schemeClr>
+                    </a:solidFill>
+                  </a:tcPr>
+                </a:tc>
+              </a:tr>
+            </a:tbl>
+          </a:graphicData>
+        </a:graphic>
+      </p:graphicFrame>
+    </p:spTree>
+  </p:cSld>
+  <p:clrMapOvr>
+    <a:masterClrMapping/>
+  </p:clrMapOvr>
+</p:sld>
+</file>
+
+<file path=ppt/slides/slide44.xml><?xml version="1.0" encoding="utf-8"?>
+<p:sld xmlns:a="http://schemas.openxmlformats.org/drawingml/2006/main" xmlns:r="http://schemas.openxmlformats.org/officeDocument/2006/relationships" xmlns:p="http://schemas.openxmlformats.org/presentationml/2006/main">
+  <p:cSld>
+    <p:spTree>
+      <p:nvGrpSpPr>
+        <p:cNvPr id="1" name=""/>
+        <p:cNvGrpSpPr/>
+        <p:nvPr/>
+      </p:nvGrpSpPr>
+      <p:grpSpPr>
+        <a:xfrm>
+          <a:off x="0" y="0"/>
+          <a:ext cx="0" cy="0"/>
+          <a:chOff x="0" y="0"/>
+          <a:chExt cx="0" cy="0"/>
+        </a:xfrm>
+      </p:grpSpPr>
+      <p:graphicFrame>
+        <p:nvGraphicFramePr>
+          <p:cNvPr id="18" name="Table 17"/>
+          <p:cNvGraphicFramePr>
+            <a:graphicFrameLocks noGrp="1"/>
+          </p:cNvGraphicFramePr>
+          <p:nvPr/>
+        </p:nvGraphicFramePr>
+        <p:xfrm>
+          <a:off x="914400" y="472440"/>
+          <a:ext cx="8229600" cy="1737360"/>
+        </p:xfrm>
+        <a:graphic>
+          <a:graphicData uri="http://schemas.openxmlformats.org/drawingml/2006/table">
+            <a:tbl>
+              <a:tblPr firstRow="1" bandRow="1">
+                <a:tableStyleId>{5C22544A-7EE6-4342-B048-85BDC9FD1C3A}</a:tableStyleId>
+              </a:tblPr>
+              <a:tblGrid>
+                <a:gridCol w="8229600"/>
+              </a:tblGrid>
+              <a:tr h="487680">
+                <a:tc>
+                  <a:txBody>
+                    <a:bodyPr/>
+                    <a:lstStyle/>
+                    <a:p>
+                      <a:r>
+                        <a:rPr lang="en-US" b="0" baseline="0" dirty="0" smtClean="0">
+                          <a:solidFill>
+                            <a:schemeClr val="tx1"/>
+                          </a:solidFill>
+                        </a:rPr>
+                        <a:t>What does the function return?</a:t>
+                      </a:r>
+                    </a:p>
+                    <a:p>
+                      <a:r>
+                        <a:rPr lang="en-US" sz="1800" b="0" kern="1200" dirty="0" smtClean="0">
+                          <a:solidFill>
+                            <a:srgbClr val="00B0F0"/>
+                          </a:solidFill>
+                          <a:latin typeface="Courier New" pitchFamily="49" charset="0"/>
+                          <a:ea typeface="+mn-ea"/>
+                          <a:cs typeface="Courier New" pitchFamily="49" charset="0"/>
+                        </a:rPr>
+                        <a:t>f &lt;- function(x=</a:t>
+                      </a:r>
+                      <a:r>
+                        <a:rPr lang="en-US" sz="1800" b="0" kern="1200" dirty="0" err="1" smtClean="0">
+                          <a:solidFill>
+                            <a:srgbClr val="00B0F0"/>
+                          </a:solidFill>
+                          <a:latin typeface="Courier New" pitchFamily="49" charset="0"/>
+                          <a:ea typeface="+mn-ea"/>
+                          <a:cs typeface="Courier New" pitchFamily="49" charset="0"/>
+                        </a:rPr>
+                        <a:t>ls</a:t>
+                      </a:r>
+                      <a:r>
+                        <a:rPr lang="en-US" sz="1800" b="0" kern="1200" dirty="0" smtClean="0">
+                          <a:solidFill>
+                            <a:srgbClr val="00B0F0"/>
+                          </a:solidFill>
+                          <a:latin typeface="Courier New" pitchFamily="49" charset="0"/>
+                          <a:ea typeface="+mn-ea"/>
+                          <a:cs typeface="Courier New" pitchFamily="49" charset="0"/>
+                        </a:rPr>
+                        <a:t>()) {</a:t>
+                      </a:r>
+                    </a:p>
+                    <a:p>
+                      <a:r>
+                        <a:rPr lang="en-US" sz="1800" b="0" kern="1200" dirty="0" smtClean="0">
+                          <a:solidFill>
+                            <a:srgbClr val="00B0F0"/>
+                          </a:solidFill>
+                          <a:latin typeface="Courier New" pitchFamily="49" charset="0"/>
+                          <a:ea typeface="+mn-ea"/>
+                          <a:cs typeface="Courier New" pitchFamily="49" charset="0"/>
+                        </a:rPr>
+                        <a:t>  a &lt;- 9</a:t>
+                      </a:r>
+                    </a:p>
+                    <a:p>
+                      <a:r>
+                        <a:rPr lang="en-US" sz="1800" b="0" kern="1200" dirty="0" smtClean="0">
+                          <a:solidFill>
+                            <a:srgbClr val="00B0F0"/>
+                          </a:solidFill>
+                          <a:latin typeface="Courier New" pitchFamily="49" charset="0"/>
+                          <a:ea typeface="+mn-ea"/>
+                          <a:cs typeface="Courier New" pitchFamily="49" charset="0"/>
+                        </a:rPr>
+                        <a:t>  x</a:t>
+                      </a:r>
+                    </a:p>
+                    <a:p>
+                      <a:r>
+                        <a:rPr lang="en-US" sz="1800" b="0" kern="1200" dirty="0" smtClean="0">
+                          <a:solidFill>
+                            <a:srgbClr val="00B0F0"/>
+                          </a:solidFill>
+                          <a:latin typeface="Courier New" pitchFamily="49" charset="0"/>
+                          <a:ea typeface="+mn-ea"/>
+                          <a:cs typeface="Courier New" pitchFamily="49" charset="0"/>
+                        </a:rPr>
+                        <a:t>}</a:t>
+                      </a:r>
+                    </a:p>
+                    <a:p>
+                      <a:r>
+                        <a:rPr lang="en-US" sz="1800" b="0" kern="1200" dirty="0" smtClean="0">
+                          <a:solidFill>
+                            <a:srgbClr val="00B0F0"/>
+                          </a:solidFill>
+                          <a:latin typeface="Courier New" pitchFamily="49" charset="0"/>
+                          <a:ea typeface="+mn-ea"/>
+                          <a:cs typeface="Courier New" pitchFamily="49" charset="0"/>
+                        </a:rPr>
+                        <a:t>f()</a:t>
+                      </a:r>
+                      <a:endParaRPr lang="pt-BR" sz="1800" b="0" kern="1200" dirty="0" smtClean="0">
+                        <a:solidFill>
+                          <a:srgbClr val="00B0F0"/>
+                        </a:solidFill>
+                        <a:latin typeface="Courier New" pitchFamily="49" charset="0"/>
+                        <a:ea typeface="+mn-ea"/>
+                        <a:cs typeface="Courier New" pitchFamily="49" charset="0"/>
+                      </a:endParaRPr>
+                    </a:p>
+                  </a:txBody>
+                  <a:tcPr>
+                    <a:lnL w="76200" cap="flat" cmpd="sng" algn="ctr">
+                      <a:solidFill>
+                        <a:schemeClr val="bg1">
+                          <a:lumMod val="65000"/>
+                        </a:schemeClr>
+                      </a:solidFill>
+                      <a:prstDash val="solid"/>
+                      <a:round/>
+                      <a:headEnd type="none" w="med" len="med"/>
+                      <a:tailEnd type="none" w="med" len="med"/>
+                    </a:lnL>
+                    <a:lnT w="76200" cap="flat" cmpd="sng" algn="ctr">
+                      <a:solidFill>
+                        <a:schemeClr val="bg1">
+                          <a:lumMod val="65000"/>
+                        </a:schemeClr>
+                      </a:solidFill>
+                      <a:prstDash val="solid"/>
+                      <a:round/>
+                      <a:headEnd type="none" w="med" len="med"/>
+                      <a:tailEnd type="none" w="med" len="med"/>
+                    </a:lnT>
+                    <a:lnB w="76200" cap="flat" cmpd="sng" algn="ctr">
+                      <a:solidFill>
+                        <a:schemeClr val="bg1">
+                          <a:lumMod val="65000"/>
+                        </a:schemeClr>
+                      </a:solidFill>
+                      <a:prstDash val="solid"/>
+                      <a:round/>
+                      <a:headEnd type="none" w="med" len="med"/>
+                      <a:tailEnd type="none" w="med" len="med"/>
+                    </a:lnB>
+                    <a:solidFill>
+                      <a:schemeClr val="bg1"/>
+                    </a:solidFill>
+                  </a:tcPr>
+                </a:tc>
+              </a:tr>
+            </a:tbl>
+          </a:graphicData>
+        </a:graphic>
+      </p:graphicFrame>
+      <p:graphicFrame>
+        <p:nvGraphicFramePr>
+          <p:cNvPr id="20" name="Table 19"/>
+          <p:cNvGraphicFramePr>
+            <a:graphicFrameLocks noGrp="1"/>
+          </p:cNvGraphicFramePr>
+          <p:nvPr/>
+        </p:nvGraphicFramePr>
+        <p:xfrm>
+          <a:off x="914400" y="2560320"/>
+          <a:ext cx="8229600" cy="487680"/>
+        </p:xfrm>
+        <a:graphic>
+          <a:graphicData uri="http://schemas.openxmlformats.org/drawingml/2006/table">
+            <a:tbl>
+              <a:tblPr firstRow="1" bandRow="1">
+                <a:tableStyleId>{5C22544A-7EE6-4342-B048-85BDC9FD1C3A}</a:tableStyleId>
+              </a:tblPr>
+              <a:tblGrid>
+                <a:gridCol w="8229600"/>
+              </a:tblGrid>
+              <a:tr h="487680">
+                <a:tc>
+                  <a:txBody>
+                    <a:bodyPr/>
+                    <a:lstStyle/>
+                    <a:p>
+                      <a:r>
+                        <a:rPr lang="en-US" sz="1800" b="0" kern="1200" baseline="0" dirty="0" err="1" smtClean="0">
+                          <a:solidFill>
+                            <a:srgbClr val="00B0F0"/>
+                          </a:solidFill>
+                          <a:latin typeface="Courier New" pitchFamily="49" charset="0"/>
+                          <a:ea typeface="+mn-ea"/>
+                          <a:cs typeface="Courier New" pitchFamily="49" charset="0"/>
+                        </a:rPr>
+                        <a:t>check_out</a:t>
+                      </a:r>
+                      <a:r>
+                        <a:rPr lang="en-US" sz="1800" b="0" kern="1200" baseline="0" dirty="0" smtClean="0">
+                          <a:solidFill>
+                            <a:srgbClr val="00B0F0"/>
+                          </a:solidFill>
+                          <a:latin typeface="Courier New" pitchFamily="49" charset="0"/>
+                          <a:ea typeface="+mn-ea"/>
+                          <a:cs typeface="Courier New" pitchFamily="49" charset="0"/>
+                        </a:rPr>
+                        <a:t>(‘</a:t>
+                      </a:r>
+                      <a:r>
+                        <a:rPr lang="en-US" sz="1800" b="0" kern="1200" dirty="0" smtClean="0">
+                          <a:solidFill>
+                            <a:srgbClr val="00B0F0"/>
+                          </a:solidFill>
+                          <a:latin typeface="Courier New" pitchFamily="49" charset="0"/>
+                          <a:ea typeface="+mn-ea"/>
+                          <a:cs typeface="Courier New" pitchFamily="49" charset="0"/>
+                        </a:rPr>
+                        <a:t>c(“a”, “x”)’, c(“a”, “x”), “</a:t>
+                      </a:r>
+                      <a:r>
+                        <a:rPr lang="en-US" sz="1800" b="0" kern="1200" dirty="0" err="1" smtClean="0">
+                          <a:solidFill>
+                            <a:srgbClr val="00B0F0"/>
+                          </a:solidFill>
+                          <a:latin typeface="Courier New" pitchFamily="49" charset="0"/>
+                          <a:ea typeface="+mn-ea"/>
+                          <a:cs typeface="Courier New" pitchFamily="49" charset="0"/>
+                        </a:rPr>
+                        <a:t>test_identical</a:t>
+                      </a:r>
+                      <a:r>
+                        <a:rPr lang="en-US" sz="1800" b="0" kern="1200" dirty="0" smtClean="0">
+                          <a:solidFill>
+                            <a:srgbClr val="00B0F0"/>
+                          </a:solidFill>
+                          <a:latin typeface="Courier New" pitchFamily="49" charset="0"/>
+                          <a:ea typeface="+mn-ea"/>
+                          <a:cs typeface="Courier New" pitchFamily="49" charset="0"/>
+                        </a:rPr>
+                        <a:t>”)</a:t>
+                      </a:r>
+                      <a:endParaRPr lang="en-US" sz="1800" b="0" kern="1200" baseline="0" dirty="0" smtClean="0">
+                        <a:solidFill>
+                          <a:schemeClr val="tx1"/>
+                        </a:solidFill>
+                        <a:latin typeface="Courier New" pitchFamily="49" charset="0"/>
+                        <a:ea typeface="+mn-ea"/>
+                        <a:cs typeface="Courier New" pitchFamily="49" charset="0"/>
+                      </a:endParaRPr>
+                    </a:p>
+                  </a:txBody>
+                  <a:tcPr>
+                    <a:lnT w="76200" cap="flat" cmpd="sng" algn="ctr">
+                      <a:solidFill>
+                        <a:schemeClr val="tx1">
+                          <a:lumMod val="50000"/>
+                          <a:lumOff val="50000"/>
+                        </a:schemeClr>
+                      </a:solidFill>
+                      <a:prstDash val="solid"/>
+                      <a:round/>
+                      <a:headEnd type="none" w="med" len="med"/>
+                      <a:tailEnd type="none" w="med" len="med"/>
+                    </a:lnT>
+                    <a:lnB w="76200" cap="flat" cmpd="sng" algn="ctr">
+                      <a:solidFill>
+                        <a:schemeClr val="tx1">
+                          <a:lumMod val="50000"/>
+                          <a:lumOff val="50000"/>
+                        </a:schemeClr>
+                      </a:solidFill>
+                      <a:prstDash val="solid"/>
+                      <a:round/>
+                      <a:headEnd type="none" w="med" len="med"/>
+                      <a:tailEnd type="none" w="med" len="med"/>
+                    </a:lnB>
+                    <a:solidFill>
+                      <a:schemeClr val="bg1"/>
+                    </a:solidFill>
+                  </a:tcPr>
+                </a:tc>
+              </a:tr>
+            </a:tbl>
+          </a:graphicData>
+        </a:graphic>
+      </p:graphicFrame>
+      <p:graphicFrame>
+        <p:nvGraphicFramePr>
+          <p:cNvPr id="22" name="Table 21"/>
+          <p:cNvGraphicFramePr>
+            <a:graphicFrameLocks noGrp="1"/>
+          </p:cNvGraphicFramePr>
+          <p:nvPr/>
+        </p:nvGraphicFramePr>
+        <p:xfrm>
+          <a:off x="914400" y="3931920"/>
+          <a:ext cx="8229600" cy="640080"/>
+        </p:xfrm>
+        <a:graphic>
+          <a:graphicData uri="http://schemas.openxmlformats.org/drawingml/2006/table">
+            <a:tbl>
+              <a:tblPr firstRow="1" bandRow="1">
+                <a:tableStyleId>{5C22544A-7EE6-4342-B048-85BDC9FD1C3A}</a:tableStyleId>
+              </a:tblPr>
+              <a:tblGrid>
+                <a:gridCol w="8229600"/>
+              </a:tblGrid>
+              <a:tr h="487680">
+                <a:tc>
+                  <a:txBody>
+                    <a:bodyPr/>
+                    <a:lstStyle/>
+                    <a:p>
+                      <a:r>
+                        <a:rPr lang="en-US" b="0" baseline="0" dirty="0" smtClean="0">
+                          <a:solidFill>
+                            <a:schemeClr val="tx1"/>
+                          </a:solidFill>
+                          <a:latin typeface="+mn-lt"/>
+                        </a:rPr>
+                        <a:t>Lazy evaluation means arguments are assigned values only when needed. Thus, </a:t>
+                      </a:r>
+                      <a:r>
+                        <a:rPr lang="en-US" sz="1800" b="0" kern="1200" dirty="0" smtClean="0">
+                          <a:solidFill>
+                            <a:srgbClr val="00B0F0"/>
+                          </a:solidFill>
+                          <a:latin typeface="Courier" pitchFamily="49" charset="0"/>
+                          <a:ea typeface="+mn-ea"/>
+                          <a:cs typeface="+mn-cs"/>
+                        </a:rPr>
+                        <a:t>x=</a:t>
+                      </a:r>
+                      <a:r>
+                        <a:rPr lang="en-US" sz="1800" b="0" kern="1200" dirty="0" err="1" smtClean="0">
+                          <a:solidFill>
+                            <a:srgbClr val="00B0F0"/>
+                          </a:solidFill>
+                          <a:latin typeface="Courier" pitchFamily="49" charset="0"/>
+                          <a:ea typeface="+mn-ea"/>
+                          <a:cs typeface="+mn-cs"/>
+                        </a:rPr>
+                        <a:t>ls</a:t>
+                      </a:r>
+                      <a:r>
+                        <a:rPr lang="en-US" sz="1800" b="0" kern="1200" dirty="0" smtClean="0">
+                          <a:solidFill>
+                            <a:srgbClr val="00B0F0"/>
+                          </a:solidFill>
+                          <a:latin typeface="Courier" pitchFamily="49" charset="0"/>
+                          <a:ea typeface="+mn-ea"/>
+                          <a:cs typeface="+mn-cs"/>
+                        </a:rPr>
+                        <a:t>() </a:t>
+                      </a:r>
+                      <a:r>
+                        <a:rPr lang="en-US" b="0" baseline="0" dirty="0" smtClean="0">
+                          <a:solidFill>
+                            <a:schemeClr val="tx1"/>
+                          </a:solidFill>
+                          <a:latin typeface="+mn-lt"/>
+                        </a:rPr>
+                        <a:t>is invoked in the function’s execution environment where </a:t>
+                      </a:r>
+                      <a:r>
+                        <a:rPr lang="en-US" sz="1800" b="0" kern="1200" dirty="0" smtClean="0">
+                          <a:solidFill>
+                            <a:srgbClr val="00B0F0"/>
+                          </a:solidFill>
+                          <a:latin typeface="Courier" pitchFamily="49" charset="0"/>
+                          <a:ea typeface="+mn-ea"/>
+                          <a:cs typeface="+mn-cs"/>
+                        </a:rPr>
+                        <a:t>x</a:t>
+                      </a:r>
+                      <a:r>
+                        <a:rPr lang="en-US" b="0" baseline="0" dirty="0" smtClean="0">
+                          <a:solidFill>
+                            <a:schemeClr val="tx1"/>
+                          </a:solidFill>
+                          <a:latin typeface="+mn-lt"/>
+                        </a:rPr>
+                        <a:t> is requested.</a:t>
+                      </a:r>
+                      <a:endParaRPr lang="en-US" b="0" dirty="0">
+                        <a:solidFill>
+                          <a:srgbClr val="00B0F0"/>
+                        </a:solidFill>
+                        <a:latin typeface="Courier" pitchFamily="49" charset="0"/>
+                      </a:endParaRPr>
+                    </a:p>
+                  </a:txBody>
+                  <a:tcPr>
+                    <a:lnT w="76200" cap="flat" cmpd="sng" algn="ctr">
+                      <a:solidFill>
+                        <a:schemeClr val="tx1">
+                          <a:lumMod val="75000"/>
+                          <a:lumOff val="25000"/>
+                        </a:schemeClr>
+                      </a:solidFill>
+                      <a:prstDash val="solid"/>
+                      <a:round/>
+                      <a:headEnd type="none" w="med" len="med"/>
+                      <a:tailEnd type="none" w="med" len="med"/>
+                    </a:lnT>
+                    <a:lnB w="76200" cap="flat" cmpd="sng" algn="ctr">
+                      <a:solidFill>
+                        <a:schemeClr val="tx1">
+                          <a:lumMod val="75000"/>
+                          <a:lumOff val="25000"/>
+                        </a:schemeClr>
+                      </a:solidFill>
+                      <a:prstDash val="solid"/>
+                      <a:round/>
+                      <a:headEnd type="none" w="med" len="med"/>
+                      <a:tailEnd type="none" w="med" len="med"/>
+                    </a:lnB>
+                    <a:solidFill>
+                      <a:schemeClr val="bg1"/>
+                    </a:solidFill>
+                  </a:tcPr>
+                </a:tc>
+              </a:tr>
+            </a:tbl>
+          </a:graphicData>
+        </a:graphic>
+      </p:graphicFrame>
+      <p:graphicFrame>
+        <p:nvGraphicFramePr>
+          <p:cNvPr id="24" name="Table 23"/>
+          <p:cNvGraphicFramePr>
+            <a:graphicFrameLocks noGrp="1"/>
+          </p:cNvGraphicFramePr>
+          <p:nvPr/>
+        </p:nvGraphicFramePr>
+        <p:xfrm>
+          <a:off x="914400" y="5334000"/>
+          <a:ext cx="8229600" cy="487680"/>
+        </p:xfrm>
+        <a:graphic>
+          <a:graphicData uri="http://schemas.openxmlformats.org/drawingml/2006/table">
+            <a:tbl>
+              <a:tblPr firstRow="1" bandRow="1">
+                <a:tableStyleId>{5C22544A-7EE6-4342-B048-85BDC9FD1C3A}</a:tableStyleId>
+              </a:tblPr>
+              <a:tblGrid>
+                <a:gridCol w="8229600"/>
+              </a:tblGrid>
+              <a:tr h="487680">
+                <a:tc>
+                  <a:txBody>
+                    <a:bodyPr/>
+                    <a:lstStyle/>
+                    <a:p>
+                      <a:r>
+                        <a:rPr lang="en-US" b="0" dirty="0" smtClean="0">
+                          <a:solidFill>
+                            <a:srgbClr val="FF0000"/>
+                          </a:solidFill>
+                        </a:rPr>
+                        <a:t>Default</a:t>
+                      </a:r>
+                      <a:endParaRPr lang="en-US" b="0" dirty="0" smtClean="0">
+                        <a:solidFill>
+                          <a:srgbClr val="FF0000"/>
+                        </a:solidFill>
+                      </a:endParaRPr>
+                    </a:p>
+                  </a:txBody>
+                  <a:tcPr>
+                    <a:lnT w="76200" cap="flat" cmpd="sng" algn="ctr">
+                      <a:solidFill>
+                        <a:schemeClr val="tx1">
+                          <a:lumMod val="95000"/>
+                          <a:lumOff val="5000"/>
+                        </a:schemeClr>
+                      </a:solidFill>
+                      <a:prstDash val="solid"/>
+                      <a:round/>
+                      <a:headEnd type="none" w="med" len="med"/>
+                      <a:tailEnd type="none" w="med" len="med"/>
+                    </a:lnT>
+                    <a:lnB w="76200" cap="flat" cmpd="sng" algn="ctr">
+                      <a:solidFill>
+                        <a:schemeClr val="tx1">
+                          <a:lumMod val="95000"/>
+                          <a:lumOff val="5000"/>
+                        </a:schemeClr>
+                      </a:solidFill>
+                      <a:prstDash val="solid"/>
+                      <a:round/>
+                      <a:headEnd type="none" w="med" len="med"/>
+                      <a:tailEnd type="none" w="med" len="med"/>
+                    </a:lnB>
+                    <a:solidFill>
+                      <a:schemeClr val="bg1"/>
+                    </a:solidFill>
+                  </a:tcPr>
+                </a:tc>
+              </a:tr>
+            </a:tbl>
+          </a:graphicData>
+        </a:graphic>
+      </p:graphicFrame>
+      <p:graphicFrame>
+        <p:nvGraphicFramePr>
+          <p:cNvPr id="14" name="Table 13"/>
+          <p:cNvGraphicFramePr>
+            <a:graphicFrameLocks noGrp="1"/>
+          </p:cNvGraphicFramePr>
+          <p:nvPr/>
+        </p:nvGraphicFramePr>
+        <p:xfrm>
+          <a:off x="0" y="975360"/>
+          <a:ext cx="914400" cy="914400"/>
+        </p:xfrm>
+        <a:graphic>
+          <a:graphicData uri="http://schemas.openxmlformats.org/drawingml/2006/table">
+            <a:tbl>
+              <a:tblPr firstRow="1" bandRow="1">
+                <a:tableStyleId>{5C22544A-7EE6-4342-B048-85BDC9FD1C3A}</a:tableStyleId>
+              </a:tblPr>
+              <a:tblGrid>
+                <a:gridCol w="914400"/>
+              </a:tblGrid>
+              <a:tr h="914400">
+                <a:tc>
+                  <a:txBody>
+                    <a:bodyPr/>
+                    <a:lstStyle/>
+                    <a:p>
+                      <a:pPr algn="ctr"/>
+                      <a:r>
+                        <a:rPr lang="en-US" sz="5400" dirty="0" smtClean="0"/>
+                        <a:t>Q</a:t>
+                      </a:r>
+                      <a:endParaRPr lang="en-US" sz="5400" dirty="0"/>
+                    </a:p>
+                  </a:txBody>
+                  <a:tcPr anchor="ctr">
+                    <a:lnL w="12700" cap="flat" cmpd="sng" algn="ctr">
+                      <a:solidFill>
+                        <a:schemeClr val="tx1"/>
+                      </a:solidFill>
+                      <a:prstDash val="solid"/>
+                      <a:round/>
+                      <a:headEnd type="none" w="med" len="med"/>
+                      <a:tailEnd type="none" w="med" len="med"/>
+                    </a:lnL>
+                    <a:lnT w="12700" cap="flat" cmpd="sng" algn="ctr">
+                      <a:solidFill>
+                        <a:schemeClr val="tx1"/>
+                      </a:solidFill>
+                      <a:prstDash val="solid"/>
+                      <a:round/>
+                      <a:headEnd type="none" w="med" len="med"/>
+                      <a:tailEnd type="none" w="med" len="med"/>
+                    </a:lnT>
+                    <a:lnB w="12700" cap="flat" cmpd="sng" algn="ctr">
+                      <a:solidFill>
+                        <a:schemeClr val="tx1"/>
+                      </a:solidFill>
+                      <a:prstDash val="solid"/>
+                      <a:round/>
+                      <a:headEnd type="none" w="med" len="med"/>
+                      <a:tailEnd type="none" w="med" len="med"/>
+                    </a:lnB>
+                    <a:solidFill>
+                      <a:schemeClr val="bg1">
+                        <a:lumMod val="65000"/>
+                      </a:schemeClr>
+                    </a:solidFill>
+                  </a:tcPr>
+                </a:tc>
+              </a:tr>
+            </a:tbl>
+          </a:graphicData>
+        </a:graphic>
+      </p:graphicFrame>
+      <p:graphicFrame>
+        <p:nvGraphicFramePr>
+          <p:cNvPr id="15" name="Table 14"/>
+          <p:cNvGraphicFramePr>
+            <a:graphicFrameLocks noGrp="1"/>
+          </p:cNvGraphicFramePr>
+          <p:nvPr/>
+        </p:nvGraphicFramePr>
+        <p:xfrm>
+          <a:off x="0" y="2382520"/>
+          <a:ext cx="914400" cy="914400"/>
+        </p:xfrm>
+        <a:graphic>
+          <a:graphicData uri="http://schemas.openxmlformats.org/drawingml/2006/table">
+            <a:tbl>
+              <a:tblPr firstRow="1" bandRow="1">
+                <a:tableStyleId>{5C22544A-7EE6-4342-B048-85BDC9FD1C3A}</a:tableStyleId>
+              </a:tblPr>
+              <a:tblGrid>
+                <a:gridCol w="914400"/>
+              </a:tblGrid>
+              <a:tr h="914400">
+                <a:tc>
+                  <a:txBody>
+                    <a:bodyPr/>
+                    <a:lstStyle/>
+                    <a:p>
+                      <a:pPr algn="ctr"/>
+                      <a:r>
+                        <a:rPr lang="en-US" sz="5400" dirty="0" smtClean="0"/>
+                        <a:t>A</a:t>
+                      </a:r>
+                      <a:endParaRPr lang="en-US" sz="5400" dirty="0"/>
+                    </a:p>
+                  </a:txBody>
+                  <a:tcPr anchor="ctr">
+                    <a:lnL w="12700" cap="flat" cmpd="sng" algn="ctr">
+                      <a:solidFill>
+                        <a:schemeClr val="tx1"/>
+                      </a:solidFill>
+                      <a:prstDash val="solid"/>
+                      <a:round/>
+                      <a:headEnd type="none" w="med" len="med"/>
+                      <a:tailEnd type="none" w="med" len="med"/>
+                    </a:lnL>
+                    <a:lnT w="12700" cap="flat" cmpd="sng" algn="ctr">
+                      <a:solidFill>
+                        <a:schemeClr val="tx1"/>
+                      </a:solidFill>
+                      <a:prstDash val="solid"/>
+                      <a:round/>
+                      <a:headEnd type="none" w="med" len="med"/>
+                      <a:tailEnd type="none" w="med" len="med"/>
+                    </a:lnT>
+                    <a:lnB w="12700" cap="flat" cmpd="sng" algn="ctr">
+                      <a:solidFill>
+                        <a:schemeClr val="tx1"/>
+                      </a:solidFill>
+                      <a:prstDash val="solid"/>
+                      <a:round/>
+                      <a:headEnd type="none" w="med" len="med"/>
+                      <a:tailEnd type="none" w="med" len="med"/>
+                    </a:lnB>
+                    <a:solidFill>
+                      <a:schemeClr val="tx1">
+                        <a:lumMod val="50000"/>
+                        <a:lumOff val="50000"/>
+                      </a:schemeClr>
+                    </a:solidFill>
+                  </a:tcPr>
+                </a:tc>
+              </a:tr>
+            </a:tbl>
+          </a:graphicData>
+        </a:graphic>
+      </p:graphicFrame>
+      <p:graphicFrame>
+        <p:nvGraphicFramePr>
+          <p:cNvPr id="17" name="Table 16"/>
+          <p:cNvGraphicFramePr>
+            <a:graphicFrameLocks noGrp="1"/>
+          </p:cNvGraphicFramePr>
+          <p:nvPr/>
+        </p:nvGraphicFramePr>
+        <p:xfrm>
+          <a:off x="0" y="3789680"/>
+          <a:ext cx="914400" cy="914400"/>
+        </p:xfrm>
+        <a:graphic>
+          <a:graphicData uri="http://schemas.openxmlformats.org/drawingml/2006/table">
+            <a:tbl>
+              <a:tblPr firstRow="1" bandRow="1">
+                <a:tableStyleId>{5C22544A-7EE6-4342-B048-85BDC9FD1C3A}</a:tableStyleId>
+              </a:tblPr>
+              <a:tblGrid>
+                <a:gridCol w="914400"/>
+              </a:tblGrid>
+              <a:tr h="914400">
+                <a:tc>
+                  <a:txBody>
+                    <a:bodyPr/>
+                    <a:lstStyle/>
+                    <a:p>
+                      <a:pPr algn="ctr"/>
+                      <a:r>
+                        <a:rPr lang="en-US" sz="5400" dirty="0" smtClean="0"/>
+                        <a:t>C</a:t>
+                      </a:r>
+                      <a:endParaRPr lang="en-US" sz="5400" dirty="0"/>
+                    </a:p>
+                  </a:txBody>
+                  <a:tcPr anchor="ctr">
+                    <a:lnL w="12700" cap="flat" cmpd="sng" algn="ctr">
+                      <a:solidFill>
+                        <a:schemeClr val="tx1"/>
+                      </a:solidFill>
+                      <a:prstDash val="solid"/>
+                      <a:round/>
+                      <a:headEnd type="none" w="med" len="med"/>
+                      <a:tailEnd type="none" w="med" len="med"/>
+                    </a:lnL>
+                    <a:lnT w="12700" cap="flat" cmpd="sng" algn="ctr">
+                      <a:solidFill>
+                        <a:schemeClr val="tx1"/>
+                      </a:solidFill>
+                      <a:prstDash val="solid"/>
+                      <a:round/>
+                      <a:headEnd type="none" w="med" len="med"/>
+                      <a:tailEnd type="none" w="med" len="med"/>
+                    </a:lnT>
+                    <a:lnB w="12700" cap="flat" cmpd="sng" algn="ctr">
+                      <a:solidFill>
+                        <a:schemeClr val="tx1"/>
+                      </a:solidFill>
+                      <a:prstDash val="solid"/>
+                      <a:round/>
+                      <a:headEnd type="none" w="med" len="med"/>
+                      <a:tailEnd type="none" w="med" len="med"/>
+                    </a:lnB>
+                    <a:solidFill>
+                      <a:schemeClr val="tx1">
+                        <a:lumMod val="75000"/>
+                        <a:lumOff val="25000"/>
+                      </a:schemeClr>
+                    </a:solidFill>
+                  </a:tcPr>
+                </a:tc>
+              </a:tr>
+            </a:tbl>
+          </a:graphicData>
+        </a:graphic>
+      </p:graphicFrame>
+      <p:graphicFrame>
+        <p:nvGraphicFramePr>
+          <p:cNvPr id="25" name="Table 24"/>
+          <p:cNvGraphicFramePr>
+            <a:graphicFrameLocks noGrp="1"/>
+          </p:cNvGraphicFramePr>
+          <p:nvPr/>
+        </p:nvGraphicFramePr>
+        <p:xfrm>
+          <a:off x="0" y="5196840"/>
+          <a:ext cx="914400" cy="914400"/>
+        </p:xfrm>
+        <a:graphic>
+          <a:graphicData uri="http://schemas.openxmlformats.org/drawingml/2006/table">
+            <a:tbl>
+              <a:tblPr firstRow="1" bandRow="1">
+                <a:tableStyleId>{5C22544A-7EE6-4342-B048-85BDC9FD1C3A}</a:tableStyleId>
+              </a:tblPr>
+              <a:tblGrid>
+                <a:gridCol w="914400"/>
+              </a:tblGrid>
+              <a:tr h="914400">
+                <a:tc>
+                  <a:txBody>
+                    <a:bodyPr/>
+                    <a:lstStyle/>
+                    <a:p>
+                      <a:pPr algn="ctr"/>
+                      <a:r>
+                        <a:rPr lang="en-US" sz="5400" dirty="0" smtClean="0"/>
+                        <a:t>T</a:t>
+                      </a:r>
+                      <a:endParaRPr lang="en-US" sz="5400" dirty="0"/>
+                    </a:p>
+                  </a:txBody>
+                  <a:tcPr anchor="ctr">
+                    <a:lnL w="12700" cap="flat" cmpd="sng" algn="ctr">
+                      <a:solidFill>
+                        <a:schemeClr val="tx1"/>
+                      </a:solidFill>
+                      <a:prstDash val="solid"/>
+                      <a:round/>
+                      <a:headEnd type="none" w="med" len="med"/>
+                      <a:tailEnd type="none" w="med" len="med"/>
+                    </a:lnL>
+                    <a:lnT w="12700" cap="flat" cmpd="sng" algn="ctr">
+                      <a:solidFill>
+                        <a:schemeClr val="tx1"/>
+                      </a:solidFill>
+                      <a:prstDash val="solid"/>
+                      <a:round/>
+                      <a:headEnd type="none" w="med" len="med"/>
+                      <a:tailEnd type="none" w="med" len="med"/>
+                    </a:lnT>
+                    <a:lnB w="12700" cap="flat" cmpd="sng" algn="ctr">
+                      <a:solidFill>
+                        <a:schemeClr val="tx1"/>
+                      </a:solidFill>
+                      <a:prstDash val="solid"/>
+                      <a:round/>
+                      <a:headEnd type="none" w="med" len="med"/>
+                      <a:tailEnd type="none" w="med" len="med"/>
+                    </a:lnB>
+                    <a:solidFill>
+                      <a:schemeClr val="tx1">
+                        <a:lumMod val="95000"/>
+                        <a:lumOff val="5000"/>
+                      </a:schemeClr>
+                    </a:solidFill>
+                  </a:tcPr>
+                </a:tc>
+              </a:tr>
+            </a:tbl>
+          </a:graphicData>
+        </a:graphic>
+      </p:graphicFrame>
+    </p:spTree>
+  </p:cSld>
+  <p:clrMapOvr>
+    <a:masterClrMapping/>
+  </p:clrMapOvr>
+</p:sld>
+</file>
+
+<file path=ppt/slides/slide45.xml><?xml version="1.0" encoding="utf-8"?>
+<p:sld xmlns:a="http://schemas.openxmlformats.org/drawingml/2006/main" xmlns:r="http://schemas.openxmlformats.org/officeDocument/2006/relationships" xmlns:p="http://schemas.openxmlformats.org/presentationml/2006/main">
+  <p:cSld>
+    <p:spTree>
+      <p:nvGrpSpPr>
+        <p:cNvPr id="1" name=""/>
+        <p:cNvGrpSpPr/>
+        <p:nvPr/>
+      </p:nvGrpSpPr>
+      <p:grpSpPr>
+        <a:xfrm>
+          <a:off x="0" y="0"/>
+          <a:ext cx="0" cy="0"/>
+          <a:chOff x="0" y="0"/>
+          <a:chExt cx="0" cy="0"/>
+        </a:xfrm>
+      </p:grpSpPr>
+      <p:graphicFrame>
+        <p:nvGraphicFramePr>
+          <p:cNvPr id="18" name="Table 17"/>
+          <p:cNvGraphicFramePr>
+            <a:graphicFrameLocks noGrp="1"/>
+          </p:cNvGraphicFramePr>
+          <p:nvPr/>
+        </p:nvGraphicFramePr>
+        <p:xfrm>
+          <a:off x="914400" y="472440"/>
+          <a:ext cx="8229600" cy="1737360"/>
+        </p:xfrm>
+        <a:graphic>
+          <a:graphicData uri="http://schemas.openxmlformats.org/drawingml/2006/table">
+            <a:tbl>
+              <a:tblPr firstRow="1" bandRow="1">
+                <a:tableStyleId>{5C22544A-7EE6-4342-B048-85BDC9FD1C3A}</a:tableStyleId>
+              </a:tblPr>
+              <a:tblGrid>
+                <a:gridCol w="8229600"/>
+              </a:tblGrid>
+              <a:tr h="487680">
+                <a:tc>
+                  <a:txBody>
+                    <a:bodyPr/>
+                    <a:lstStyle/>
+                    <a:p>
+                      <a:r>
+                        <a:rPr lang="en-US" b="0" baseline="0" dirty="0" smtClean="0">
+                          <a:solidFill>
+                            <a:schemeClr val="tx1"/>
+                          </a:solidFill>
+                        </a:rPr>
+                        <a:t>What does the function return?</a:t>
+                      </a:r>
+                    </a:p>
+                    <a:p>
+                      <a:r>
+                        <a:rPr lang="en-US" sz="1800" b="0" kern="1200" dirty="0" smtClean="0">
+                          <a:solidFill>
+                            <a:srgbClr val="00B0F0"/>
+                          </a:solidFill>
+                          <a:latin typeface="Courier" pitchFamily="49" charset="0"/>
+                          <a:ea typeface="+mn-ea"/>
+                          <a:cs typeface="+mn-cs"/>
+                        </a:rPr>
+                        <a:t>f &lt;- function(x=</a:t>
+                      </a:r>
+                      <a:r>
+                        <a:rPr lang="en-US" sz="1800" b="0" kern="1200" dirty="0" err="1" smtClean="0">
+                          <a:solidFill>
+                            <a:srgbClr val="00B0F0"/>
+                          </a:solidFill>
+                          <a:latin typeface="Courier" pitchFamily="49" charset="0"/>
+                          <a:ea typeface="+mn-ea"/>
+                          <a:cs typeface="+mn-cs"/>
+                        </a:rPr>
+                        <a:t>ls</a:t>
+                      </a:r>
+                      <a:r>
+                        <a:rPr lang="en-US" sz="1800" b="0" kern="1200" dirty="0" smtClean="0">
+                          <a:solidFill>
+                            <a:srgbClr val="00B0F0"/>
+                          </a:solidFill>
+                          <a:latin typeface="Courier" pitchFamily="49" charset="0"/>
+                          <a:ea typeface="+mn-ea"/>
+                          <a:cs typeface="+mn-cs"/>
+                        </a:rPr>
+                        <a:t>()) {</a:t>
+                      </a:r>
+                    </a:p>
+                    <a:p>
+                      <a:r>
+                        <a:rPr lang="en-US" sz="1800" b="0" kern="1200" dirty="0" smtClean="0">
+                          <a:solidFill>
+                            <a:srgbClr val="00B0F0"/>
+                          </a:solidFill>
+                          <a:latin typeface="Courier" pitchFamily="49" charset="0"/>
+                          <a:ea typeface="+mn-ea"/>
+                          <a:cs typeface="+mn-cs"/>
+                        </a:rPr>
+                        <a:t>  a &lt;- 9</a:t>
+                      </a:r>
+                    </a:p>
+                    <a:p>
+                      <a:r>
+                        <a:rPr lang="en-US" sz="1800" b="0" kern="1200" dirty="0" smtClean="0">
+                          <a:solidFill>
+                            <a:srgbClr val="00B0F0"/>
+                          </a:solidFill>
+                          <a:latin typeface="Courier" pitchFamily="49" charset="0"/>
+                          <a:ea typeface="+mn-ea"/>
+                          <a:cs typeface="+mn-cs"/>
+                        </a:rPr>
+                        <a:t>  x</a:t>
+                      </a:r>
+                    </a:p>
+                    <a:p>
+                      <a:r>
+                        <a:rPr lang="en-US" sz="1800" b="0" kern="1200" dirty="0" smtClean="0">
+                          <a:solidFill>
+                            <a:srgbClr val="00B0F0"/>
+                          </a:solidFill>
+                          <a:latin typeface="Courier" pitchFamily="49" charset="0"/>
+                          <a:ea typeface="+mn-ea"/>
+                          <a:cs typeface="+mn-cs"/>
+                        </a:rPr>
+                        <a:t>}</a:t>
+                      </a:r>
+                    </a:p>
+                    <a:p>
+                      <a:r>
+                        <a:rPr lang="en-US" sz="1800" b="0" kern="1200" dirty="0" smtClean="0">
+                          <a:solidFill>
+                            <a:srgbClr val="00B0F0"/>
+                          </a:solidFill>
+                          <a:latin typeface="Courier" pitchFamily="49" charset="0"/>
+                          <a:ea typeface="+mn-ea"/>
+                          <a:cs typeface="+mn-cs"/>
+                        </a:rPr>
+                        <a:t>f()</a:t>
+                      </a:r>
+                      <a:endParaRPr lang="pt-BR" sz="1800" b="0" kern="1200" dirty="0" smtClean="0">
+                        <a:solidFill>
+                          <a:srgbClr val="00B0F0"/>
+                        </a:solidFill>
+                        <a:latin typeface="Courier" pitchFamily="49" charset="0"/>
+                        <a:ea typeface="+mn-ea"/>
+                        <a:cs typeface="+mn-cs"/>
+                      </a:endParaRPr>
+                    </a:p>
+                  </a:txBody>
+                  <a:tcPr>
+                    <a:lnL w="76200" cap="flat" cmpd="sng" algn="ctr">
+                      <a:solidFill>
+                        <a:schemeClr val="bg1">
+                          <a:lumMod val="65000"/>
+                        </a:schemeClr>
+                      </a:solidFill>
+                      <a:prstDash val="solid"/>
+                      <a:round/>
+                      <a:headEnd type="none" w="med" len="med"/>
+                      <a:tailEnd type="none" w="med" len="med"/>
+                    </a:lnL>
+                    <a:lnT w="76200" cap="flat" cmpd="sng" algn="ctr">
+                      <a:solidFill>
+                        <a:schemeClr val="bg1">
+                          <a:lumMod val="65000"/>
+                        </a:schemeClr>
+                      </a:solidFill>
+                      <a:prstDash val="solid"/>
+                      <a:round/>
+                      <a:headEnd type="none" w="med" len="med"/>
+                      <a:tailEnd type="none" w="med" len="med"/>
+                    </a:lnT>
+                    <a:lnB w="76200" cap="flat" cmpd="sng" algn="ctr">
+                      <a:solidFill>
+                        <a:schemeClr val="bg1">
+                          <a:lumMod val="65000"/>
+                        </a:schemeClr>
+                      </a:solidFill>
+                      <a:prstDash val="solid"/>
+                      <a:round/>
+                      <a:headEnd type="none" w="med" len="med"/>
+                      <a:tailEnd type="none" w="med" len="med"/>
+                    </a:lnB>
+                    <a:solidFill>
+                      <a:schemeClr val="bg1"/>
+                    </a:solidFill>
+                  </a:tcPr>
+                </a:tc>
+              </a:tr>
+            </a:tbl>
+          </a:graphicData>
+        </a:graphic>
+      </p:graphicFrame>
+      <p:graphicFrame>
+        <p:nvGraphicFramePr>
+          <p:cNvPr id="20" name="Table 19"/>
+          <p:cNvGraphicFramePr>
+            <a:graphicFrameLocks noGrp="1"/>
+          </p:cNvGraphicFramePr>
+          <p:nvPr/>
+        </p:nvGraphicFramePr>
+        <p:xfrm>
+          <a:off x="914400" y="2560320"/>
+          <a:ext cx="8229600" cy="640080"/>
+        </p:xfrm>
+        <a:graphic>
+          <a:graphicData uri="http://schemas.openxmlformats.org/drawingml/2006/table">
+            <a:tbl>
+              <a:tblPr firstRow="1" bandRow="1">
+                <a:tableStyleId>{5C22544A-7EE6-4342-B048-85BDC9FD1C3A}</a:tableStyleId>
+              </a:tblPr>
+              <a:tblGrid>
+                <a:gridCol w="8229600"/>
+              </a:tblGrid>
+              <a:tr h="487680">
+                <a:tc>
+                  <a:txBody>
+                    <a:bodyPr/>
+                    <a:lstStyle/>
+                    <a:p>
+                      <a:r>
+                        <a:rPr lang="en-US" sz="1800" b="0" kern="1200" dirty="0" smtClean="0">
+                          <a:solidFill>
+                            <a:srgbClr val="00B0F0"/>
+                          </a:solidFill>
+                          <a:latin typeface="Courier" pitchFamily="49" charset="0"/>
+                          <a:ea typeface="+mn-ea"/>
+                          <a:cs typeface="+mn-cs"/>
+                        </a:rPr>
+                        <a:t>Response &lt;- c(“a”, “x”); Answer &lt;- c(“a”, “x”);</a:t>
+                      </a:r>
+                      <a:endParaRPr lang="en-US" sz="1800" b="0" kern="1200" baseline="0" dirty="0" smtClean="0">
+                        <a:solidFill>
+                          <a:srgbClr val="00B0F0"/>
+                        </a:solidFill>
+                        <a:latin typeface="Courier" pitchFamily="49" charset="0"/>
+                        <a:ea typeface="+mn-ea"/>
+                        <a:cs typeface="+mn-cs"/>
+                      </a:endParaRPr>
+                    </a:p>
+                    <a:p>
+                      <a:r>
+                        <a:rPr lang="en-US" sz="1800" b="0" kern="1200" baseline="0" dirty="0" err="1" smtClean="0">
+                          <a:solidFill>
+                            <a:srgbClr val="00B0F0"/>
+                          </a:solidFill>
+                          <a:latin typeface="Courier" pitchFamily="49" charset="0"/>
+                          <a:ea typeface="+mn-ea"/>
+                          <a:cs typeface="+mn-cs"/>
+                        </a:rPr>
+                        <a:t>expect_identical</a:t>
+                      </a:r>
+                      <a:r>
+                        <a:rPr lang="en-US" sz="1800" b="0" kern="1200" baseline="0" dirty="0" smtClean="0">
+                          <a:solidFill>
+                            <a:srgbClr val="00B0F0"/>
+                          </a:solidFill>
+                          <a:latin typeface="Courier" pitchFamily="49" charset="0"/>
+                          <a:ea typeface="+mn-ea"/>
+                          <a:cs typeface="+mn-cs"/>
+                        </a:rPr>
+                        <a:t>(Doppelganger(), Answer);</a:t>
+                      </a:r>
+                      <a:endParaRPr lang="en-US" sz="1800" b="0" kern="1200" baseline="0" dirty="0" smtClean="0">
+                        <a:solidFill>
+                          <a:schemeClr val="tx1"/>
+                        </a:solidFill>
+                        <a:latin typeface="+mn-lt"/>
+                        <a:ea typeface="+mn-ea"/>
+                        <a:cs typeface="+mn-cs"/>
+                      </a:endParaRPr>
+                    </a:p>
+                  </a:txBody>
+                  <a:tcPr>
+                    <a:lnT w="76200" cap="flat" cmpd="sng" algn="ctr">
+                      <a:solidFill>
+                        <a:schemeClr val="tx1">
+                          <a:lumMod val="50000"/>
+                          <a:lumOff val="50000"/>
+                        </a:schemeClr>
+                      </a:solidFill>
+                      <a:prstDash val="solid"/>
+                      <a:round/>
+                      <a:headEnd type="none" w="med" len="med"/>
+                      <a:tailEnd type="none" w="med" len="med"/>
+                    </a:lnT>
+                    <a:lnB w="76200" cap="flat" cmpd="sng" algn="ctr">
+                      <a:solidFill>
+                        <a:schemeClr val="tx1">
+                          <a:lumMod val="50000"/>
+                          <a:lumOff val="50000"/>
+                        </a:schemeClr>
+                      </a:solidFill>
+                      <a:prstDash val="solid"/>
+                      <a:round/>
+                      <a:headEnd type="none" w="med" len="med"/>
+                      <a:tailEnd type="none" w="med" len="med"/>
+                    </a:lnB>
+                    <a:solidFill>
+                      <a:schemeClr val="bg1"/>
+                    </a:solidFill>
+                  </a:tcPr>
+                </a:tc>
+              </a:tr>
+            </a:tbl>
+          </a:graphicData>
+        </a:graphic>
+      </p:graphicFrame>
+      <p:graphicFrame>
+        <p:nvGraphicFramePr>
+          <p:cNvPr id="22" name="Table 21"/>
+          <p:cNvGraphicFramePr>
+            <a:graphicFrameLocks noGrp="1"/>
+          </p:cNvGraphicFramePr>
+          <p:nvPr/>
+        </p:nvGraphicFramePr>
+        <p:xfrm>
+          <a:off x="914400" y="3931920"/>
+          <a:ext cx="8229600" cy="640080"/>
+        </p:xfrm>
+        <a:graphic>
+          <a:graphicData uri="http://schemas.openxmlformats.org/drawingml/2006/table">
+            <a:tbl>
+              <a:tblPr firstRow="1" bandRow="1">
+                <a:tableStyleId>{5C22544A-7EE6-4342-B048-85BDC9FD1C3A}</a:tableStyleId>
+              </a:tblPr>
+              <a:tblGrid>
+                <a:gridCol w="8229600"/>
+              </a:tblGrid>
+              <a:tr h="487680">
+                <a:tc>
+                  <a:txBody>
+                    <a:bodyPr/>
+                    <a:lstStyle/>
+                    <a:p>
+                      <a:r>
+                        <a:rPr lang="en-US" b="0" baseline="0" dirty="0" smtClean="0">
+                          <a:solidFill>
+                            <a:schemeClr val="tx1"/>
+                          </a:solidFill>
+                          <a:latin typeface="+mn-lt"/>
+                        </a:rPr>
+                        <a:t>Lazy evaluation means arguments are assigned values only when needed. Thus, </a:t>
+                      </a:r>
+                      <a:r>
+                        <a:rPr lang="en-US" sz="1800" b="0" kern="1200" dirty="0" smtClean="0">
+                          <a:solidFill>
+                            <a:srgbClr val="00B0F0"/>
+                          </a:solidFill>
+                          <a:latin typeface="Courier" pitchFamily="49" charset="0"/>
+                          <a:ea typeface="+mn-ea"/>
+                          <a:cs typeface="+mn-cs"/>
+                        </a:rPr>
+                        <a:t>x=</a:t>
+                      </a:r>
+                      <a:r>
+                        <a:rPr lang="en-US" sz="1800" b="0" kern="1200" dirty="0" err="1" smtClean="0">
+                          <a:solidFill>
+                            <a:srgbClr val="00B0F0"/>
+                          </a:solidFill>
+                          <a:latin typeface="Courier" pitchFamily="49" charset="0"/>
+                          <a:ea typeface="+mn-ea"/>
+                          <a:cs typeface="+mn-cs"/>
+                        </a:rPr>
+                        <a:t>ls</a:t>
+                      </a:r>
+                      <a:r>
+                        <a:rPr lang="en-US" sz="1800" b="0" kern="1200" dirty="0" smtClean="0">
+                          <a:solidFill>
+                            <a:srgbClr val="00B0F0"/>
+                          </a:solidFill>
+                          <a:latin typeface="Courier" pitchFamily="49" charset="0"/>
+                          <a:ea typeface="+mn-ea"/>
+                          <a:cs typeface="+mn-cs"/>
+                        </a:rPr>
+                        <a:t>() </a:t>
+                      </a:r>
+                      <a:r>
+                        <a:rPr lang="en-US" b="0" baseline="0" dirty="0" smtClean="0">
+                          <a:solidFill>
+                            <a:schemeClr val="tx1"/>
+                          </a:solidFill>
+                          <a:latin typeface="+mn-lt"/>
+                        </a:rPr>
+                        <a:t>is invoked in the function’s execution environment where </a:t>
+                      </a:r>
+                      <a:r>
+                        <a:rPr lang="en-US" sz="1800" b="0" kern="1200" dirty="0" smtClean="0">
+                          <a:solidFill>
+                            <a:srgbClr val="00B0F0"/>
+                          </a:solidFill>
+                          <a:latin typeface="Courier" pitchFamily="49" charset="0"/>
+                          <a:ea typeface="+mn-ea"/>
+                          <a:cs typeface="+mn-cs"/>
+                        </a:rPr>
+                        <a:t>x</a:t>
+                      </a:r>
+                      <a:r>
+                        <a:rPr lang="en-US" b="0" baseline="0" dirty="0" smtClean="0">
+                          <a:solidFill>
+                            <a:schemeClr val="tx1"/>
+                          </a:solidFill>
+                          <a:latin typeface="+mn-lt"/>
+                        </a:rPr>
+                        <a:t> is requested.</a:t>
+                      </a:r>
+                      <a:endParaRPr lang="en-US" b="0" dirty="0">
+                        <a:solidFill>
+                          <a:srgbClr val="00B0F0"/>
+                        </a:solidFill>
+                        <a:latin typeface="Courier" pitchFamily="49" charset="0"/>
+                      </a:endParaRPr>
+                    </a:p>
+                  </a:txBody>
+                  <a:tcPr>
+                    <a:lnT w="76200" cap="flat" cmpd="sng" algn="ctr">
+                      <a:solidFill>
+                        <a:schemeClr val="tx1">
+                          <a:lumMod val="75000"/>
+                          <a:lumOff val="25000"/>
+                        </a:schemeClr>
+                      </a:solidFill>
+                      <a:prstDash val="solid"/>
+                      <a:round/>
+                      <a:headEnd type="none" w="med" len="med"/>
+                      <a:tailEnd type="none" w="med" len="med"/>
+                    </a:lnT>
+                    <a:lnB w="76200" cap="flat" cmpd="sng" algn="ctr">
+                      <a:solidFill>
+                        <a:schemeClr val="tx1">
+                          <a:lumMod val="75000"/>
+                          <a:lumOff val="25000"/>
+                        </a:schemeClr>
+                      </a:solidFill>
+                      <a:prstDash val="solid"/>
+                      <a:round/>
+                      <a:headEnd type="none" w="med" len="med"/>
+                      <a:tailEnd type="none" w="med" len="med"/>
+                    </a:lnB>
+                    <a:solidFill>
+                      <a:schemeClr val="bg1"/>
+                    </a:solidFill>
+                  </a:tcPr>
+                </a:tc>
+              </a:tr>
+            </a:tbl>
+          </a:graphicData>
+        </a:graphic>
+      </p:graphicFrame>
+      <p:graphicFrame>
+        <p:nvGraphicFramePr>
+          <p:cNvPr id="24" name="Table 23"/>
+          <p:cNvGraphicFramePr>
+            <a:graphicFrameLocks noGrp="1"/>
+          </p:cNvGraphicFramePr>
+          <p:nvPr/>
+        </p:nvGraphicFramePr>
+        <p:xfrm>
+          <a:off x="914400" y="5334000"/>
+          <a:ext cx="8229600" cy="487680"/>
+        </p:xfrm>
+        <a:graphic>
+          <a:graphicData uri="http://schemas.openxmlformats.org/drawingml/2006/table">
+            <a:tbl>
+              <a:tblPr firstRow="1" bandRow="1">
+                <a:tableStyleId>{5C22544A-7EE6-4342-B048-85BDC9FD1C3A}</a:tableStyleId>
+              </a:tblPr>
+              <a:tblGrid>
+                <a:gridCol w="8229600"/>
+              </a:tblGrid>
+              <a:tr h="487680">
+                <a:tc>
+                  <a:txBody>
+                    <a:bodyPr/>
+                    <a:lstStyle/>
+                    <a:p>
+                      <a:r>
+                        <a:rPr lang="en-US" b="0" dirty="0" smtClean="0">
+                          <a:solidFill>
+                            <a:srgbClr val="FF0000"/>
+                          </a:solidFill>
+                        </a:rPr>
+                        <a:t>Default</a:t>
+                      </a:r>
+                      <a:endParaRPr lang="en-US" b="0" dirty="0" smtClean="0">
+                        <a:solidFill>
+                          <a:srgbClr val="FF0000"/>
+                        </a:solidFill>
+                      </a:endParaRPr>
+                    </a:p>
+                  </a:txBody>
+                  <a:tcPr>
+                    <a:lnT w="76200" cap="flat" cmpd="sng" algn="ctr">
+                      <a:solidFill>
+                        <a:schemeClr val="tx1">
+                          <a:lumMod val="95000"/>
+                          <a:lumOff val="5000"/>
+                        </a:schemeClr>
+                      </a:solidFill>
+                      <a:prstDash val="solid"/>
+                      <a:round/>
+                      <a:headEnd type="none" w="med" len="med"/>
+                      <a:tailEnd type="none" w="med" len="med"/>
+                    </a:lnT>
+                    <a:lnB w="76200" cap="flat" cmpd="sng" algn="ctr">
+                      <a:solidFill>
+                        <a:schemeClr val="tx1">
+                          <a:lumMod val="95000"/>
+                          <a:lumOff val="5000"/>
+                        </a:schemeClr>
+                      </a:solidFill>
+                      <a:prstDash val="solid"/>
+                      <a:round/>
+                      <a:headEnd type="none" w="med" len="med"/>
+                      <a:tailEnd type="none" w="med" len="med"/>
+                    </a:lnB>
+                    <a:solidFill>
+                      <a:schemeClr val="bg1"/>
+                    </a:solidFill>
+                  </a:tcPr>
+                </a:tc>
+              </a:tr>
+            </a:tbl>
+          </a:graphicData>
+        </a:graphic>
+      </p:graphicFrame>
+      <p:graphicFrame>
+        <p:nvGraphicFramePr>
+          <p:cNvPr id="14" name="Table 13"/>
+          <p:cNvGraphicFramePr>
+            <a:graphicFrameLocks noGrp="1"/>
+          </p:cNvGraphicFramePr>
+          <p:nvPr/>
+        </p:nvGraphicFramePr>
+        <p:xfrm>
+          <a:off x="0" y="975360"/>
+          <a:ext cx="914400" cy="914400"/>
+        </p:xfrm>
+        <a:graphic>
+          <a:graphicData uri="http://schemas.openxmlformats.org/drawingml/2006/table">
+            <a:tbl>
+              <a:tblPr firstRow="1" bandRow="1">
+                <a:tableStyleId>{5C22544A-7EE6-4342-B048-85BDC9FD1C3A}</a:tableStyleId>
+              </a:tblPr>
+              <a:tblGrid>
+                <a:gridCol w="914400"/>
+              </a:tblGrid>
+              <a:tr h="914400">
+                <a:tc>
+                  <a:txBody>
+                    <a:bodyPr/>
+                    <a:lstStyle/>
+                    <a:p>
+                      <a:pPr algn="ctr"/>
+                      <a:r>
+                        <a:rPr lang="en-US" sz="5400" dirty="0" smtClean="0"/>
+                        <a:t>Q</a:t>
+                      </a:r>
+                      <a:endParaRPr lang="en-US" sz="5400" dirty="0"/>
+                    </a:p>
+                  </a:txBody>
+                  <a:tcPr anchor="ctr">
+                    <a:lnL w="12700" cap="flat" cmpd="sng" algn="ctr">
+                      <a:solidFill>
+                        <a:schemeClr val="tx1"/>
+                      </a:solidFill>
+                      <a:prstDash val="solid"/>
+                      <a:round/>
+                      <a:headEnd type="none" w="med" len="med"/>
+                      <a:tailEnd type="none" w="med" len="med"/>
+                    </a:lnL>
+                    <a:lnT w="12700" cap="flat" cmpd="sng" algn="ctr">
+                      <a:solidFill>
+                        <a:schemeClr val="tx1"/>
+                      </a:solidFill>
+                      <a:prstDash val="solid"/>
+                      <a:round/>
+                      <a:headEnd type="none" w="med" len="med"/>
+                      <a:tailEnd type="none" w="med" len="med"/>
+                    </a:lnT>
+                    <a:lnB w="12700" cap="flat" cmpd="sng" algn="ctr">
+                      <a:solidFill>
+                        <a:schemeClr val="tx1"/>
+                      </a:solidFill>
+                      <a:prstDash val="solid"/>
+                      <a:round/>
+                      <a:headEnd type="none" w="med" len="med"/>
+                      <a:tailEnd type="none" w="med" len="med"/>
+                    </a:lnB>
+                    <a:solidFill>
+                      <a:schemeClr val="bg1">
+                        <a:lumMod val="65000"/>
+                      </a:schemeClr>
+                    </a:solidFill>
+                  </a:tcPr>
+                </a:tc>
+              </a:tr>
+            </a:tbl>
+          </a:graphicData>
+        </a:graphic>
+      </p:graphicFrame>
+      <p:graphicFrame>
+        <p:nvGraphicFramePr>
+          <p:cNvPr id="15" name="Table 14"/>
+          <p:cNvGraphicFramePr>
+            <a:graphicFrameLocks noGrp="1"/>
+          </p:cNvGraphicFramePr>
+          <p:nvPr/>
+        </p:nvGraphicFramePr>
+        <p:xfrm>
+          <a:off x="0" y="2382520"/>
+          <a:ext cx="914400" cy="914400"/>
+        </p:xfrm>
+        <a:graphic>
+          <a:graphicData uri="http://schemas.openxmlformats.org/drawingml/2006/table">
+            <a:tbl>
+              <a:tblPr firstRow="1" bandRow="1">
+                <a:tableStyleId>{5C22544A-7EE6-4342-B048-85BDC9FD1C3A}</a:tableStyleId>
+              </a:tblPr>
+              <a:tblGrid>
+                <a:gridCol w="914400"/>
+              </a:tblGrid>
+              <a:tr h="914400">
+                <a:tc>
+                  <a:txBody>
+                    <a:bodyPr/>
+                    <a:lstStyle/>
+                    <a:p>
+                      <a:pPr algn="ctr"/>
+                      <a:r>
+                        <a:rPr lang="en-US" sz="5400" dirty="0" smtClean="0"/>
+                        <a:t>A</a:t>
+                      </a:r>
+                      <a:endParaRPr lang="en-US" sz="5400" dirty="0"/>
+                    </a:p>
+                  </a:txBody>
+                  <a:tcPr anchor="ctr">
+                    <a:lnL w="12700" cap="flat" cmpd="sng" algn="ctr">
+                      <a:solidFill>
+                        <a:schemeClr val="tx1"/>
+                      </a:solidFill>
+                      <a:prstDash val="solid"/>
+                      <a:round/>
+                      <a:headEnd type="none" w="med" len="med"/>
+                      <a:tailEnd type="none" w="med" len="med"/>
+                    </a:lnL>
+                    <a:lnT w="12700" cap="flat" cmpd="sng" algn="ctr">
+                      <a:solidFill>
+                        <a:schemeClr val="tx1"/>
+                      </a:solidFill>
+                      <a:prstDash val="solid"/>
+                      <a:round/>
+                      <a:headEnd type="none" w="med" len="med"/>
+                      <a:tailEnd type="none" w="med" len="med"/>
+                    </a:lnT>
+                    <a:lnB w="12700" cap="flat" cmpd="sng" algn="ctr">
+                      <a:solidFill>
+                        <a:schemeClr val="tx1"/>
+                      </a:solidFill>
+                      <a:prstDash val="solid"/>
+                      <a:round/>
+                      <a:headEnd type="none" w="med" len="med"/>
+                      <a:tailEnd type="none" w="med" len="med"/>
+                    </a:lnB>
+                    <a:solidFill>
+                      <a:schemeClr val="tx1">
+                        <a:lumMod val="50000"/>
+                        <a:lumOff val="50000"/>
+                      </a:schemeClr>
+                    </a:solidFill>
+                  </a:tcPr>
+                </a:tc>
+              </a:tr>
+            </a:tbl>
+          </a:graphicData>
+        </a:graphic>
+      </p:graphicFrame>
+      <p:graphicFrame>
+        <p:nvGraphicFramePr>
+          <p:cNvPr id="17" name="Table 16"/>
+          <p:cNvGraphicFramePr>
+            <a:graphicFrameLocks noGrp="1"/>
+          </p:cNvGraphicFramePr>
+          <p:nvPr/>
+        </p:nvGraphicFramePr>
+        <p:xfrm>
+          <a:off x="0" y="3789680"/>
+          <a:ext cx="914400" cy="914400"/>
+        </p:xfrm>
+        <a:graphic>
+          <a:graphicData uri="http://schemas.openxmlformats.org/drawingml/2006/table">
+            <a:tbl>
+              <a:tblPr firstRow="1" bandRow="1">
+                <a:tableStyleId>{5C22544A-7EE6-4342-B048-85BDC9FD1C3A}</a:tableStyleId>
+              </a:tblPr>
+              <a:tblGrid>
+                <a:gridCol w="914400"/>
+              </a:tblGrid>
+              <a:tr h="914400">
+                <a:tc>
+                  <a:txBody>
+                    <a:bodyPr/>
+                    <a:lstStyle/>
+                    <a:p>
+                      <a:pPr algn="ctr"/>
+                      <a:r>
+                        <a:rPr lang="en-US" sz="5400" dirty="0" smtClean="0"/>
+                        <a:t>C</a:t>
+                      </a:r>
+                      <a:endParaRPr lang="en-US" sz="5400" dirty="0"/>
+                    </a:p>
+                  </a:txBody>
+                  <a:tcPr anchor="ctr">
+                    <a:lnL w="12700" cap="flat" cmpd="sng" algn="ctr">
+                      <a:solidFill>
+                        <a:schemeClr val="tx1"/>
+                      </a:solidFill>
+                      <a:prstDash val="solid"/>
+                      <a:round/>
+                      <a:headEnd type="none" w="med" len="med"/>
+                      <a:tailEnd type="none" w="med" len="med"/>
+                    </a:lnL>
+                    <a:lnT w="12700" cap="flat" cmpd="sng" algn="ctr">
+                      <a:solidFill>
+                        <a:schemeClr val="tx1"/>
+                      </a:solidFill>
+                      <a:prstDash val="solid"/>
+                      <a:round/>
+                      <a:headEnd type="none" w="med" len="med"/>
+                      <a:tailEnd type="none" w="med" len="med"/>
+                    </a:lnT>
+                    <a:lnB w="12700" cap="flat" cmpd="sng" algn="ctr">
+                      <a:solidFill>
+                        <a:schemeClr val="tx1"/>
+                      </a:solidFill>
+                      <a:prstDash val="solid"/>
+                      <a:round/>
+                      <a:headEnd type="none" w="med" len="med"/>
+                      <a:tailEnd type="none" w="med" len="med"/>
+                    </a:lnB>
+                    <a:solidFill>
+                      <a:schemeClr val="tx1">
+                        <a:lumMod val="75000"/>
+                        <a:lumOff val="25000"/>
+                      </a:schemeClr>
+                    </a:solidFill>
+                  </a:tcPr>
+                </a:tc>
+              </a:tr>
+            </a:tbl>
+          </a:graphicData>
+        </a:graphic>
+      </p:graphicFrame>
+      <p:graphicFrame>
+        <p:nvGraphicFramePr>
+          <p:cNvPr id="25" name="Table 24"/>
+          <p:cNvGraphicFramePr>
+            <a:graphicFrameLocks noGrp="1"/>
+          </p:cNvGraphicFramePr>
+          <p:nvPr/>
+        </p:nvGraphicFramePr>
+        <p:xfrm>
+          <a:off x="0" y="5196840"/>
+          <a:ext cx="914400" cy="914400"/>
+        </p:xfrm>
+        <a:graphic>
+          <a:graphicData uri="http://schemas.openxmlformats.org/drawingml/2006/table">
+            <a:tbl>
+              <a:tblPr firstRow="1" bandRow="1">
+                <a:tableStyleId>{5C22544A-7EE6-4342-B048-85BDC9FD1C3A}</a:tableStyleId>
+              </a:tblPr>
+              <a:tblGrid>
+                <a:gridCol w="914400"/>
+              </a:tblGrid>
+              <a:tr h="914400">
+                <a:tc>
+                  <a:txBody>
+                    <a:bodyPr/>
+                    <a:lstStyle/>
+                    <a:p>
+                      <a:pPr algn="ctr"/>
+                      <a:r>
+                        <a:rPr lang="en-US" sz="5400" dirty="0" smtClean="0"/>
+                        <a:t>T</a:t>
+                      </a:r>
+                      <a:endParaRPr lang="en-US" sz="5400" dirty="0"/>
+                    </a:p>
+                  </a:txBody>
+                  <a:tcPr anchor="ctr">
+                    <a:lnL w="12700" cap="flat" cmpd="sng" algn="ctr">
+                      <a:solidFill>
+                        <a:schemeClr val="tx1"/>
+                      </a:solidFill>
+                      <a:prstDash val="solid"/>
+                      <a:round/>
+                      <a:headEnd type="none" w="med" len="med"/>
+                      <a:tailEnd type="none" w="med" len="med"/>
+                    </a:lnL>
+                    <a:lnT w="12700" cap="flat" cmpd="sng" algn="ctr">
+                      <a:solidFill>
+                        <a:schemeClr val="tx1"/>
+                      </a:solidFill>
+                      <a:prstDash val="solid"/>
+                      <a:round/>
+                      <a:headEnd type="none" w="med" len="med"/>
+                      <a:tailEnd type="none" w="med" len="med"/>
+                    </a:lnT>
+                    <a:lnB w="12700" cap="flat" cmpd="sng" algn="ctr">
+                      <a:solidFill>
+                        <a:schemeClr val="tx1"/>
+                      </a:solidFill>
+                      <a:prstDash val="solid"/>
+                      <a:round/>
+                      <a:headEnd type="none" w="med" len="med"/>
+                      <a:tailEnd type="none" w="med" len="med"/>
+                    </a:lnB>
+                    <a:solidFill>
+                      <a:schemeClr val="tx1">
+                        <a:lumMod val="95000"/>
+                        <a:lumOff val="5000"/>
+                      </a:schemeClr>
+                    </a:solidFill>
+                  </a:tcPr>
+                </a:tc>
+              </a:tr>
+            </a:tbl>
+          </a:graphicData>
+        </a:graphic>
+      </p:graphicFrame>
+    </p:spTree>
+  </p:cSld>
+  <p:clrMapOvr>
+    <a:masterClrMapping/>
+  </p:clrMapOvr>
+</p:sld>
+</file>
+
+<file path=ppt/slides/slide46.xml><?xml version="1.0" encoding="utf-8"?>
 <p:sld xmlns:a="http://schemas.openxmlformats.org/drawingml/2006/main" xmlns:r="http://schemas.openxmlformats.org/officeDocument/2006/relationships" xmlns:p="http://schemas.openxmlformats.org/presentationml/2006/main">
   <p:cSld>
     <p:bg>
@@ -25240,7 +31827,756 @@
 </p:sld>
 </file>
 
-<file path=ppt/slides/slide39.xml><?xml version="1.0" encoding="utf-8"?>
+<file path=ppt/slides/slide47.xml><?xml version="1.0" encoding="utf-8"?>
+<p:sld xmlns:a="http://schemas.openxmlformats.org/drawingml/2006/main" xmlns:r="http://schemas.openxmlformats.org/officeDocument/2006/relationships" xmlns:p="http://schemas.openxmlformats.org/presentationml/2006/main">
+  <p:cSld>
+    <p:bg>
+      <p:bgPr>
+        <a:solidFill>
+          <a:schemeClr val="bg1"/>
+        </a:solidFill>
+        <a:effectLst/>
+      </p:bgPr>
+    </p:bg>
+    <p:spTree>
+      <p:nvGrpSpPr>
+        <p:cNvPr id="1" name=""/>
+        <p:cNvGrpSpPr/>
+        <p:nvPr/>
+      </p:nvGrpSpPr>
+      <p:grpSpPr>
+        <a:xfrm>
+          <a:off x="0" y="0"/>
+          <a:ext cx="0" cy="0"/>
+          <a:chOff x="0" y="0"/>
+          <a:chExt cx="0" cy="0"/>
+        </a:xfrm>
+      </p:grpSpPr>
+      <p:graphicFrame>
+        <p:nvGraphicFramePr>
+          <p:cNvPr id="2" name="Table 1"/>
+          <p:cNvGraphicFramePr>
+            <a:graphicFrameLocks noGrp="1"/>
+          </p:cNvGraphicFramePr>
+          <p:nvPr/>
+        </p:nvGraphicFramePr>
+        <p:xfrm>
+          <a:off x="0" y="1524000"/>
+          <a:ext cx="9144000" cy="4206240"/>
+        </p:xfrm>
+        <a:graphic>
+          <a:graphicData uri="http://schemas.openxmlformats.org/drawingml/2006/table">
+            <a:tbl>
+              <a:tblPr firstRow="1" bandRow="1">
+                <a:tableStyleId>{5C22544A-7EE6-4342-B048-85BDC9FD1C3A}</a:tableStyleId>
+              </a:tblPr>
+              <a:tblGrid>
+                <a:gridCol w="9144000"/>
+              </a:tblGrid>
+              <a:tr h="487680">
+                <a:tc>
+                  <a:txBody>
+                    <a:bodyPr/>
+                    <a:lstStyle/>
+                    <a:p>
+                      <a:r>
+                        <a:rPr lang="en-US" sz="1800" b="0" kern="1200" dirty="0" smtClean="0">
+                          <a:solidFill>
+                            <a:srgbClr val="00B0F0"/>
+                          </a:solidFill>
+                          <a:latin typeface="Courier New" pitchFamily="49" charset="0"/>
+                          <a:ea typeface="+mn-ea"/>
+                          <a:cs typeface="Courier New" pitchFamily="49" charset="0"/>
+                        </a:rPr>
+                        <a:t>library(</a:t>
+                      </a:r>
+                      <a:r>
+                        <a:rPr lang="en-US" sz="1800" b="0" kern="1200" dirty="0" err="1" smtClean="0">
+                          <a:solidFill>
+                            <a:srgbClr val="00B0F0"/>
+                          </a:solidFill>
+                          <a:latin typeface="Courier New" pitchFamily="49" charset="0"/>
+                          <a:ea typeface="+mn-ea"/>
+                          <a:cs typeface="Courier New" pitchFamily="49" charset="0"/>
+                        </a:rPr>
+                        <a:t>testthat</a:t>
+                      </a:r>
+                      <a:r>
+                        <a:rPr lang="en-US" sz="1800" b="0" kern="1200" dirty="0" smtClean="0">
+                          <a:solidFill>
+                            <a:srgbClr val="00B0F0"/>
+                          </a:solidFill>
+                          <a:latin typeface="Courier New" pitchFamily="49" charset="0"/>
+                          <a:ea typeface="+mn-ea"/>
+                          <a:cs typeface="Courier New" pitchFamily="49" charset="0"/>
+                        </a:rPr>
+                        <a:t>)</a:t>
+                      </a:r>
+                    </a:p>
+                    <a:p>
+                      <a:r>
+                        <a:rPr lang="en-US" sz="1800" b="0" kern="1200" dirty="0" err="1" smtClean="0">
+                          <a:solidFill>
+                            <a:srgbClr val="00B0F0"/>
+                          </a:solidFill>
+                          <a:latin typeface="Courier New" pitchFamily="49" charset="0"/>
+                          <a:ea typeface="+mn-ea"/>
+                          <a:cs typeface="Courier New" pitchFamily="49" charset="0"/>
+                        </a:rPr>
+                        <a:t>checks_out</a:t>
+                      </a:r>
+                      <a:r>
+                        <a:rPr lang="en-US" sz="1800" b="0" kern="1200" dirty="0" smtClean="0">
+                          <a:solidFill>
+                            <a:srgbClr val="00B0F0"/>
+                          </a:solidFill>
+                          <a:latin typeface="Courier New" pitchFamily="49" charset="0"/>
+                          <a:ea typeface="+mn-ea"/>
+                          <a:cs typeface="Courier New" pitchFamily="49" charset="0"/>
+                        </a:rPr>
+                        <a:t> &lt;- function(Response, Answer, </a:t>
+                      </a:r>
+                      <a:r>
+                        <a:rPr lang="en-US" sz="1800" b="0" kern="1200" dirty="0" err="1" smtClean="0">
+                          <a:solidFill>
+                            <a:srgbClr val="00B0F0"/>
+                          </a:solidFill>
+                          <a:latin typeface="Courier New" pitchFamily="49" charset="0"/>
+                          <a:ea typeface="+mn-ea"/>
+                          <a:cs typeface="Courier New" pitchFamily="49" charset="0"/>
+                        </a:rPr>
+                        <a:t>Testfun</a:t>
+                      </a:r>
+                      <a:r>
+                        <a:rPr lang="en-US" sz="1800" b="0" kern="1200" dirty="0" smtClean="0">
+                          <a:solidFill>
+                            <a:srgbClr val="00B0F0"/>
+                          </a:solidFill>
+                          <a:latin typeface="Courier New" pitchFamily="49" charset="0"/>
+                          <a:ea typeface="+mn-ea"/>
+                          <a:cs typeface="Courier New" pitchFamily="49" charset="0"/>
+                        </a:rPr>
+                        <a:t>="</a:t>
+                      </a:r>
+                      <a:r>
+                        <a:rPr lang="en-US" sz="1800" b="0" kern="1200" dirty="0" err="1" smtClean="0">
+                          <a:solidFill>
+                            <a:srgbClr val="00B0F0"/>
+                          </a:solidFill>
+                          <a:latin typeface="Courier New" pitchFamily="49" charset="0"/>
+                          <a:ea typeface="+mn-ea"/>
+                          <a:cs typeface="Courier New" pitchFamily="49" charset="0"/>
+                        </a:rPr>
+                        <a:t>expect_equal</a:t>
+                      </a:r>
+                      <a:r>
+                        <a:rPr lang="en-US" sz="1800" b="0" kern="1200" dirty="0" smtClean="0">
+                          <a:solidFill>
+                            <a:srgbClr val="00B0F0"/>
+                          </a:solidFill>
+                          <a:latin typeface="Courier New" pitchFamily="49" charset="0"/>
+                          <a:ea typeface="+mn-ea"/>
+                          <a:cs typeface="Courier New" pitchFamily="49" charset="0"/>
+                        </a:rPr>
+                        <a:t>") {</a:t>
+                      </a:r>
+                    </a:p>
+                    <a:p>
+                      <a:r>
+                        <a:rPr lang="en-US" sz="1800" b="0" kern="1200" dirty="0" smtClean="0">
+                          <a:solidFill>
+                            <a:srgbClr val="00B0F0"/>
+                          </a:solidFill>
+                          <a:latin typeface="Courier New" pitchFamily="49" charset="0"/>
+                          <a:ea typeface="+mn-ea"/>
+                          <a:cs typeface="Courier New" pitchFamily="49" charset="0"/>
+                        </a:rPr>
+                        <a:t>  </a:t>
+                      </a:r>
+                      <a:r>
+                        <a:rPr lang="en-US" sz="1800" b="0" kern="1200" dirty="0" err="1" smtClean="0">
+                          <a:solidFill>
+                            <a:srgbClr val="00B0F0"/>
+                          </a:solidFill>
+                          <a:latin typeface="Courier New" pitchFamily="49" charset="0"/>
+                          <a:ea typeface="+mn-ea"/>
+                          <a:cs typeface="Courier New" pitchFamily="49" charset="0"/>
+                        </a:rPr>
+                        <a:t>stopifnot</a:t>
+                      </a:r>
+                      <a:r>
+                        <a:rPr lang="en-US" sz="1800" b="0" kern="1200" dirty="0" smtClean="0">
+                          <a:solidFill>
+                            <a:srgbClr val="00B0F0"/>
+                          </a:solidFill>
+                          <a:latin typeface="Courier New" pitchFamily="49" charset="0"/>
+                          <a:ea typeface="+mn-ea"/>
+                          <a:cs typeface="Courier New" pitchFamily="49" charset="0"/>
+                        </a:rPr>
+                        <a:t>(!missing(Response), !missing(Answer));</a:t>
+                      </a:r>
+                    </a:p>
+                    <a:p>
+                      <a:r>
+                        <a:rPr lang="en-US" sz="1800" b="0" kern="1200" dirty="0" smtClean="0">
+                          <a:solidFill>
+                            <a:srgbClr val="00B0F0"/>
+                          </a:solidFill>
+                          <a:latin typeface="Courier New" pitchFamily="49" charset="0"/>
+                          <a:ea typeface="+mn-ea"/>
+                          <a:cs typeface="Courier New" pitchFamily="49" charset="0"/>
+                        </a:rPr>
+                        <a:t>  Doppelganger &lt;- function() {}</a:t>
+                      </a:r>
+                    </a:p>
+                    <a:p>
+                      <a:r>
+                        <a:rPr lang="en-US" sz="1800" b="0" kern="1200" dirty="0" smtClean="0">
+                          <a:solidFill>
+                            <a:srgbClr val="00B0F0"/>
+                          </a:solidFill>
+                          <a:latin typeface="Courier New" pitchFamily="49" charset="0"/>
+                          <a:ea typeface="+mn-ea"/>
+                          <a:cs typeface="Courier New" pitchFamily="49" charset="0"/>
+                        </a:rPr>
+                        <a:t>  body(Doppelganger) &lt;- parse(text=Response)</a:t>
+                      </a:r>
+                    </a:p>
+                    <a:p>
+                      <a:r>
+                        <a:rPr lang="en-US" sz="1800" b="0" kern="1200" dirty="0" smtClean="0">
+                          <a:solidFill>
+                            <a:srgbClr val="00B0F0"/>
+                          </a:solidFill>
+                          <a:latin typeface="Courier New" pitchFamily="49" charset="0"/>
+                          <a:ea typeface="+mn-ea"/>
+                          <a:cs typeface="Courier New" pitchFamily="49" charset="0"/>
+                        </a:rPr>
+                        <a:t>  </a:t>
+                      </a:r>
+                      <a:r>
+                        <a:rPr lang="en-US" sz="1800" b="0" kern="1200" dirty="0" err="1" smtClean="0">
+                          <a:solidFill>
+                            <a:srgbClr val="00B0F0"/>
+                          </a:solidFill>
+                          <a:latin typeface="Courier New" pitchFamily="49" charset="0"/>
+                          <a:ea typeface="+mn-ea"/>
+                          <a:cs typeface="Courier New" pitchFamily="49" charset="0"/>
+                        </a:rPr>
+                        <a:t>test_that</a:t>
+                      </a:r>
+                      <a:r>
+                        <a:rPr lang="en-US" sz="1800" b="0" kern="1200" dirty="0" smtClean="0">
+                          <a:solidFill>
+                            <a:srgbClr val="00B0F0"/>
+                          </a:solidFill>
+                          <a:latin typeface="Courier New" pitchFamily="49" charset="0"/>
+                          <a:ea typeface="+mn-ea"/>
+                          <a:cs typeface="Courier New" pitchFamily="49" charset="0"/>
+                        </a:rPr>
+                        <a:t>("Response is correct", {</a:t>
+                      </a:r>
+                    </a:p>
+                    <a:p>
+                      <a:r>
+                        <a:rPr lang="en-US" sz="1800" b="0" kern="1200" dirty="0" smtClean="0">
+                          <a:solidFill>
+                            <a:srgbClr val="00B0F0"/>
+                          </a:solidFill>
+                          <a:latin typeface="Courier New" pitchFamily="49" charset="0"/>
+                          <a:ea typeface="+mn-ea"/>
+                          <a:cs typeface="Courier New" pitchFamily="49" charset="0"/>
+                        </a:rPr>
+                        <a:t>    </a:t>
+                      </a:r>
+                      <a:r>
+                        <a:rPr lang="en-US" sz="1800" b="0" kern="1200" dirty="0" err="1" smtClean="0">
+                          <a:solidFill>
+                            <a:srgbClr val="00B0F0"/>
+                          </a:solidFill>
+                          <a:latin typeface="Courier New" pitchFamily="49" charset="0"/>
+                          <a:ea typeface="+mn-ea"/>
+                          <a:cs typeface="Courier New" pitchFamily="49" charset="0"/>
+                        </a:rPr>
+                        <a:t>do.call</a:t>
+                      </a:r>
+                      <a:r>
+                        <a:rPr lang="en-US" sz="1800" b="0" kern="1200" dirty="0" smtClean="0">
+                          <a:solidFill>
+                            <a:srgbClr val="00B0F0"/>
+                          </a:solidFill>
+                          <a:latin typeface="Courier New" pitchFamily="49" charset="0"/>
+                          <a:ea typeface="+mn-ea"/>
+                          <a:cs typeface="Courier New" pitchFamily="49" charset="0"/>
+                        </a:rPr>
+                        <a:t>(</a:t>
+                      </a:r>
+                      <a:r>
+                        <a:rPr lang="en-US" sz="1800" b="0" kern="1200" dirty="0" err="1" smtClean="0">
+                          <a:solidFill>
+                            <a:srgbClr val="00B0F0"/>
+                          </a:solidFill>
+                          <a:latin typeface="Courier New" pitchFamily="49" charset="0"/>
+                          <a:ea typeface="+mn-ea"/>
+                          <a:cs typeface="Courier New" pitchFamily="49" charset="0"/>
+                        </a:rPr>
+                        <a:t>Testfun</a:t>
+                      </a:r>
+                      <a:r>
+                        <a:rPr lang="en-US" sz="1800" b="0" kern="1200" dirty="0" smtClean="0">
+                          <a:solidFill>
+                            <a:srgbClr val="00B0F0"/>
+                          </a:solidFill>
+                          <a:latin typeface="Courier New" pitchFamily="49" charset="0"/>
+                          <a:ea typeface="+mn-ea"/>
+                          <a:cs typeface="Courier New" pitchFamily="49" charset="0"/>
+                        </a:rPr>
+                        <a:t>, list(Doppelganger(), Answer))</a:t>
+                      </a:r>
+                    </a:p>
+                    <a:p>
+                      <a:r>
+                        <a:rPr lang="en-US" sz="1800" b="0" kern="1200" dirty="0" smtClean="0">
+                          <a:solidFill>
+                            <a:srgbClr val="00B0F0"/>
+                          </a:solidFill>
+                          <a:latin typeface="Courier New" pitchFamily="49" charset="0"/>
+                          <a:ea typeface="+mn-ea"/>
+                          <a:cs typeface="Courier New" pitchFamily="49" charset="0"/>
+                        </a:rPr>
+                        <a:t>  })</a:t>
+                      </a:r>
+                    </a:p>
+                    <a:p>
+                      <a:endParaRPr lang="en-US" sz="1800" b="0" kern="1200" dirty="0" smtClean="0">
+                        <a:solidFill>
+                          <a:srgbClr val="00B0F0"/>
+                        </a:solidFill>
+                        <a:latin typeface="Courier New" pitchFamily="49" charset="0"/>
+                        <a:ea typeface="+mn-ea"/>
+                        <a:cs typeface="Courier New" pitchFamily="49" charset="0"/>
+                      </a:endParaRPr>
+                    </a:p>
+                    <a:p>
+                      <a:r>
+                        <a:rPr lang="en-US" sz="1800" b="0" kern="1200" dirty="0" smtClean="0">
+                          <a:solidFill>
+                            <a:srgbClr val="00B0F0"/>
+                          </a:solidFill>
+                          <a:latin typeface="Courier New" pitchFamily="49" charset="0"/>
+                          <a:ea typeface="+mn-ea"/>
+                          <a:cs typeface="Courier New" pitchFamily="49" charset="0"/>
+                        </a:rPr>
+                        <a:t>}</a:t>
+                      </a:r>
+                    </a:p>
+                    <a:p>
+                      <a:r>
+                        <a:rPr lang="en-US" sz="1800" b="0" kern="1200" dirty="0" err="1" smtClean="0">
+                          <a:solidFill>
+                            <a:srgbClr val="00B0F0"/>
+                          </a:solidFill>
+                          <a:latin typeface="Courier New" pitchFamily="49" charset="0"/>
+                          <a:ea typeface="+mn-ea"/>
+                          <a:cs typeface="Courier New" pitchFamily="49" charset="0"/>
+                        </a:rPr>
+                        <a:t>checks_out</a:t>
+                      </a:r>
+                      <a:r>
+                        <a:rPr lang="en-US" sz="1800" b="0" kern="1200" dirty="0" smtClean="0">
+                          <a:solidFill>
+                            <a:srgbClr val="00B0F0"/>
+                          </a:solidFill>
+                          <a:latin typeface="Courier New" pitchFamily="49" charset="0"/>
+                          <a:ea typeface="+mn-ea"/>
+                          <a:cs typeface="Courier New" pitchFamily="49" charset="0"/>
+                        </a:rPr>
+                        <a:t>()</a:t>
+                      </a:r>
+                    </a:p>
+                    <a:p>
+                      <a:r>
+                        <a:rPr lang="en-US" sz="1800" b="0" kern="1200" dirty="0" err="1" smtClean="0">
+                          <a:solidFill>
+                            <a:srgbClr val="00B0F0"/>
+                          </a:solidFill>
+                          <a:latin typeface="Courier New" pitchFamily="49" charset="0"/>
+                          <a:ea typeface="+mn-ea"/>
+                          <a:cs typeface="Courier New" pitchFamily="49" charset="0"/>
+                        </a:rPr>
+                        <a:t>checks_out</a:t>
+                      </a:r>
+                      <a:r>
+                        <a:rPr lang="en-US" sz="1800" b="0" kern="1200" dirty="0" smtClean="0">
+                          <a:solidFill>
+                            <a:srgbClr val="00B0F0"/>
+                          </a:solidFill>
+                          <a:latin typeface="Courier New" pitchFamily="49" charset="0"/>
+                          <a:ea typeface="+mn-ea"/>
+                          <a:cs typeface="Courier New" pitchFamily="49" charset="0"/>
+                        </a:rPr>
+                        <a:t>(Response='c("a",  "x")')</a:t>
+                      </a:r>
+                    </a:p>
+                    <a:p>
+                      <a:r>
+                        <a:rPr lang="en-US" sz="1800" b="1" kern="1200" dirty="0" err="1" smtClean="0">
+                          <a:solidFill>
+                            <a:srgbClr val="00B0F0"/>
+                          </a:solidFill>
+                          <a:latin typeface="Courier New" pitchFamily="49" charset="0"/>
+                          <a:ea typeface="+mn-ea"/>
+                          <a:cs typeface="Courier New" pitchFamily="49" charset="0"/>
+                        </a:rPr>
+                        <a:t>checks_out</a:t>
+                      </a:r>
+                      <a:r>
+                        <a:rPr lang="en-US" sz="1800" b="1" kern="1200" dirty="0" smtClean="0">
+                          <a:solidFill>
+                            <a:srgbClr val="00B0F0"/>
+                          </a:solidFill>
+                          <a:latin typeface="Courier New" pitchFamily="49" charset="0"/>
+                          <a:ea typeface="+mn-ea"/>
+                          <a:cs typeface="Courier New" pitchFamily="49" charset="0"/>
+                        </a:rPr>
+                        <a:t>('c("a",  "x")', c("a", "x"), "</a:t>
+                      </a:r>
+                      <a:r>
+                        <a:rPr lang="en-US" sz="1800" b="1" kern="1200" dirty="0" err="1" smtClean="0">
+                          <a:solidFill>
+                            <a:srgbClr val="00B0F0"/>
+                          </a:solidFill>
+                          <a:latin typeface="Courier New" pitchFamily="49" charset="0"/>
+                          <a:ea typeface="+mn-ea"/>
+                          <a:cs typeface="Courier New" pitchFamily="49" charset="0"/>
+                        </a:rPr>
+                        <a:t>expect_identical</a:t>
+                      </a:r>
+                      <a:r>
+                        <a:rPr lang="en-US" sz="1800" b="1" kern="1200" dirty="0" smtClean="0">
+                          <a:solidFill>
+                            <a:srgbClr val="00B0F0"/>
+                          </a:solidFill>
+                          <a:latin typeface="Courier New" pitchFamily="49" charset="0"/>
+                          <a:ea typeface="+mn-ea"/>
+                          <a:cs typeface="Courier New" pitchFamily="49" charset="0"/>
+                        </a:rPr>
+                        <a:t>")</a:t>
+                      </a:r>
+                    </a:p>
+                    <a:p>
+                      <a:r>
+                        <a:rPr lang="en-US" sz="1800" b="0" kern="1200" dirty="0" err="1" smtClean="0">
+                          <a:solidFill>
+                            <a:srgbClr val="00B0F0"/>
+                          </a:solidFill>
+                          <a:latin typeface="Courier New" pitchFamily="49" charset="0"/>
+                          <a:ea typeface="+mn-ea"/>
+                          <a:cs typeface="Courier New" pitchFamily="49" charset="0"/>
+                        </a:rPr>
+                        <a:t>checks_out</a:t>
+                      </a:r>
+                      <a:r>
+                        <a:rPr lang="en-US" sz="1800" b="0" kern="1200" dirty="0" smtClean="0">
+                          <a:solidFill>
+                            <a:srgbClr val="00B0F0"/>
+                          </a:solidFill>
+                          <a:latin typeface="Courier New" pitchFamily="49" charset="0"/>
+                          <a:ea typeface="+mn-ea"/>
+                          <a:cs typeface="Courier New" pitchFamily="49" charset="0"/>
+                        </a:rPr>
+                        <a:t>('`{`(print(3))', 3)</a:t>
+                      </a:r>
+                    </a:p>
+                  </a:txBody>
+                  <a:tcPr>
+                    <a:lnL w="12700" cap="flat" cmpd="sng" algn="ctr">
+                      <a:solidFill>
+                        <a:schemeClr val="tx1"/>
+                      </a:solidFill>
+                      <a:prstDash val="solid"/>
+                      <a:round/>
+                      <a:headEnd type="none" w="med" len="med"/>
+                      <a:tailEnd type="none" w="med" len="med"/>
+                    </a:lnL>
+                    <a:lnT w="76200" cap="flat" cmpd="sng" algn="ctr">
+                      <a:solidFill>
+                        <a:schemeClr val="bg1">
+                          <a:lumMod val="65000"/>
+                        </a:schemeClr>
+                      </a:solidFill>
+                      <a:prstDash val="solid"/>
+                      <a:round/>
+                      <a:headEnd type="none" w="med" len="med"/>
+                      <a:tailEnd type="none" w="med" len="med"/>
+                    </a:lnT>
+                    <a:lnB w="76200" cap="flat" cmpd="sng" algn="ctr">
+                      <a:solidFill>
+                        <a:schemeClr val="bg1">
+                          <a:lumMod val="65000"/>
+                        </a:schemeClr>
+                      </a:solidFill>
+                      <a:prstDash val="solid"/>
+                      <a:round/>
+                      <a:headEnd type="none" w="med" len="med"/>
+                      <a:tailEnd type="none" w="med" len="med"/>
+                    </a:lnB>
+                    <a:solidFill>
+                      <a:schemeClr val="tx1">
+                        <a:lumMod val="75000"/>
+                        <a:lumOff val="25000"/>
+                      </a:schemeClr>
+                    </a:solidFill>
+                  </a:tcPr>
+                </a:tc>
+              </a:tr>
+            </a:tbl>
+          </a:graphicData>
+        </a:graphic>
+      </p:graphicFrame>
+      <p:sp>
+        <p:nvSpPr>
+          <p:cNvPr id="3" name="TextBox 2"/>
+          <p:cNvSpPr txBox="1"/>
+          <p:nvPr/>
+        </p:nvSpPr>
+        <p:spPr>
+          <a:xfrm>
+            <a:off x="228600" y="762000"/>
+            <a:ext cx="2994731" cy="584775"/>
+          </a:xfrm>
+          <a:prstGeom prst="rect">
+            <a:avLst/>
+          </a:prstGeom>
+          <a:noFill/>
+        </p:spPr>
+        <p:txBody>
+          <a:bodyPr wrap="none" rtlCol="0">
+            <a:spAutoFit/>
+          </a:bodyPr>
+          <a:lstStyle/>
+          <a:p>
+            <a:r>
+              <a:rPr lang="en-US" sz="3200" b="1" dirty="0" smtClean="0">
+                <a:solidFill>
+                  <a:schemeClr val="tx1">
+                    <a:lumMod val="65000"/>
+                    <a:lumOff val="35000"/>
+                  </a:schemeClr>
+                </a:solidFill>
+              </a:rPr>
+              <a:t>DOPPELGANGER</a:t>
+            </a:r>
+            <a:endParaRPr lang="en-US" sz="3200" b="1" dirty="0">
+              <a:solidFill>
+                <a:schemeClr val="tx1">
+                  <a:lumMod val="65000"/>
+                  <a:lumOff val="35000"/>
+                </a:schemeClr>
+              </a:solidFill>
+            </a:endParaRPr>
+          </a:p>
+        </p:txBody>
+      </p:sp>
+      <p:sp>
+        <p:nvSpPr>
+          <p:cNvPr id="4" name="TextBox 3"/>
+          <p:cNvSpPr txBox="1"/>
+          <p:nvPr/>
+        </p:nvSpPr>
+        <p:spPr>
+          <a:xfrm>
+            <a:off x="4800600" y="228600"/>
+            <a:ext cx="4114800" cy="1169551"/>
+          </a:xfrm>
+          <a:prstGeom prst="rect">
+            <a:avLst/>
+          </a:prstGeom>
+          <a:noFill/>
+        </p:spPr>
+        <p:txBody>
+          <a:bodyPr wrap="square" rtlCol="0">
+            <a:spAutoFit/>
+          </a:bodyPr>
+          <a:lstStyle/>
+          <a:p>
+            <a:r>
+              <a:rPr lang="en-US" sz="1400" b="1" dirty="0" smtClean="0"/>
+              <a:t>Answer/Response may be:</a:t>
+            </a:r>
+          </a:p>
+          <a:p>
+            <a:pPr marL="173038" indent="-173038">
+              <a:buFont typeface="Arial" pitchFamily="34" charset="0"/>
+              <a:buChar char="•"/>
+            </a:pPr>
+            <a:r>
+              <a:rPr lang="en-US" sz="1400" b="1" dirty="0" smtClean="0"/>
+              <a:t>Line(s) of code</a:t>
+            </a:r>
+          </a:p>
+          <a:p>
+            <a:pPr marL="173038" indent="-173038">
+              <a:buFont typeface="Arial" pitchFamily="34" charset="0"/>
+              <a:buChar char="•"/>
+            </a:pPr>
+            <a:r>
+              <a:rPr lang="en-US" sz="1400" b="1" dirty="0" smtClean="0"/>
+              <a:t>Object – Numeric, Vector, etc.</a:t>
+            </a:r>
+          </a:p>
+          <a:p>
+            <a:pPr marL="173038" indent="-173038">
+              <a:buFont typeface="Arial" pitchFamily="34" charset="0"/>
+              <a:buChar char="•"/>
+            </a:pPr>
+            <a:r>
+              <a:rPr lang="en-US" sz="1400" b="1" dirty="0" smtClean="0"/>
+              <a:t>String, incl. serialized object</a:t>
+            </a:r>
+          </a:p>
+          <a:p>
+            <a:pPr marL="173038" indent="-173038">
+              <a:buFont typeface="Arial" pitchFamily="34" charset="0"/>
+              <a:buChar char="•"/>
+            </a:pPr>
+            <a:r>
+              <a:rPr lang="en-US" sz="1400" b="1" dirty="0" smtClean="0"/>
+              <a:t>Integer indicating multiple-choice selection</a:t>
+            </a:r>
+          </a:p>
+        </p:txBody>
+      </p:sp>
+      <p:sp>
+        <p:nvSpPr>
+          <p:cNvPr id="5" name="TextBox 4"/>
+          <p:cNvSpPr txBox="1"/>
+          <p:nvPr/>
+        </p:nvSpPr>
+        <p:spPr>
+          <a:xfrm>
+            <a:off x="5029200" y="4191000"/>
+            <a:ext cx="3886200" cy="646331"/>
+          </a:xfrm>
+          <a:prstGeom prst="rect">
+            <a:avLst/>
+          </a:prstGeom>
+          <a:noFill/>
+          <a:ln>
+            <a:noFill/>
+          </a:ln>
+          <a:effectLst>
+            <a:outerShdw blurRad="190500" dist="228600" dir="2700000" algn="ctr">
+              <a:srgbClr val="000000">
+                <a:alpha val="30000"/>
+              </a:srgbClr>
+            </a:outerShdw>
+          </a:effectLst>
+          <a:scene3d>
+            <a:camera prst="orthographicFront">
+              <a:rot lat="0" lon="0" rev="0"/>
+            </a:camera>
+            <a:lightRig rig="glow" dir="t">
+              <a:rot lat="0" lon="0" rev="4800000"/>
+            </a:lightRig>
+          </a:scene3d>
+          <a:sp3d prstMaterial="matte">
+            <a:bevelT w="127000" h="63500"/>
+          </a:sp3d>
+        </p:spPr>
+        <p:txBody>
+          <a:bodyPr wrap="square" rtlCol="0">
+            <a:spAutoFit/>
+          </a:bodyPr>
+          <a:lstStyle/>
+          <a:p>
+            <a:r>
+              <a:rPr lang="en-US" b="1" dirty="0" smtClean="0">
+                <a:solidFill>
+                  <a:schemeClr val="bg1"/>
+                </a:solidFill>
+                <a:effectLst>
+                  <a:glow rad="101600">
+                    <a:schemeClr val="bg1">
+                      <a:lumMod val="50000"/>
+                      <a:alpha val="60000"/>
+                    </a:schemeClr>
+                  </a:glow>
+                  <a:outerShdw blurRad="38100" dist="38100" dir="2700000" algn="tl">
+                    <a:srgbClr val="000000">
+                      <a:alpha val="43137"/>
+                    </a:srgbClr>
+                  </a:outerShdw>
+                </a:effectLst>
+              </a:rPr>
+              <a:t>The lines in bold face constitute the specification for checking</a:t>
+            </a:r>
+            <a:endParaRPr lang="en-US" b="1" dirty="0">
+              <a:solidFill>
+                <a:schemeClr val="bg1"/>
+              </a:solidFill>
+              <a:effectLst>
+                <a:glow rad="101600">
+                  <a:schemeClr val="bg1">
+                    <a:lumMod val="50000"/>
+                    <a:alpha val="60000"/>
+                  </a:schemeClr>
+                </a:glow>
+                <a:outerShdw blurRad="38100" dist="38100" dir="2700000" algn="tl">
+                  <a:srgbClr val="000000">
+                    <a:alpha val="43137"/>
+                  </a:srgbClr>
+                </a:outerShdw>
+              </a:effectLst>
+            </a:endParaRPr>
+          </a:p>
+        </p:txBody>
+      </p:sp>
+      <p:sp>
+        <p:nvSpPr>
+          <p:cNvPr id="6" name="Rectangle 5"/>
+          <p:cNvSpPr/>
+          <p:nvPr/>
+        </p:nvSpPr>
+        <p:spPr>
+          <a:xfrm>
+            <a:off x="0" y="5983069"/>
+            <a:ext cx="9144000" cy="523220"/>
+          </a:xfrm>
+          <a:prstGeom prst="rect">
+            <a:avLst/>
+          </a:prstGeom>
+        </p:spPr>
+        <p:txBody>
+          <a:bodyPr wrap="square">
+            <a:spAutoFit/>
+          </a:bodyPr>
+          <a:lstStyle/>
+          <a:p>
+            <a:r>
+              <a:rPr lang="en-US" sz="1400" b="1" dirty="0" smtClean="0"/>
+              <a:t>The response is inserted in the Doppelganger function which is then unit-tested for the expected response. Response is answer unless otherwise specified. </a:t>
+            </a:r>
+            <a:endParaRPr lang="en-US" sz="1400" b="1" dirty="0"/>
+          </a:p>
+        </p:txBody>
+      </p:sp>
+    </p:spTree>
+  </p:cSld>
+  <p:clrMapOvr>
+    <a:masterClrMapping/>
+  </p:clrMapOvr>
+  <p:timing>
+    <p:tnLst>
+      <p:par>
+        <p:cTn id="1" dur="indefinite" restart="never" nodeType="tmRoot"/>
+      </p:par>
+    </p:tnLst>
+  </p:timing>
+</p:sld>
+</file>
+
+<file path=ppt/slides/slide48.xml><?xml version="1.0" encoding="utf-8"?>
 <p:sld xmlns:a="http://schemas.openxmlformats.org/drawingml/2006/main" xmlns:r="http://schemas.openxmlformats.org/officeDocument/2006/relationships" xmlns:p="http://schemas.openxmlformats.org/presentationml/2006/main">
   <p:cSld>
     <p:spTree>
@@ -26002,674 +33338,13 @@
   <p:clrMapOvr>
     <a:masterClrMapping/>
   </p:clrMapOvr>
-</p:sld>
-</file>
-
-<file path=ppt/slides/slide4.xml><?xml version="1.0" encoding="utf-8"?>
-<p:sld xmlns:a="http://schemas.openxmlformats.org/drawingml/2006/main" xmlns:r="http://schemas.openxmlformats.org/officeDocument/2006/relationships" xmlns:p="http://schemas.openxmlformats.org/presentationml/2006/main">
-  <p:cSld>
-    <p:spTree>
-      <p:nvGrpSpPr>
-        <p:cNvPr id="1" name=""/>
-        <p:cNvGrpSpPr/>
-        <p:nvPr/>
-      </p:nvGrpSpPr>
-      <p:grpSpPr>
-        <a:xfrm>
-          <a:off x="0" y="0"/>
-          <a:ext cx="0" cy="0"/>
-          <a:chOff x="0" y="0"/>
-          <a:chExt cx="0" cy="0"/>
-        </a:xfrm>
-      </p:grpSpPr>
-      <p:graphicFrame>
-        <p:nvGraphicFramePr>
-          <p:cNvPr id="16" name="Table 15"/>
-          <p:cNvGraphicFramePr>
-            <a:graphicFrameLocks noGrp="1"/>
-          </p:cNvGraphicFramePr>
-          <p:nvPr/>
-        </p:nvGraphicFramePr>
-        <p:xfrm>
-          <a:off x="0" y="975360"/>
-          <a:ext cx="914400" cy="914400"/>
-        </p:xfrm>
-        <a:graphic>
-          <a:graphicData uri="http://schemas.openxmlformats.org/drawingml/2006/table">
-            <a:tbl>
-              <a:tblPr firstRow="1" bandRow="1">
-                <a:tableStyleId>{5C22544A-7EE6-4342-B048-85BDC9FD1C3A}</a:tableStyleId>
-              </a:tblPr>
-              <a:tblGrid>
-                <a:gridCol w="914400"/>
-              </a:tblGrid>
-              <a:tr h="914400">
-                <a:tc>
-                  <a:txBody>
-                    <a:bodyPr/>
-                    <a:lstStyle/>
-                    <a:p>
-                      <a:pPr algn="ctr"/>
-                      <a:r>
-                        <a:rPr lang="en-US" sz="5400" dirty="0" smtClean="0"/>
-                        <a:t>Q</a:t>
-                      </a:r>
-                      <a:endParaRPr lang="en-US" sz="5400" dirty="0"/>
-                    </a:p>
-                  </a:txBody>
-                  <a:tcPr anchor="ctr">
-                    <a:lnL w="12700" cap="flat" cmpd="sng" algn="ctr">
-                      <a:solidFill>
-                        <a:schemeClr val="tx1"/>
-                      </a:solidFill>
-                      <a:prstDash val="solid"/>
-                      <a:round/>
-                      <a:headEnd type="none" w="med" len="med"/>
-                      <a:tailEnd type="none" w="med" len="med"/>
-                    </a:lnL>
-                    <a:lnT w="12700" cap="flat" cmpd="sng" algn="ctr">
-                      <a:solidFill>
-                        <a:schemeClr val="tx1"/>
-                      </a:solidFill>
-                      <a:prstDash val="solid"/>
-                      <a:round/>
-                      <a:headEnd type="none" w="med" len="med"/>
-                      <a:tailEnd type="none" w="med" len="med"/>
-                    </a:lnT>
-                    <a:lnB w="12700" cap="flat" cmpd="sng" algn="ctr">
-                      <a:solidFill>
-                        <a:schemeClr val="tx1"/>
-                      </a:solidFill>
-                      <a:prstDash val="solid"/>
-                      <a:round/>
-                      <a:headEnd type="none" w="med" len="med"/>
-                      <a:tailEnd type="none" w="med" len="med"/>
-                    </a:lnB>
-                    <a:solidFill>
-                      <a:schemeClr val="bg1">
-                        <a:lumMod val="65000"/>
-                      </a:schemeClr>
-                    </a:solidFill>
-                  </a:tcPr>
-                </a:tc>
-              </a:tr>
-            </a:tbl>
-          </a:graphicData>
-        </a:graphic>
-      </p:graphicFrame>
-      <p:graphicFrame>
-        <p:nvGraphicFramePr>
-          <p:cNvPr id="18" name="Table 17"/>
-          <p:cNvGraphicFramePr>
-            <a:graphicFrameLocks noGrp="1"/>
-          </p:cNvGraphicFramePr>
-          <p:nvPr/>
-        </p:nvGraphicFramePr>
-        <p:xfrm>
-          <a:off x="914400" y="1112520"/>
-          <a:ext cx="8229600" cy="640080"/>
-        </p:xfrm>
-        <a:graphic>
-          <a:graphicData uri="http://schemas.openxmlformats.org/drawingml/2006/table">
-            <a:tbl>
-              <a:tblPr firstRow="1" bandRow="1">
-                <a:tableStyleId>{5C22544A-7EE6-4342-B048-85BDC9FD1C3A}</a:tableStyleId>
-              </a:tblPr>
-              <a:tblGrid>
-                <a:gridCol w="8229600"/>
-              </a:tblGrid>
-              <a:tr h="487680">
-                <a:tc>
-                  <a:txBody>
-                    <a:bodyPr/>
-                    <a:lstStyle/>
-                    <a:p>
-                      <a:r>
-                        <a:rPr lang="en-US" b="0" dirty="0" smtClean="0">
-                          <a:solidFill>
-                            <a:schemeClr val="tx1"/>
-                          </a:solidFill>
-                        </a:rPr>
-                        <a:t>What do</a:t>
-                      </a:r>
-                      <a:r>
-                        <a:rPr lang="en-US" b="0" baseline="0" dirty="0" smtClean="0">
-                          <a:solidFill>
-                            <a:schemeClr val="tx1"/>
-                          </a:solidFill>
-                        </a:rPr>
-                        <a:t> these function calls return?</a:t>
-                      </a:r>
-                      <a:endParaRPr lang="en-US" b="0" dirty="0" smtClean="0">
-                        <a:solidFill>
-                          <a:schemeClr val="tx1"/>
-                        </a:solidFill>
-                      </a:endParaRPr>
-                    </a:p>
-                    <a:p>
-                      <a:r>
-                        <a:rPr lang="en-US" b="0" dirty="0" smtClean="0">
-                          <a:solidFill>
-                            <a:srgbClr val="00B0F0"/>
-                          </a:solidFill>
-                          <a:latin typeface="Courier" pitchFamily="49" charset="0"/>
-                        </a:rPr>
-                        <a:t>formals(sum); body(sum); environment(sum);</a:t>
-                      </a:r>
-                    </a:p>
-                  </a:txBody>
-                  <a:tcPr>
-                    <a:lnT w="76200" cap="flat" cmpd="sng" algn="ctr">
-                      <a:solidFill>
-                        <a:schemeClr val="bg1">
-                          <a:lumMod val="65000"/>
-                        </a:schemeClr>
-                      </a:solidFill>
-                      <a:prstDash val="solid"/>
-                      <a:round/>
-                      <a:headEnd type="none" w="med" len="med"/>
-                      <a:tailEnd type="none" w="med" len="med"/>
-                    </a:lnT>
-                    <a:lnB w="76200" cap="flat" cmpd="sng" algn="ctr">
-                      <a:solidFill>
-                        <a:schemeClr val="bg1">
-                          <a:lumMod val="65000"/>
-                        </a:schemeClr>
-                      </a:solidFill>
-                      <a:prstDash val="solid"/>
-                      <a:round/>
-                      <a:headEnd type="none" w="med" len="med"/>
-                      <a:tailEnd type="none" w="med" len="med"/>
-                    </a:lnB>
-                    <a:solidFill>
-                      <a:schemeClr val="bg1"/>
-                    </a:solidFill>
-                  </a:tcPr>
-                </a:tc>
-              </a:tr>
-            </a:tbl>
-          </a:graphicData>
-        </a:graphic>
-      </p:graphicFrame>
-      <p:graphicFrame>
-        <p:nvGraphicFramePr>
-          <p:cNvPr id="19" name="Table 18"/>
-          <p:cNvGraphicFramePr>
-            <a:graphicFrameLocks noGrp="1"/>
-          </p:cNvGraphicFramePr>
-          <p:nvPr/>
-        </p:nvGraphicFramePr>
-        <p:xfrm>
-          <a:off x="0" y="2382520"/>
-          <a:ext cx="914400" cy="914400"/>
-        </p:xfrm>
-        <a:graphic>
-          <a:graphicData uri="http://schemas.openxmlformats.org/drawingml/2006/table">
-            <a:tbl>
-              <a:tblPr firstRow="1" bandRow="1">
-                <a:tableStyleId>{5C22544A-7EE6-4342-B048-85BDC9FD1C3A}</a:tableStyleId>
-              </a:tblPr>
-              <a:tblGrid>
-                <a:gridCol w="914400"/>
-              </a:tblGrid>
-              <a:tr h="914400">
-                <a:tc>
-                  <a:txBody>
-                    <a:bodyPr/>
-                    <a:lstStyle/>
-                    <a:p>
-                      <a:pPr algn="ctr"/>
-                      <a:r>
-                        <a:rPr lang="en-US" sz="5400" dirty="0" smtClean="0"/>
-                        <a:t>A</a:t>
-                      </a:r>
-                      <a:endParaRPr lang="en-US" sz="5400" dirty="0"/>
-                    </a:p>
-                  </a:txBody>
-                  <a:tcPr anchor="ctr">
-                    <a:lnL w="12700" cap="flat" cmpd="sng" algn="ctr">
-                      <a:solidFill>
-                        <a:schemeClr val="tx1"/>
-                      </a:solidFill>
-                      <a:prstDash val="solid"/>
-                      <a:round/>
-                      <a:headEnd type="none" w="med" len="med"/>
-                      <a:tailEnd type="none" w="med" len="med"/>
-                    </a:lnL>
-                    <a:lnT w="12700" cap="flat" cmpd="sng" algn="ctr">
-                      <a:solidFill>
-                        <a:schemeClr val="tx1"/>
-                      </a:solidFill>
-                      <a:prstDash val="solid"/>
-                      <a:round/>
-                      <a:headEnd type="none" w="med" len="med"/>
-                      <a:tailEnd type="none" w="med" len="med"/>
-                    </a:lnT>
-                    <a:lnB w="12700" cap="flat" cmpd="sng" algn="ctr">
-                      <a:solidFill>
-                        <a:schemeClr val="tx1"/>
-                      </a:solidFill>
-                      <a:prstDash val="solid"/>
-                      <a:round/>
-                      <a:headEnd type="none" w="med" len="med"/>
-                      <a:tailEnd type="none" w="med" len="med"/>
-                    </a:lnB>
-                    <a:solidFill>
-                      <a:schemeClr val="tx1">
-                        <a:lumMod val="50000"/>
-                        <a:lumOff val="50000"/>
-                      </a:schemeClr>
-                    </a:solidFill>
-                  </a:tcPr>
-                </a:tc>
-              </a:tr>
-            </a:tbl>
-          </a:graphicData>
-        </a:graphic>
-      </p:graphicFrame>
-      <p:graphicFrame>
-        <p:nvGraphicFramePr>
-          <p:cNvPr id="20" name="Table 19"/>
-          <p:cNvGraphicFramePr>
-            <a:graphicFrameLocks noGrp="1"/>
-          </p:cNvGraphicFramePr>
-          <p:nvPr/>
-        </p:nvGraphicFramePr>
-        <p:xfrm>
-          <a:off x="914400" y="2514600"/>
-          <a:ext cx="8229600" cy="640080"/>
-        </p:xfrm>
-        <a:graphic>
-          <a:graphicData uri="http://schemas.openxmlformats.org/drawingml/2006/table">
-            <a:tbl>
-              <a:tblPr firstRow="1" bandRow="1">
-                <a:tableStyleId>{5C22544A-7EE6-4342-B048-85BDC9FD1C3A}</a:tableStyleId>
-              </a:tblPr>
-              <a:tblGrid>
-                <a:gridCol w="8229600"/>
-              </a:tblGrid>
-              <a:tr h="487680">
-                <a:tc>
-                  <a:txBody>
-                    <a:bodyPr/>
-                    <a:lstStyle/>
-                    <a:p>
-                      <a:r>
-                        <a:rPr lang="en-US" b="0" dirty="0" smtClean="0">
-                          <a:solidFill>
-                            <a:schemeClr val="tx1"/>
-                          </a:solidFill>
-                        </a:rPr>
-                        <a:t>Returns</a:t>
-                      </a:r>
-                    </a:p>
-                    <a:p>
-                      <a:r>
-                        <a:rPr lang="en-US" b="0" dirty="0" smtClean="0">
-                          <a:solidFill>
-                            <a:srgbClr val="00B0F0"/>
-                          </a:solidFill>
-                          <a:latin typeface="Courier" pitchFamily="49" charset="0"/>
-                        </a:rPr>
-                        <a:t>NULL</a:t>
-                      </a:r>
-                      <a:endParaRPr lang="en-US" b="0" dirty="0">
-                        <a:solidFill>
-                          <a:srgbClr val="00B0F0"/>
-                        </a:solidFill>
-                        <a:latin typeface="Courier" pitchFamily="49" charset="0"/>
-                      </a:endParaRPr>
-                    </a:p>
-                  </a:txBody>
-                  <a:tcPr>
-                    <a:lnT w="76200" cap="flat" cmpd="sng" algn="ctr">
-                      <a:solidFill>
-                        <a:schemeClr val="tx1">
-                          <a:lumMod val="50000"/>
-                          <a:lumOff val="50000"/>
-                        </a:schemeClr>
-                      </a:solidFill>
-                      <a:prstDash val="solid"/>
-                      <a:round/>
-                      <a:headEnd type="none" w="med" len="med"/>
-                      <a:tailEnd type="none" w="med" len="med"/>
-                    </a:lnT>
-                    <a:lnB w="76200" cap="flat" cmpd="sng" algn="ctr">
-                      <a:solidFill>
-                        <a:schemeClr val="tx1">
-                          <a:lumMod val="50000"/>
-                          <a:lumOff val="50000"/>
-                        </a:schemeClr>
-                      </a:solidFill>
-                      <a:prstDash val="solid"/>
-                      <a:round/>
-                      <a:headEnd type="none" w="med" len="med"/>
-                      <a:tailEnd type="none" w="med" len="med"/>
-                    </a:lnB>
-                    <a:solidFill>
-                      <a:schemeClr val="bg1"/>
-                    </a:solidFill>
-                  </a:tcPr>
-                </a:tc>
-              </a:tr>
-            </a:tbl>
-          </a:graphicData>
-        </a:graphic>
-      </p:graphicFrame>
-      <p:graphicFrame>
-        <p:nvGraphicFramePr>
-          <p:cNvPr id="21" name="Table 20"/>
-          <p:cNvGraphicFramePr>
-            <a:graphicFrameLocks noGrp="1"/>
-          </p:cNvGraphicFramePr>
-          <p:nvPr/>
-        </p:nvGraphicFramePr>
-        <p:xfrm>
-          <a:off x="0" y="3789680"/>
-          <a:ext cx="914400" cy="914400"/>
-        </p:xfrm>
-        <a:graphic>
-          <a:graphicData uri="http://schemas.openxmlformats.org/drawingml/2006/table">
-            <a:tbl>
-              <a:tblPr firstRow="1" bandRow="1">
-                <a:tableStyleId>{5C22544A-7EE6-4342-B048-85BDC9FD1C3A}</a:tableStyleId>
-              </a:tblPr>
-              <a:tblGrid>
-                <a:gridCol w="914400"/>
-              </a:tblGrid>
-              <a:tr h="914400">
-                <a:tc>
-                  <a:txBody>
-                    <a:bodyPr/>
-                    <a:lstStyle/>
-                    <a:p>
-                      <a:pPr algn="ctr"/>
-                      <a:r>
-                        <a:rPr lang="en-US" sz="5400" dirty="0" smtClean="0"/>
-                        <a:t>C</a:t>
-                      </a:r>
-                      <a:endParaRPr lang="en-US" sz="5400" dirty="0"/>
-                    </a:p>
-                  </a:txBody>
-                  <a:tcPr anchor="ctr">
-                    <a:lnL w="12700" cap="flat" cmpd="sng" algn="ctr">
-                      <a:solidFill>
-                        <a:schemeClr val="tx1"/>
-                      </a:solidFill>
-                      <a:prstDash val="solid"/>
-                      <a:round/>
-                      <a:headEnd type="none" w="med" len="med"/>
-                      <a:tailEnd type="none" w="med" len="med"/>
-                    </a:lnL>
-                    <a:lnT w="12700" cap="flat" cmpd="sng" algn="ctr">
-                      <a:solidFill>
-                        <a:schemeClr val="tx1"/>
-                      </a:solidFill>
-                      <a:prstDash val="solid"/>
-                      <a:round/>
-                      <a:headEnd type="none" w="med" len="med"/>
-                      <a:tailEnd type="none" w="med" len="med"/>
-                    </a:lnT>
-                    <a:lnB w="12700" cap="flat" cmpd="sng" algn="ctr">
-                      <a:solidFill>
-                        <a:schemeClr val="tx1"/>
-                      </a:solidFill>
-                      <a:prstDash val="solid"/>
-                      <a:round/>
-                      <a:headEnd type="none" w="med" len="med"/>
-                      <a:tailEnd type="none" w="med" len="med"/>
-                    </a:lnB>
-                    <a:solidFill>
-                      <a:schemeClr val="tx1">
-                        <a:lumMod val="75000"/>
-                        <a:lumOff val="25000"/>
-                      </a:schemeClr>
-                    </a:solidFill>
-                  </a:tcPr>
-                </a:tc>
-              </a:tr>
-            </a:tbl>
-          </a:graphicData>
-        </a:graphic>
-      </p:graphicFrame>
-      <p:graphicFrame>
-        <p:nvGraphicFramePr>
-          <p:cNvPr id="22" name="Table 21"/>
-          <p:cNvGraphicFramePr>
-            <a:graphicFrameLocks noGrp="1"/>
-          </p:cNvGraphicFramePr>
-          <p:nvPr/>
-        </p:nvGraphicFramePr>
-        <p:xfrm>
-          <a:off x="914400" y="3931920"/>
-          <a:ext cx="8229600" cy="640080"/>
-        </p:xfrm>
-        <a:graphic>
-          <a:graphicData uri="http://schemas.openxmlformats.org/drawingml/2006/table">
-            <a:tbl>
-              <a:tblPr firstRow="1" bandRow="1">
-                <a:tableStyleId>{5C22544A-7EE6-4342-B048-85BDC9FD1C3A}</a:tableStyleId>
-              </a:tblPr>
-              <a:tblGrid>
-                <a:gridCol w="8229600"/>
-              </a:tblGrid>
-              <a:tr h="487680">
-                <a:tc>
-                  <a:txBody>
-                    <a:bodyPr/>
-                    <a:lstStyle/>
-                    <a:p>
-                      <a:r>
-                        <a:rPr lang="en-US" b="0" dirty="0" smtClean="0">
-                          <a:solidFill>
-                            <a:schemeClr val="tx1"/>
-                          </a:solidFill>
-                        </a:rPr>
-                        <a:t>Some functions are implemented in C code for</a:t>
-                      </a:r>
-                      <a:r>
-                        <a:rPr lang="en-US" b="0" baseline="0" dirty="0" smtClean="0">
-                          <a:solidFill>
-                            <a:schemeClr val="tx1"/>
-                          </a:solidFill>
-                        </a:rPr>
-                        <a:t> efficiency. They have no R code. Therefore their body, list of arguments and environment are all null.</a:t>
-                      </a:r>
-                      <a:endParaRPr lang="en-US" b="0" dirty="0">
-                        <a:solidFill>
-                          <a:schemeClr val="tx1"/>
-                        </a:solidFill>
-                      </a:endParaRPr>
-                    </a:p>
-                  </a:txBody>
-                  <a:tcPr>
-                    <a:lnT w="76200" cap="flat" cmpd="sng" algn="ctr">
-                      <a:solidFill>
-                        <a:schemeClr val="tx1">
-                          <a:lumMod val="75000"/>
-                          <a:lumOff val="25000"/>
-                        </a:schemeClr>
-                      </a:solidFill>
-                      <a:prstDash val="solid"/>
-                      <a:round/>
-                      <a:headEnd type="none" w="med" len="med"/>
-                      <a:tailEnd type="none" w="med" len="med"/>
-                    </a:lnT>
-                    <a:lnB w="76200" cap="flat" cmpd="sng" algn="ctr">
-                      <a:solidFill>
-                        <a:schemeClr val="tx1">
-                          <a:lumMod val="75000"/>
-                          <a:lumOff val="25000"/>
-                        </a:schemeClr>
-                      </a:solidFill>
-                      <a:prstDash val="solid"/>
-                      <a:round/>
-                      <a:headEnd type="none" w="med" len="med"/>
-                      <a:tailEnd type="none" w="med" len="med"/>
-                    </a:lnB>
-                    <a:solidFill>
-                      <a:schemeClr val="bg1"/>
-                    </a:solidFill>
-                  </a:tcPr>
-                </a:tc>
-              </a:tr>
-            </a:tbl>
-          </a:graphicData>
-        </a:graphic>
-      </p:graphicFrame>
-      <p:graphicFrame>
-        <p:nvGraphicFramePr>
-          <p:cNvPr id="23" name="Table 22"/>
-          <p:cNvGraphicFramePr>
-            <a:graphicFrameLocks noGrp="1"/>
-          </p:cNvGraphicFramePr>
-          <p:nvPr/>
-        </p:nvGraphicFramePr>
-        <p:xfrm>
-          <a:off x="0" y="5196840"/>
-          <a:ext cx="914400" cy="914400"/>
-        </p:xfrm>
-        <a:graphic>
-          <a:graphicData uri="http://schemas.openxmlformats.org/drawingml/2006/table">
-            <a:tbl>
-              <a:tblPr firstRow="1" bandRow="1">
-                <a:tableStyleId>{5C22544A-7EE6-4342-B048-85BDC9FD1C3A}</a:tableStyleId>
-              </a:tblPr>
-              <a:tblGrid>
-                <a:gridCol w="914400"/>
-              </a:tblGrid>
-              <a:tr h="914400">
-                <a:tc>
-                  <a:txBody>
-                    <a:bodyPr/>
-                    <a:lstStyle/>
-                    <a:p>
-                      <a:pPr algn="ctr"/>
-                      <a:r>
-                        <a:rPr lang="en-US" sz="5400" dirty="0" smtClean="0"/>
-                        <a:t>T</a:t>
-                      </a:r>
-                      <a:endParaRPr lang="en-US" sz="5400" dirty="0"/>
-                    </a:p>
-                  </a:txBody>
-                  <a:tcPr anchor="ctr">
-                    <a:lnL w="12700" cap="flat" cmpd="sng" algn="ctr">
-                      <a:solidFill>
-                        <a:schemeClr val="tx1"/>
-                      </a:solidFill>
-                      <a:prstDash val="solid"/>
-                      <a:round/>
-                      <a:headEnd type="none" w="med" len="med"/>
-                      <a:tailEnd type="none" w="med" len="med"/>
-                    </a:lnL>
-                    <a:lnT w="12700" cap="flat" cmpd="sng" algn="ctr">
-                      <a:solidFill>
-                        <a:schemeClr val="tx1"/>
-                      </a:solidFill>
-                      <a:prstDash val="solid"/>
-                      <a:round/>
-                      <a:headEnd type="none" w="med" len="med"/>
-                      <a:tailEnd type="none" w="med" len="med"/>
-                    </a:lnT>
-                    <a:lnB w="12700" cap="flat" cmpd="sng" algn="ctr">
-                      <a:solidFill>
-                        <a:schemeClr val="tx1"/>
-                      </a:solidFill>
-                      <a:prstDash val="solid"/>
-                      <a:round/>
-                      <a:headEnd type="none" w="med" len="med"/>
-                      <a:tailEnd type="none" w="med" len="med"/>
-                    </a:lnB>
-                    <a:solidFill>
-                      <a:schemeClr val="tx1">
-                        <a:lumMod val="95000"/>
-                        <a:lumOff val="5000"/>
-                      </a:schemeClr>
-                    </a:solidFill>
-                  </a:tcPr>
-                </a:tc>
-              </a:tr>
-            </a:tbl>
-          </a:graphicData>
-        </a:graphic>
-      </p:graphicFrame>
-      <p:graphicFrame>
-        <p:nvGraphicFramePr>
-          <p:cNvPr id="11" name="Table 10"/>
-          <p:cNvGraphicFramePr>
-            <a:graphicFrameLocks noGrp="1"/>
-          </p:cNvGraphicFramePr>
-          <p:nvPr/>
-        </p:nvGraphicFramePr>
-        <p:xfrm>
-          <a:off x="914400" y="5379720"/>
-          <a:ext cx="8229600" cy="487680"/>
-        </p:xfrm>
-        <a:graphic>
-          <a:graphicData uri="http://schemas.openxmlformats.org/drawingml/2006/table">
-            <a:tbl>
-              <a:tblPr firstRow="1" bandRow="1">
-                <a:tableStyleId>{5C22544A-7EE6-4342-B048-85BDC9FD1C3A}</a:tableStyleId>
-              </a:tblPr>
-              <a:tblGrid>
-                <a:gridCol w="8229600"/>
-              </a:tblGrid>
-              <a:tr h="487680">
-                <a:tc>
-                  <a:txBody>
-                    <a:bodyPr/>
-                    <a:lstStyle/>
-                    <a:p>
-                      <a:r>
-                        <a:rPr lang="en-US" b="0" dirty="0" smtClean="0">
-                          <a:solidFill>
-                            <a:srgbClr val="FF0000"/>
-                          </a:solidFill>
-                        </a:rPr>
-                        <a:t>Custom functions</a:t>
-                      </a:r>
-                    </a:p>
-                  </a:txBody>
-                  <a:tcPr>
-                    <a:lnT w="76200" cap="flat" cmpd="sng" algn="ctr">
-                      <a:solidFill>
-                        <a:schemeClr val="tx1">
-                          <a:lumMod val="95000"/>
-                          <a:lumOff val="5000"/>
-                        </a:schemeClr>
-                      </a:solidFill>
-                      <a:prstDash val="solid"/>
-                      <a:round/>
-                      <a:headEnd type="none" w="med" len="med"/>
-                      <a:tailEnd type="none" w="med" len="med"/>
-                    </a:lnT>
-                    <a:lnB w="76200" cap="flat" cmpd="sng" algn="ctr">
-                      <a:solidFill>
-                        <a:schemeClr val="tx1">
-                          <a:lumMod val="95000"/>
-                          <a:lumOff val="5000"/>
-                        </a:schemeClr>
-                      </a:solidFill>
-                      <a:prstDash val="solid"/>
-                      <a:round/>
-                      <a:headEnd type="none" w="med" len="med"/>
-                      <a:tailEnd type="none" w="med" len="med"/>
-                    </a:lnB>
-                    <a:solidFill>
-                      <a:schemeClr val="bg1"/>
-                    </a:solidFill>
-                  </a:tcPr>
-                </a:tc>
-              </a:tr>
-            </a:tbl>
-          </a:graphicData>
-        </a:graphic>
-      </p:graphicFrame>
-    </p:spTree>
-  </p:cSld>
-  <p:clrMapOvr>
-    <a:masterClrMapping/>
-  </p:clrMapOvr>
+  <p:timing>
+    <p:tnLst>
+      <p:par>
+        <p:cTn id="1" dur="indefinite" restart="never" nodeType="tmRoot"/>
+      </p:par>
+    </p:tnLst>
+  </p:timing>
 </p:sld>
 </file>
 
@@ -28594,19 +35269,23 @@
                     <a:lstStyle/>
                     <a:p>
                       <a:r>
-                        <a:rPr lang="en-US" b="0" dirty="0" smtClean="0">
-                          <a:solidFill>
-                            <a:schemeClr val="tx1"/>
+                        <a:rPr lang="en-US" sz="1800" b="0" kern="1200" dirty="0" smtClean="0">
+                          <a:solidFill>
+                            <a:srgbClr val="00B0F0"/>
                           </a:solidFill>
                           <a:latin typeface="Courier" pitchFamily="49" charset="0"/>
+                          <a:ea typeface="+mn-ea"/>
+                          <a:cs typeface="+mn-cs"/>
                         </a:rPr>
                         <a:t>221</a:t>
                       </a:r>
-                      <a:endParaRPr lang="en-US" b="0" dirty="0">
+                      <a:endParaRPr lang="en-US" sz="1800" b="0" kern="1200" dirty="0">
                         <a:solidFill>
-                          <a:schemeClr val="tx1"/>
+                          <a:srgbClr val="00B0F0"/>
                         </a:solidFill>
                         <a:latin typeface="Courier" pitchFamily="49" charset="0"/>
+                        <a:ea typeface="+mn-ea"/>
+                        <a:cs typeface="+mn-cs"/>
                       </a:endParaRPr>
                     </a:p>
                   </a:txBody>
